--- a/lessons/required/logistic-regression/slides/intro-to-logistic-regression.pptx
+++ b/lessons/required/logistic-regression/slides/intro-to-logistic-regression.pptx
@@ -24747,18 +24747,11 @@
   <p:clrMapOvr>
     <a:masterClrMapping/>
   </p:clrMapOvr>
-  <p:timing>
-    <p:tnLst>
-      <p:par>
-        <p:cTn id="1" dur="indefinite" restart="never" nodeType="tmRoot"/>
-      </p:par>
-    </p:tnLst>
-  </p:timing>
 </p:sld>
 </file>
 
 <file path=ppt/slides/slide10.xml><?xml version="1.0" encoding="utf-8"?>
-<p:sld xmlns:a="http://schemas.openxmlformats.org/drawingml/2006/main" xmlns:r="http://schemas.openxmlformats.org/officeDocument/2006/relationships" xmlns:p="http://schemas.openxmlformats.org/presentationml/2006/main">
+<p:sld xmlns:a="http://schemas.openxmlformats.org/drawingml/2006/main" xmlns:r="http://schemas.openxmlformats.org/officeDocument/2006/relationships" xmlns:p="http://schemas.openxmlformats.org/presentationml/2006/main" show="0">
   <p:cSld>
     <p:spTree>
       <p:nvGrpSpPr>
@@ -24810,7 +24803,7 @@
               <a:buNone/>
             </a:pPr>
             <a:r>
-              <a:rPr lang="en-US" sz="3200" b="1" dirty="0" smtClean="0">
+              <a:rPr lang="en-US" sz="3200" b="1" dirty="0">
                 <a:latin typeface="Oswald"/>
                 <a:ea typeface="Oswald"/>
                 <a:cs typeface="Oswald"/>
@@ -24818,12 +24811,6 @@
               </a:rPr>
               <a:t>WHY NOT LINEAR REGRESSION?</a:t>
             </a:r>
-            <a:endParaRPr lang="en-US" sz="3200" b="1" dirty="0">
-              <a:latin typeface="Oswald"/>
-              <a:ea typeface="Oswald"/>
-              <a:cs typeface="Oswald"/>
-              <a:sym typeface="Oswald"/>
-            </a:endParaRPr>
           </a:p>
         </p:txBody>
       </p:sp>
@@ -24882,41 +24869,8 @@
                 <a:cs typeface="Georgia"/>
                 <a:sym typeface="Georgia"/>
               </a:rPr>
-              <a:t>Open up the </a:t>
+              <a:t>Open up the starter-code-9 notebook and let’s see what happens when we apply a linear regression model to a classification problem.</a:t>
             </a:r>
-            <a:r>
-              <a:rPr lang="en-US" sz="2800" dirty="0" smtClean="0">
-                <a:latin typeface="Georgia"/>
-                <a:ea typeface="Georgia"/>
-                <a:cs typeface="Georgia"/>
-                <a:sym typeface="Georgia"/>
-              </a:rPr>
-              <a:t>starter-code-9 </a:t>
-            </a:r>
-            <a:r>
-              <a:rPr lang="en-US" sz="2800" dirty="0">
-                <a:latin typeface="Georgia"/>
-                <a:ea typeface="Georgia"/>
-                <a:cs typeface="Georgia"/>
-                <a:sym typeface="Georgia"/>
-              </a:rPr>
-              <a:t>notebook and let’s </a:t>
-            </a:r>
-            <a:r>
-              <a:rPr lang="en-US" sz="2800" dirty="0" smtClean="0">
-                <a:latin typeface="Georgia"/>
-                <a:ea typeface="Georgia"/>
-                <a:cs typeface="Georgia"/>
-                <a:sym typeface="Georgia"/>
-              </a:rPr>
-              <a:t>see what happens when we apply a linear regression model to a classification problem.</a:t>
-            </a:r>
-            <a:endParaRPr lang="en-US" sz="2800" dirty="0">
-              <a:latin typeface="Georgia"/>
-              <a:ea typeface="Georgia"/>
-              <a:cs typeface="Georgia"/>
-              <a:sym typeface="Georgia"/>
-            </a:endParaRPr>
           </a:p>
         </p:txBody>
       </p:sp>
@@ -24930,13 +24884,6 @@
   <p:clrMapOvr>
     <a:masterClrMapping/>
   </p:clrMapOvr>
-  <p:timing>
-    <p:tnLst>
-      <p:par>
-        <p:cTn id="1" dur="indefinite" restart="never" nodeType="tmRoot"/>
-      </p:par>
-    </p:tnLst>
-  </p:timing>
 </p:sld>
 </file>
 
@@ -25076,13 +25023,6 @@
   <p:clrMapOvr>
     <a:masterClrMapping/>
   </p:clrMapOvr>
-  <p:timing>
-    <p:tnLst>
-      <p:par>
-        <p:cTn id="1" dur="indefinite" restart="never" nodeType="tmRoot"/>
-      </p:par>
-    </p:tnLst>
-  </p:timing>
 </p:sld>
 </file>
 
@@ -25208,19 +25148,10 @@
                 <a:cs typeface="Georgia"/>
                 <a:sym typeface="Georgia"/>
               </a:rPr>
-              <a:t>Logistic regression is a linear approach to solving a classification </a:t>
+              <a:t>Logistic regression is a linear approach to solving a classification problem. It will use a linear regression </a:t>
             </a:r>
             <a:r>
-              <a:rPr lang="en-US" sz="2800" dirty="0" smtClean="0">
-                <a:latin typeface="Georgia"/>
-                <a:ea typeface="Georgia"/>
-                <a:cs typeface="Georgia"/>
-                <a:sym typeface="Georgia"/>
-              </a:rPr>
-              <a:t>problem. It will use a linear regression </a:t>
-            </a:r>
-            <a:r>
-              <a:rPr lang="en-US" sz="2800" i="1" dirty="0" smtClean="0">
+              <a:rPr lang="en-US" sz="2800" i="1" dirty="0">
                 <a:latin typeface="Georgia"/>
                 <a:ea typeface="Georgia"/>
                 <a:cs typeface="Georgia"/>
@@ -25229,7 +25160,7 @@
               <a:t>style</a:t>
             </a:r>
             <a:r>
-              <a:rPr lang="en-US" sz="2800" dirty="0" smtClean="0">
+              <a:rPr lang="en-US" sz="2800" dirty="0">
                 <a:latin typeface="Georgia"/>
                 <a:ea typeface="Georgia"/>
                 <a:cs typeface="Georgia"/>
@@ -25273,13 +25204,6 @@
   <p:clrMapOvr>
     <a:masterClrMapping/>
   </p:clrMapOvr>
-  <p:timing>
-    <p:tnLst>
-      <p:par>
-        <p:cTn id="1" dur="indefinite" restart="never" nodeType="tmRoot"/>
-      </p:par>
-    </p:tnLst>
-  </p:timing>
 </p:sld>
 </file>
 
@@ -25336,7 +25260,7 @@
               <a:buNone/>
             </a:pPr>
             <a:r>
-              <a:rPr lang="en-US" sz="3200" b="1" dirty="0" smtClean="0">
+              <a:rPr lang="en-US" sz="3200" b="1" dirty="0">
                 <a:latin typeface="Oswald"/>
                 <a:ea typeface="Oswald"/>
                 <a:cs typeface="Oswald"/>
@@ -25344,12 +25268,6 @@
               </a:rPr>
               <a:t>THE FAILURES OF LINEAR REGRESSION</a:t>
             </a:r>
-            <a:endParaRPr lang="en-US" sz="3200" b="1" dirty="0">
-              <a:latin typeface="Oswald"/>
-              <a:ea typeface="Oswald"/>
-              <a:cs typeface="Oswald"/>
-              <a:sym typeface="Oswald"/>
-            </a:endParaRPr>
           </a:p>
         </p:txBody>
       </p:sp>
@@ -25388,7 +25306,7 @@
               </a:spcBef>
               <a:buNone/>
             </a:pPr>
-            <a:endParaRPr lang="en-US" sz="2800" dirty="0" smtClean="0">
+            <a:endParaRPr lang="en-US" sz="2800" dirty="0">
               <a:latin typeface="Georgia"/>
               <a:ea typeface="Georgia"/>
               <a:cs typeface="Georgia"/>
@@ -25405,7 +25323,7 @@
               <a:buChar char="‣"/>
             </a:pPr>
             <a:r>
-              <a:rPr lang="en-US" sz="2800" dirty="0" smtClean="0">
+              <a:rPr lang="en-US" sz="2800" dirty="0">
                 <a:latin typeface="Georgia"/>
                 <a:ea typeface="Georgia"/>
                 <a:cs typeface="Georgia"/>
@@ -25437,7 +25355,7 @@
               <a:buChar char="‣"/>
             </a:pPr>
             <a:r>
-              <a:rPr lang="en-US" sz="2800" dirty="0" smtClean="0">
+              <a:rPr lang="en-US" sz="2800" dirty="0">
                 <a:latin typeface="Georgia"/>
                 <a:ea typeface="Georgia"/>
                 <a:cs typeface="Georgia"/>
@@ -25446,7 +25364,7 @@
               <a:t>First, we’re predicting </a:t>
             </a:r>
             <a:r>
-              <a:rPr lang="en-US" sz="2800" i="1" dirty="0" smtClean="0">
+              <a:rPr lang="en-US" sz="2800" i="1" dirty="0">
                 <a:latin typeface="Georgia"/>
                 <a:ea typeface="Georgia"/>
                 <a:cs typeface="Georgia"/>
@@ -25455,7 +25373,7 @@
               <a:t>continuous</a:t>
             </a:r>
             <a:r>
-              <a:rPr lang="en-US" sz="2800" dirty="0" smtClean="0">
+              <a:rPr lang="en-US" sz="2800" dirty="0">
                 <a:latin typeface="Georgia"/>
                 <a:ea typeface="Georgia"/>
                 <a:cs typeface="Georgia"/>
@@ -25464,7 +25382,7 @@
               <a:t> values for a </a:t>
             </a:r>
             <a:r>
-              <a:rPr lang="en-US" sz="2800" i="1" dirty="0" smtClean="0">
+              <a:rPr lang="en-US" sz="2800" i="1" dirty="0">
                 <a:latin typeface="Georgia"/>
                 <a:ea typeface="Georgia"/>
                 <a:cs typeface="Georgia"/>
@@ -25473,7 +25391,7 @@
               <a:t>categorical</a:t>
             </a:r>
             <a:r>
-              <a:rPr lang="en-US" sz="2800" dirty="0" smtClean="0">
+              <a:rPr lang="en-US" sz="2800" dirty="0">
                 <a:latin typeface="Georgia"/>
                 <a:ea typeface="Georgia"/>
                 <a:cs typeface="Georgia"/>
@@ -25502,7 +25420,7 @@
               <a:buChar char="‣"/>
             </a:pPr>
             <a:r>
-              <a:rPr lang="en-US" sz="2800" dirty="0" smtClean="0">
+              <a:rPr lang="en-US" sz="2800" dirty="0">
                 <a:latin typeface="Georgia"/>
                 <a:ea typeface="Georgia"/>
                 <a:cs typeface="Georgia"/>
@@ -25511,7 +25429,7 @@
               <a:t>That decision rule is often referred to as a </a:t>
             </a:r>
             <a:r>
-              <a:rPr lang="en-US" sz="2800" b="1" dirty="0" smtClean="0">
+              <a:rPr lang="en-US" sz="2800" b="1" dirty="0">
                 <a:latin typeface="Georgia"/>
                 <a:ea typeface="Georgia"/>
                 <a:cs typeface="Georgia"/>
@@ -25520,7 +25438,7 @@
               <a:t>classification threshold</a:t>
             </a:r>
             <a:r>
-              <a:rPr lang="en-US" sz="2800" dirty="0" smtClean="0">
+              <a:rPr lang="en-US" sz="2800" dirty="0">
                 <a:latin typeface="Georgia"/>
                 <a:ea typeface="Georgia"/>
                 <a:cs typeface="Georgia"/>
@@ -25631,13 +25549,6 @@
   <p:clrMapOvr>
     <a:masterClrMapping/>
   </p:clrMapOvr>
-  <p:timing>
-    <p:tnLst>
-      <p:par>
-        <p:cTn id="1" dur="indefinite" restart="never" nodeType="tmRoot"/>
-      </p:par>
-    </p:tnLst>
-  </p:timing>
 </p:sld>
 </file>
 
@@ -25694,7 +25605,7 @@
               <a:buNone/>
             </a:pPr>
             <a:r>
-              <a:rPr lang="en-US" sz="3200" b="1" dirty="0" smtClean="0">
+              <a:rPr lang="en-US" sz="3200" b="1" dirty="0">
                 <a:latin typeface="Oswald"/>
                 <a:ea typeface="Oswald"/>
                 <a:cs typeface="Oswald"/>
@@ -25702,12 +25613,6 @@
               </a:rPr>
               <a:t>THE FAILURES OF LINEAR REGRESSION</a:t>
             </a:r>
-            <a:endParaRPr lang="en-US" sz="3200" b="1" dirty="0">
-              <a:latin typeface="Oswald"/>
-              <a:ea typeface="Oswald"/>
-              <a:cs typeface="Oswald"/>
-              <a:sym typeface="Oswald"/>
-            </a:endParaRPr>
           </a:p>
         </p:txBody>
       </p:sp>
@@ -25748,7 +25653,7 @@
                   </a:spcBef>
                   <a:buNone/>
                 </a:pPr>
-                <a:endParaRPr lang="en-US" sz="2800" dirty="0" smtClean="0">
+                <a:endParaRPr lang="en-US" sz="2800" dirty="0">
                   <a:latin typeface="Georgia"/>
                   <a:ea typeface="Georgia"/>
                   <a:cs typeface="Georgia"/>
@@ -25773,7 +25678,14 @@
                   </a:rPr>
                   <a:t>Yes! These values actually correspond to the probability that the outcome variable is 1 (or that the customer defaulted) given the predictor variable (or credit card balance). </a:t>
                 </a:r>
-                <a:endParaRPr lang="en-US" sz="2800" dirty="0" smtClean="0">
+              </a:p>
+              <a:p>
+                <a:pPr marL="203200" indent="-256540">
+                  <a:buSzPct val="100000"/>
+                  <a:buFont typeface="Georgia"/>
+                  <a:buChar char="‣"/>
+                </a:pPr>
+                <a:endParaRPr lang="en-US" sz="2800" dirty="0">
                   <a:solidFill>
                     <a:schemeClr val="dk1"/>
                   </a:solidFill>
@@ -25805,23 +25717,7 @@
                   <a:buFont typeface="Georgia"/>
                   <a:buChar char="‣"/>
                 </a:pPr>
-                <a:endParaRPr lang="en-US" sz="2800" dirty="0" smtClean="0">
-                  <a:solidFill>
-                    <a:schemeClr val="dk1"/>
-                  </a:solidFill>
-                  <a:latin typeface="Georgia"/>
-                  <a:ea typeface="Georgia"/>
-                  <a:cs typeface="Georgia"/>
-                  <a:sym typeface="Georgia"/>
-                </a:endParaRPr>
-              </a:p>
-              <a:p>
-                <a:pPr marL="203200" indent="-256540">
-                  <a:buSzPct val="100000"/>
-                  <a:buFont typeface="Georgia"/>
-                  <a:buChar char="‣"/>
-                </a:pPr>
-                <a:endParaRPr lang="en-US" sz="2800" dirty="0" smtClean="0">
+                <a:endParaRPr lang="en-US" sz="2800" dirty="0">
                   <a:solidFill>
                     <a:schemeClr val="dk1"/>
                   </a:solidFill>
@@ -25838,18 +25734,6 @@
                   <a:buChar char="‣"/>
                 </a:pPr>
                 <a:r>
-                  <a:rPr lang="en-US" sz="2800" dirty="0" smtClean="0">
-                    <a:solidFill>
-                      <a:schemeClr val="dk1"/>
-                    </a:solidFill>
-                    <a:latin typeface="Georgia"/>
-                    <a:ea typeface="Georgia"/>
-                    <a:cs typeface="Georgia"/>
-                    <a:sym typeface="Georgia"/>
-                  </a:rPr>
-                  <a:t>Another </a:t>
-                </a:r>
-                <a:r>
                   <a:rPr lang="en-US" sz="2800" dirty="0">
                     <a:solidFill>
                       <a:schemeClr val="dk1"/>
@@ -25859,7 +25743,7 @@
                     <a:cs typeface="Georgia"/>
                     <a:sym typeface="Georgia"/>
                   </a:rPr>
-                  <a:t>way to write this is </a:t>
+                  <a:t>Another way to write this is </a:t>
                 </a:r>
                 <a14:m>
                   <m:oMath xmlns:m="http://schemas.openxmlformats.org/officeDocument/2006/math">
@@ -25944,7 +25828,7 @@
                   </m:oMath>
                 </a14:m>
                 <a:r>
-                  <a:rPr lang="en-US" sz="2800" dirty="0" smtClean="0">
+                  <a:rPr lang="en-US" sz="2800" dirty="0">
                     <a:solidFill>
                       <a:schemeClr val="dk1"/>
                     </a:solidFill>
@@ -26041,7 +25925,7 @@
                   </m:oMath>
                 </a14:m>
                 <a:r>
-                  <a:rPr lang="en-US" sz="2800" dirty="0" smtClean="0">
+                  <a:rPr lang="en-US" sz="2800" dirty="0">
                     <a:solidFill>
                       <a:schemeClr val="dk1"/>
                     </a:solidFill>
@@ -26076,7 +25960,7 @@
                   <a:buChar char="‣"/>
                 </a:pPr>
                 <a:r>
-                  <a:rPr lang="en-US" sz="2800" dirty="0" smtClean="0">
+                  <a:rPr lang="en-US" sz="2800" dirty="0">
                     <a:solidFill>
                       <a:schemeClr val="dk1"/>
                     </a:solidFill>
@@ -26087,15 +25971,6 @@
                   </a:rPr>
                   <a:t>Does this make sense given what we know about linear regression and classification?</a:t>
                 </a:r>
-                <a:endParaRPr lang="en-US" sz="2800" dirty="0">
-                  <a:solidFill>
-                    <a:schemeClr val="dk1"/>
-                  </a:solidFill>
-                  <a:latin typeface="Georgia"/>
-                  <a:ea typeface="Georgia"/>
-                  <a:cs typeface="Georgia"/>
-                  <a:sym typeface="Georgia"/>
-                </a:endParaRPr>
               </a:p>
               <a:p>
                 <a:pPr lvl="0"/>
@@ -26329,14 +26204,11 @@
             <a:p>
               <a:pPr algn="ctr"/>
               <a:r>
-                <a:rPr lang="en-US" sz="2000" b="1" dirty="0" smtClean="0">
+                <a:rPr lang="en-US" sz="2000" b="1" dirty="0">
                   <a:latin typeface="Georgia" panose="02040502050405020303" pitchFamily="18" charset="0"/>
                 </a:rPr>
                 <a:t>PROBABILITY ALERT!</a:t>
               </a:r>
-              <a:endParaRPr lang="en-US" sz="2000" b="1" dirty="0">
-                <a:latin typeface="Georgia" panose="02040502050405020303" pitchFamily="18" charset="0"/>
-              </a:endParaRPr>
             </a:p>
           </p:txBody>
         </p:sp>
@@ -26580,7 +26452,7 @@
               <a:buNone/>
             </a:pPr>
             <a:r>
-              <a:rPr lang="en-US" sz="3200" b="1" dirty="0" smtClean="0">
+              <a:rPr lang="en-US" sz="3200" b="1" dirty="0">
                 <a:latin typeface="Oswald"/>
                 <a:ea typeface="Oswald"/>
                 <a:cs typeface="Oswald"/>
@@ -26588,12 +26460,6 @@
               </a:rPr>
               <a:t>THE FAILURES OF LINEAR REGRESSION</a:t>
             </a:r>
-            <a:endParaRPr lang="en-US" sz="3200" b="1" dirty="0">
-              <a:latin typeface="Oswald"/>
-              <a:ea typeface="Oswald"/>
-              <a:cs typeface="Oswald"/>
-              <a:sym typeface="Oswald"/>
-            </a:endParaRPr>
           </a:p>
         </p:txBody>
       </p:sp>
@@ -26649,7 +26515,7 @@
               <a:buChar char="‣"/>
             </a:pPr>
             <a:r>
-              <a:rPr lang="en-US" sz="2800" dirty="0" smtClean="0">
+              <a:rPr lang="en-US" sz="2800" dirty="0">
                 <a:latin typeface="Georgia"/>
                 <a:ea typeface="Georgia"/>
                 <a:cs typeface="Georgia"/>
@@ -26686,25 +26552,6 @@
               <a:buFont typeface="Georgia"/>
               <a:buChar char="‣"/>
             </a:pPr>
-            <a:endParaRPr lang="en-US" sz="2800" dirty="0" smtClean="0">
-              <a:solidFill>
-                <a:schemeClr val="dk1"/>
-              </a:solidFill>
-              <a:latin typeface="Georgia"/>
-              <a:ea typeface="Georgia"/>
-              <a:cs typeface="Georgia"/>
-              <a:sym typeface="Georgia"/>
-            </a:endParaRPr>
-          </a:p>
-          <a:p>
-            <a:pPr marL="203200" marR="0" lvl="0" indent="-256540" algn="l" rtl="0">
-              <a:spcBef>
-                <a:spcPts val="0"/>
-              </a:spcBef>
-              <a:buSzPct val="100000"/>
-              <a:buFont typeface="Georgia"/>
-              <a:buChar char="‣"/>
-            </a:pPr>
             <a:endParaRPr lang="en-US" sz="2800" dirty="0">
               <a:solidFill>
                 <a:schemeClr val="dk1"/>
@@ -26724,25 +26571,6 @@
               <a:buFont typeface="Georgia"/>
               <a:buChar char="‣"/>
             </a:pPr>
-            <a:endParaRPr lang="en-US" sz="2800" dirty="0" smtClean="0">
-              <a:solidFill>
-                <a:schemeClr val="dk1"/>
-              </a:solidFill>
-              <a:latin typeface="Georgia"/>
-              <a:ea typeface="Georgia"/>
-              <a:cs typeface="Georgia"/>
-              <a:sym typeface="Georgia"/>
-            </a:endParaRPr>
-          </a:p>
-          <a:p>
-            <a:pPr marL="203200" marR="0" lvl="0" indent="-256540" algn="l" rtl="0">
-              <a:spcBef>
-                <a:spcPts val="0"/>
-              </a:spcBef>
-              <a:buSzPct val="100000"/>
-              <a:buFont typeface="Georgia"/>
-              <a:buChar char="‣"/>
-            </a:pPr>
             <a:endParaRPr lang="en-US" sz="2800" dirty="0">
               <a:solidFill>
                 <a:schemeClr val="dk1"/>
@@ -26762,25 +26590,6 @@
               <a:buFont typeface="Georgia"/>
               <a:buChar char="‣"/>
             </a:pPr>
-            <a:endParaRPr lang="en-US" sz="2800" dirty="0" smtClean="0">
-              <a:solidFill>
-                <a:schemeClr val="dk1"/>
-              </a:solidFill>
-              <a:latin typeface="Georgia"/>
-              <a:ea typeface="Georgia"/>
-              <a:cs typeface="Georgia"/>
-              <a:sym typeface="Georgia"/>
-            </a:endParaRPr>
-          </a:p>
-          <a:p>
-            <a:pPr marL="203200" marR="0" lvl="0" indent="-256540" algn="l" rtl="0">
-              <a:spcBef>
-                <a:spcPts val="0"/>
-              </a:spcBef>
-              <a:buSzPct val="100000"/>
-              <a:buFont typeface="Georgia"/>
-              <a:buChar char="‣"/>
-            </a:pPr>
             <a:endParaRPr lang="en-US" sz="2800" dirty="0">
               <a:solidFill>
                 <a:schemeClr val="dk1"/>
@@ -26800,25 +26609,6 @@
               <a:buFont typeface="Georgia"/>
               <a:buChar char="‣"/>
             </a:pPr>
-            <a:endParaRPr lang="en-US" sz="2800" dirty="0" smtClean="0">
-              <a:solidFill>
-                <a:schemeClr val="dk1"/>
-              </a:solidFill>
-              <a:latin typeface="Georgia"/>
-              <a:ea typeface="Georgia"/>
-              <a:cs typeface="Georgia"/>
-              <a:sym typeface="Georgia"/>
-            </a:endParaRPr>
-          </a:p>
-          <a:p>
-            <a:pPr marL="203200" marR="0" lvl="0" indent="-256540" algn="l" rtl="0">
-              <a:spcBef>
-                <a:spcPts val="0"/>
-              </a:spcBef>
-              <a:buSzPct val="100000"/>
-              <a:buFont typeface="Georgia"/>
-              <a:buChar char="‣"/>
-            </a:pPr>
             <a:endParaRPr lang="en-US" sz="2800" dirty="0">
               <a:solidFill>
                 <a:schemeClr val="dk1"/>
@@ -26830,13 +26620,89 @@
             </a:endParaRPr>
           </a:p>
           <a:p>
+            <a:pPr marL="203200" marR="0" lvl="0" indent="-256540" algn="l" rtl="0">
+              <a:spcBef>
+                <a:spcPts val="0"/>
+              </a:spcBef>
+              <a:buSzPct val="100000"/>
+              <a:buFont typeface="Georgia"/>
+              <a:buChar char="‣"/>
+            </a:pPr>
+            <a:endParaRPr lang="en-US" sz="2800" dirty="0">
+              <a:solidFill>
+                <a:schemeClr val="dk1"/>
+              </a:solidFill>
+              <a:latin typeface="Georgia"/>
+              <a:ea typeface="Georgia"/>
+              <a:cs typeface="Georgia"/>
+              <a:sym typeface="Georgia"/>
+            </a:endParaRPr>
+          </a:p>
+          <a:p>
+            <a:pPr marL="203200" marR="0" lvl="0" indent="-256540" algn="l" rtl="0">
+              <a:spcBef>
+                <a:spcPts val="0"/>
+              </a:spcBef>
+              <a:buSzPct val="100000"/>
+              <a:buFont typeface="Georgia"/>
+              <a:buChar char="‣"/>
+            </a:pPr>
+            <a:endParaRPr lang="en-US" sz="2800" dirty="0">
+              <a:solidFill>
+                <a:schemeClr val="dk1"/>
+              </a:solidFill>
+              <a:latin typeface="Georgia"/>
+              <a:ea typeface="Georgia"/>
+              <a:cs typeface="Georgia"/>
+              <a:sym typeface="Georgia"/>
+            </a:endParaRPr>
+          </a:p>
+          <a:p>
+            <a:pPr marL="203200" marR="0" lvl="0" indent="-256540" algn="l" rtl="0">
+              <a:spcBef>
+                <a:spcPts val="0"/>
+              </a:spcBef>
+              <a:buSzPct val="100000"/>
+              <a:buFont typeface="Georgia"/>
+              <a:buChar char="‣"/>
+            </a:pPr>
+            <a:endParaRPr lang="en-US" sz="2800" dirty="0">
+              <a:solidFill>
+                <a:schemeClr val="dk1"/>
+              </a:solidFill>
+              <a:latin typeface="Georgia"/>
+              <a:ea typeface="Georgia"/>
+              <a:cs typeface="Georgia"/>
+              <a:sym typeface="Georgia"/>
+            </a:endParaRPr>
+          </a:p>
+          <a:p>
+            <a:pPr marL="203200" marR="0" lvl="0" indent="-256540" algn="l" rtl="0">
+              <a:spcBef>
+                <a:spcPts val="0"/>
+              </a:spcBef>
+              <a:buSzPct val="100000"/>
+              <a:buFont typeface="Georgia"/>
+              <a:buChar char="‣"/>
+            </a:pPr>
+            <a:endParaRPr lang="en-US" sz="2800" dirty="0">
+              <a:solidFill>
+                <a:schemeClr val="dk1"/>
+              </a:solidFill>
+              <a:latin typeface="Georgia"/>
+              <a:ea typeface="Georgia"/>
+              <a:cs typeface="Georgia"/>
+              <a:sym typeface="Georgia"/>
+            </a:endParaRPr>
+          </a:p>
+          <a:p>
             <a:pPr marL="203200" lvl="0" indent="-256540">
               <a:buSzPct val="100000"/>
               <a:buFont typeface="Georgia"/>
               <a:buChar char="‣"/>
             </a:pPr>
             <a:r>
-              <a:rPr lang="en-US" sz="2800" dirty="0" smtClean="0">
+              <a:rPr lang="en-US" sz="2800" dirty="0">
                 <a:latin typeface="Georgia"/>
                 <a:ea typeface="Georgia"/>
                 <a:cs typeface="Georgia"/>
@@ -26845,7 +26711,7 @@
               <a:t>We need a way to </a:t>
             </a:r>
             <a:r>
-              <a:rPr lang="en-US" sz="2800" i="1" dirty="0" smtClean="0">
+              <a:rPr lang="en-US" sz="2800" i="1" dirty="0">
                 <a:latin typeface="Georgia"/>
                 <a:ea typeface="Georgia"/>
                 <a:cs typeface="Georgia"/>
@@ -26854,7 +26720,7 @@
               <a:t>transform</a:t>
             </a:r>
             <a:r>
-              <a:rPr lang="en-US" sz="2800" dirty="0" smtClean="0">
+              <a:rPr lang="en-US" sz="2800" dirty="0">
                 <a:latin typeface="Georgia"/>
                 <a:ea typeface="Georgia"/>
                 <a:cs typeface="Georgia"/>
@@ -26863,7 +26729,7 @@
               <a:t> our regression model so that its range changes from [-∞, </a:t>
             </a:r>
             <a:r>
-              <a:rPr lang="en-US" sz="2800" dirty="0" smtClean="0">
+              <a:rPr lang="en-US" sz="2800" dirty="0">
                 <a:solidFill>
                   <a:schemeClr val="dk1"/>
                 </a:solidFill>
@@ -27055,13 +26921,6 @@
   <p:clrMapOvr>
     <a:masterClrMapping/>
   </p:clrMapOvr>
-  <p:timing>
-    <p:tnLst>
-      <p:par>
-        <p:cTn id="1" dur="indefinite" restart="never" nodeType="tmRoot"/>
-      </p:par>
-    </p:tnLst>
-  </p:timing>
 </p:sld>
 </file>
 
@@ -27118,7 +26977,7 @@
               <a:buNone/>
             </a:pPr>
             <a:r>
-              <a:rPr lang="en-US" sz="3200" b="1" dirty="0" smtClean="0">
+              <a:rPr lang="en-US" sz="3200" b="1" dirty="0">
                 <a:latin typeface="Oswald"/>
                 <a:ea typeface="Oswald"/>
                 <a:cs typeface="Oswald"/>
@@ -27126,12 +26985,6 @@
               </a:rPr>
               <a:t>TRANSFORMING LINEAR REGRESSION</a:t>
             </a:r>
-            <a:endParaRPr lang="en-US" sz="3200" b="1" dirty="0">
-              <a:latin typeface="Oswald"/>
-              <a:ea typeface="Oswald"/>
-              <a:cs typeface="Oswald"/>
-              <a:sym typeface="Oswald"/>
-            </a:endParaRPr>
           </a:p>
         </p:txBody>
       </p:sp>
@@ -27170,7 +27023,7 @@
               </a:spcBef>
               <a:buNone/>
             </a:pPr>
-            <a:endParaRPr lang="en-US" sz="2800" dirty="0" smtClean="0">
+            <a:endParaRPr lang="en-US" sz="2800" dirty="0">
               <a:latin typeface="Georgia"/>
               <a:ea typeface="Georgia"/>
               <a:cs typeface="Georgia"/>
@@ -27187,7 +27040,7 @@
               <a:buChar char="‣"/>
             </a:pPr>
             <a:r>
-              <a:rPr lang="en-US" sz="2800" dirty="0" smtClean="0">
+              <a:rPr lang="en-US" sz="2800" dirty="0">
                 <a:latin typeface="Georgia"/>
                 <a:ea typeface="Georgia"/>
                 <a:cs typeface="Georgia"/>
@@ -27196,7 +27049,7 @@
               <a:t>To do this, we’ll use a log-based transformation called the </a:t>
             </a:r>
             <a:r>
-              <a:rPr lang="en-US" sz="2800" b="1" dirty="0" smtClean="0">
+              <a:rPr lang="en-US" sz="2800" b="1" dirty="0">
                 <a:latin typeface="Georgia"/>
                 <a:ea typeface="Georgia"/>
                 <a:cs typeface="Georgia"/>
@@ -27205,7 +27058,7 @@
               <a:t>sigmoid function</a:t>
             </a:r>
             <a:r>
-              <a:rPr lang="en-US" sz="2800" dirty="0" smtClean="0">
+              <a:rPr lang="en-US" sz="2800" dirty="0">
                 <a:latin typeface="Georgia"/>
                 <a:ea typeface="Georgia"/>
                 <a:cs typeface="Georgia"/>
@@ -27239,22 +27092,6 @@
               <a:buFont typeface="Georgia"/>
               <a:buChar char="‣"/>
             </a:pPr>
-            <a:endParaRPr lang="en-US" sz="2800" dirty="0" smtClean="0">
-              <a:latin typeface="Georgia"/>
-              <a:ea typeface="Georgia"/>
-              <a:cs typeface="Georgia"/>
-              <a:sym typeface="Georgia"/>
-            </a:endParaRPr>
-          </a:p>
-          <a:p>
-            <a:pPr marL="203200" marR="0" lvl="0" indent="-256540" algn="l" rtl="0">
-              <a:spcBef>
-                <a:spcPts val="0"/>
-              </a:spcBef>
-              <a:buSzPct val="100000"/>
-              <a:buFont typeface="Georgia"/>
-              <a:buChar char="‣"/>
-            </a:pPr>
             <a:endParaRPr lang="en-US" sz="2800" dirty="0">
               <a:latin typeface="Georgia"/>
               <a:ea typeface="Georgia"/>
@@ -27271,22 +27108,6 @@
               <a:buFont typeface="Georgia"/>
               <a:buChar char="‣"/>
             </a:pPr>
-            <a:endParaRPr lang="en-US" sz="2800" dirty="0" smtClean="0">
-              <a:latin typeface="Georgia"/>
-              <a:ea typeface="Georgia"/>
-              <a:cs typeface="Georgia"/>
-              <a:sym typeface="Georgia"/>
-            </a:endParaRPr>
-          </a:p>
-          <a:p>
-            <a:pPr marL="203200" marR="0" lvl="0" indent="-256540" algn="l" rtl="0">
-              <a:spcBef>
-                <a:spcPts val="0"/>
-              </a:spcBef>
-              <a:buSzPct val="100000"/>
-              <a:buFont typeface="Georgia"/>
-              <a:buChar char="‣"/>
-            </a:pPr>
             <a:endParaRPr lang="en-US" sz="2800" dirty="0">
               <a:latin typeface="Georgia"/>
               <a:ea typeface="Georgia"/>
@@ -27303,22 +27124,6 @@
               <a:buFont typeface="Georgia"/>
               <a:buChar char="‣"/>
             </a:pPr>
-            <a:endParaRPr lang="en-US" sz="2800" dirty="0" smtClean="0">
-              <a:latin typeface="Georgia"/>
-              <a:ea typeface="Georgia"/>
-              <a:cs typeface="Georgia"/>
-              <a:sym typeface="Georgia"/>
-            </a:endParaRPr>
-          </a:p>
-          <a:p>
-            <a:pPr marL="203200" marR="0" lvl="0" indent="-256540" algn="l" rtl="0">
-              <a:spcBef>
-                <a:spcPts val="0"/>
-              </a:spcBef>
-              <a:buSzPct val="100000"/>
-              <a:buFont typeface="Georgia"/>
-              <a:buChar char="‣"/>
-            </a:pPr>
             <a:endParaRPr lang="en-US" sz="2800" dirty="0">
               <a:latin typeface="Georgia"/>
               <a:ea typeface="Georgia"/>
@@ -27335,8 +27140,56 @@
               <a:buFont typeface="Georgia"/>
               <a:buChar char="‣"/>
             </a:pPr>
+            <a:endParaRPr lang="en-US" sz="2800" dirty="0">
+              <a:latin typeface="Georgia"/>
+              <a:ea typeface="Georgia"/>
+              <a:cs typeface="Georgia"/>
+              <a:sym typeface="Georgia"/>
+            </a:endParaRPr>
+          </a:p>
+          <a:p>
+            <a:pPr marL="203200" marR="0" lvl="0" indent="-256540" algn="l" rtl="0">
+              <a:spcBef>
+                <a:spcPts val="0"/>
+              </a:spcBef>
+              <a:buSzPct val="100000"/>
+              <a:buFont typeface="Georgia"/>
+              <a:buChar char="‣"/>
+            </a:pPr>
+            <a:endParaRPr lang="en-US" sz="2800" dirty="0">
+              <a:latin typeface="Georgia"/>
+              <a:ea typeface="Georgia"/>
+              <a:cs typeface="Georgia"/>
+              <a:sym typeface="Georgia"/>
+            </a:endParaRPr>
+          </a:p>
+          <a:p>
+            <a:pPr marL="203200" marR="0" lvl="0" indent="-256540" algn="l" rtl="0">
+              <a:spcBef>
+                <a:spcPts val="0"/>
+              </a:spcBef>
+              <a:buSzPct val="100000"/>
+              <a:buFont typeface="Georgia"/>
+              <a:buChar char="‣"/>
+            </a:pPr>
+            <a:endParaRPr lang="en-US" sz="2800" dirty="0">
+              <a:latin typeface="Georgia"/>
+              <a:ea typeface="Georgia"/>
+              <a:cs typeface="Georgia"/>
+              <a:sym typeface="Georgia"/>
+            </a:endParaRPr>
+          </a:p>
+          <a:p>
+            <a:pPr marL="203200" marR="0" lvl="0" indent="-256540" algn="l" rtl="0">
+              <a:spcBef>
+                <a:spcPts val="0"/>
+              </a:spcBef>
+              <a:buSzPct val="100000"/>
+              <a:buFont typeface="Georgia"/>
+              <a:buChar char="‣"/>
+            </a:pPr>
             <a:r>
-              <a:rPr lang="en-US" sz="2800" dirty="0" smtClean="0">
+              <a:rPr lang="en-US" sz="2800" dirty="0">
                 <a:latin typeface="Georgia"/>
                 <a:ea typeface="Georgia"/>
                 <a:cs typeface="Georgia"/>
@@ -27354,7 +27207,7 @@
               <a:buFont typeface="Georgia"/>
               <a:buChar char="‣"/>
             </a:pPr>
-            <a:endParaRPr lang="en-US" sz="2800" dirty="0" smtClean="0">
+            <a:endParaRPr lang="en-US" sz="2800" dirty="0">
               <a:latin typeface="Georgia"/>
               <a:ea typeface="Georgia"/>
               <a:cs typeface="Georgia"/>
@@ -27418,13 +27271,6 @@
   <p:clrMapOvr>
     <a:masterClrMapping/>
   </p:clrMapOvr>
-  <p:timing>
-    <p:tnLst>
-      <p:par>
-        <p:cTn id="1" dur="indefinite" restart="never" nodeType="tmRoot"/>
-      </p:par>
-    </p:tnLst>
-  </p:timing>
 </p:sld>
 </file>
 
@@ -27481,7 +27327,7 @@
               <a:buNone/>
             </a:pPr>
             <a:r>
-              <a:rPr lang="en-US" sz="3200" b="1" dirty="0" smtClean="0">
+              <a:rPr lang="en-US" sz="3200" b="1" dirty="0">
                 <a:latin typeface="Oswald"/>
                 <a:ea typeface="Oswald"/>
                 <a:cs typeface="Oswald"/>
@@ -27489,12 +27335,6 @@
               </a:rPr>
               <a:t>TRANSFORMING LINEAR REGRESSION</a:t>
             </a:r>
-            <a:endParaRPr lang="en-US" sz="3200" b="1" dirty="0">
-              <a:latin typeface="Oswald"/>
-              <a:ea typeface="Oswald"/>
-              <a:cs typeface="Oswald"/>
-              <a:sym typeface="Oswald"/>
-            </a:endParaRPr>
           </a:p>
         </p:txBody>
       </p:sp>
@@ -27535,7 +27375,7 @@
                   </a:spcBef>
                   <a:buNone/>
                 </a:pPr>
-                <a:endParaRPr lang="en-US" sz="2800" dirty="0" smtClean="0">
+                <a:endParaRPr lang="en-US" sz="2800" dirty="0">
                   <a:latin typeface="Georgia"/>
                   <a:ea typeface="Georgia"/>
                   <a:cs typeface="Georgia"/>
@@ -27552,7 +27392,7 @@
                   <a:buChar char="‣"/>
                 </a:pPr>
                 <a:r>
-                  <a:rPr lang="en-US" sz="2800" dirty="0" smtClean="0">
+                  <a:rPr lang="en-US" sz="2800" dirty="0">
                     <a:latin typeface="Georgia"/>
                     <a:ea typeface="Georgia"/>
                     <a:cs typeface="Georgia"/>
@@ -27565,7 +27405,7 @@
                 <a:pPr lvl="0" algn="ctr">
                   <a:buSzPct val="100000"/>
                 </a:pPr>
-                <a:endParaRPr lang="en-US" sz="2800" b="0" i="1" dirty="0" smtClean="0">
+                <a:endParaRPr lang="en-US" sz="2800" b="0" i="1" dirty="0">
                   <a:solidFill>
                     <a:schemeClr val="dk1"/>
                   </a:solidFill>
@@ -27712,7 +27552,7 @@
                     </m:oMath>
                   </m:oMathPara>
                 </a14:m>
-                <a:endParaRPr lang="en-US" sz="2800" dirty="0" smtClean="0">
+                <a:endParaRPr lang="en-US" sz="2800" dirty="0">
                   <a:solidFill>
                     <a:schemeClr val="dk1"/>
                   </a:solidFill>
@@ -27724,7 +27564,7 @@
                 <a:pPr lvl="0" algn="ctr">
                   <a:buSzPct val="100000"/>
                 </a:pPr>
-                <a:endParaRPr lang="en-US" sz="2800" dirty="0" smtClean="0">
+                <a:endParaRPr lang="en-US" sz="2800" dirty="0">
                   <a:latin typeface="Georgia"/>
                   <a:ea typeface="Georgia"/>
                   <a:cs typeface="Georgia"/>
@@ -27735,7 +27575,7 @@
                 <a:pPr lvl="0" algn="ctr">
                   <a:buSzPct val="100000"/>
                 </a:pPr>
-                <a:endParaRPr lang="en-US" sz="2800" b="0" i="1" dirty="0" smtClean="0">
+                <a:endParaRPr lang="en-US" sz="2800" b="0" i="1" dirty="0">
                   <a:solidFill>
                     <a:schemeClr val="dk1"/>
                   </a:solidFill>
@@ -27749,7 +27589,7 @@
                 <a:pPr lvl="0" algn="ctr">
                   <a:buSzPct val="100000"/>
                 </a:pPr>
-                <a:endParaRPr lang="en-US" sz="2800" b="0" i="1" dirty="0" smtClean="0">
+                <a:endParaRPr lang="en-US" sz="2800" b="0" i="1" dirty="0">
                   <a:solidFill>
                     <a:schemeClr val="dk1"/>
                   </a:solidFill>
@@ -28063,7 +27903,7 @@
                     </m:oMath>
                   </m:oMathPara>
                 </a14:m>
-                <a:endParaRPr lang="en-US" sz="2800" dirty="0" smtClean="0">
+                <a:endParaRPr lang="en-US" sz="2800" dirty="0">
                   <a:latin typeface="Georgia"/>
                   <a:ea typeface="Georgia"/>
                   <a:cs typeface="Georgia"/>
@@ -28079,7 +27919,7 @@
                   <a:buFont typeface="Georgia"/>
                   <a:buChar char="‣"/>
                 </a:pPr>
-                <a:endParaRPr lang="en-US" sz="2800" dirty="0" smtClean="0">
+                <a:endParaRPr lang="en-US" sz="2800" dirty="0">
                   <a:latin typeface="Georgia"/>
                   <a:ea typeface="Georgia"/>
                   <a:cs typeface="Georgia"/>
@@ -28096,7 +27936,7 @@
                   <a:buChar char="‣"/>
                 </a:pPr>
                 <a:r>
-                  <a:rPr lang="en-US" sz="2800" dirty="0" smtClean="0">
+                  <a:rPr lang="en-US" sz="2800" dirty="0">
                     <a:latin typeface="Georgia"/>
                     <a:ea typeface="Georgia"/>
                     <a:cs typeface="Georgia"/>
@@ -28130,7 +27970,7 @@
                   <a:buFont typeface="Georgia"/>
                   <a:buChar char="‣"/>
                 </a:pPr>
-                <a:endParaRPr lang="en-US" sz="2800" dirty="0" smtClean="0">
+                <a:endParaRPr lang="en-US" sz="2800" dirty="0">
                   <a:latin typeface="Georgia"/>
                   <a:ea typeface="Georgia"/>
                   <a:cs typeface="Georgia"/>
@@ -28162,7 +28002,7 @@
                   <a:buFont typeface="Georgia"/>
                   <a:buChar char="‣"/>
                 </a:pPr>
-                <a:endParaRPr lang="en-US" sz="2800" dirty="0" smtClean="0">
+                <a:endParaRPr lang="en-US" sz="2800" dirty="0">
                   <a:latin typeface="Georgia"/>
                   <a:ea typeface="Georgia"/>
                   <a:cs typeface="Georgia"/>
@@ -28194,7 +28034,7 @@
                   <a:buFont typeface="Georgia"/>
                   <a:buChar char="‣"/>
                 </a:pPr>
-                <a:endParaRPr lang="en-US" sz="2800" dirty="0" smtClean="0">
+                <a:endParaRPr lang="en-US" sz="2800" dirty="0">
                   <a:latin typeface="Georgia"/>
                   <a:ea typeface="Georgia"/>
                   <a:cs typeface="Georgia"/>
@@ -28382,14 +28222,11 @@
             <a:p>
               <a:pPr algn="ctr"/>
               <a:r>
-                <a:rPr lang="en-US" sz="2000" b="1" dirty="0" smtClean="0">
+                <a:rPr lang="en-US" sz="2000" b="1" dirty="0">
                   <a:latin typeface="Georgia" panose="02040502050405020303" pitchFamily="18" charset="0"/>
                 </a:rPr>
                 <a:t>PROBABILITY ALERT!</a:t>
               </a:r>
-              <a:endParaRPr lang="en-US" sz="2000" b="1" dirty="0">
-                <a:latin typeface="Georgia" panose="02040502050405020303" pitchFamily="18" charset="0"/>
-              </a:endParaRPr>
             </a:p>
           </p:txBody>
         </p:sp>
@@ -28535,7 +28372,7 @@
               <a:buNone/>
             </a:pPr>
             <a:r>
-              <a:rPr lang="en-US" sz="3200" b="1" dirty="0" smtClean="0">
+              <a:rPr lang="en-US" sz="3200" b="1" dirty="0">
                 <a:latin typeface="Oswald"/>
                 <a:ea typeface="Oswald"/>
                 <a:cs typeface="Oswald"/>
@@ -28543,12 +28380,6 @@
               </a:rPr>
               <a:t>TRANSFORMING LINEAR REGRESSION</a:t>
             </a:r>
-            <a:endParaRPr lang="en-US" sz="3200" b="1" dirty="0">
-              <a:latin typeface="Oswald"/>
-              <a:ea typeface="Oswald"/>
-              <a:cs typeface="Oswald"/>
-              <a:sym typeface="Oswald"/>
-            </a:endParaRPr>
           </a:p>
         </p:txBody>
       </p:sp>
@@ -28589,7 +28420,7 @@
                   </a:spcBef>
                   <a:buNone/>
                 </a:pPr>
-                <a:endParaRPr lang="en-US" sz="2800" dirty="0" smtClean="0">
+                <a:endParaRPr lang="en-US" sz="2800" dirty="0">
                   <a:latin typeface="Georgia"/>
                   <a:ea typeface="Georgia"/>
                   <a:cs typeface="Georgia"/>
@@ -28606,7 +28437,7 @@
                   <a:buChar char="‣"/>
                 </a:pPr>
                 <a:r>
-                  <a:rPr lang="en-US" sz="2800" dirty="0" smtClean="0">
+                  <a:rPr lang="en-US" sz="2800" dirty="0">
                     <a:latin typeface="Georgia"/>
                     <a:ea typeface="Georgia"/>
                     <a:cs typeface="Georgia"/>
@@ -28619,7 +28450,7 @@
                 <a:pPr lvl="0" algn="ctr">
                   <a:buSzPct val="100000"/>
                 </a:pPr>
-                <a:endParaRPr lang="en-US" sz="2800" b="0" i="1" dirty="0" smtClean="0">
+                <a:endParaRPr lang="en-US" sz="2800" b="0" i="1" dirty="0">
                   <a:solidFill>
                     <a:schemeClr val="dk1"/>
                   </a:solidFill>
@@ -28843,7 +28674,7 @@
                     </m:oMath>
                   </m:oMathPara>
                 </a14:m>
-                <a:endParaRPr lang="en-US" sz="2800" dirty="0" smtClean="0">
+                <a:endParaRPr lang="en-US" sz="2800" dirty="0">
                   <a:solidFill>
                     <a:schemeClr val="dk1"/>
                   </a:solidFill>
@@ -28855,7 +28686,7 @@
                 <a:pPr lvl="0" algn="ctr">
                   <a:buSzPct val="100000"/>
                 </a:pPr>
-                <a:endParaRPr lang="en-US" sz="2800" dirty="0" smtClean="0">
+                <a:endParaRPr lang="en-US" sz="2800" dirty="0">
                   <a:latin typeface="Georgia"/>
                   <a:ea typeface="Georgia"/>
                   <a:cs typeface="Georgia"/>
@@ -28866,7 +28697,7 @@
                 <a:pPr lvl="0" algn="ctr">
                   <a:buSzPct val="100000"/>
                 </a:pPr>
-                <a:endParaRPr lang="en-US" sz="2800" b="0" i="1" dirty="0" smtClean="0">
+                <a:endParaRPr lang="en-US" sz="2800" b="0" i="1" dirty="0">
                   <a:solidFill>
                     <a:schemeClr val="dk1"/>
                   </a:solidFill>
@@ -28880,7 +28711,7 @@
                 <a:pPr lvl="0" algn="ctr">
                   <a:buSzPct val="100000"/>
                 </a:pPr>
-                <a:endParaRPr lang="en-US" sz="2800" b="0" i="1" dirty="0" smtClean="0">
+                <a:endParaRPr lang="en-US" sz="2800" b="0" i="1" dirty="0">
                   <a:solidFill>
                     <a:schemeClr val="dk1"/>
                   </a:solidFill>
@@ -29105,7 +28936,7 @@
                   <a:buFont typeface="Georgia"/>
                   <a:buChar char="‣"/>
                 </a:pPr>
-                <a:endParaRPr lang="en-US" sz="2800" dirty="0" smtClean="0">
+                <a:endParaRPr lang="en-US" sz="2800" dirty="0">
                   <a:latin typeface="Georgia"/>
                   <a:ea typeface="Georgia"/>
                   <a:cs typeface="Georgia"/>
@@ -29137,7 +28968,7 @@
                   <a:buFont typeface="Georgia"/>
                   <a:buChar char="‣"/>
                 </a:pPr>
-                <a:endParaRPr lang="en-US" sz="2800" dirty="0" smtClean="0">
+                <a:endParaRPr lang="en-US" sz="2800" dirty="0">
                   <a:latin typeface="Georgia"/>
                   <a:ea typeface="Georgia"/>
                   <a:cs typeface="Georgia"/>
@@ -29169,7 +29000,7 @@
                   <a:buFont typeface="Georgia"/>
                   <a:buChar char="‣"/>
                 </a:pPr>
-                <a:endParaRPr lang="en-US" sz="2800" dirty="0" smtClean="0">
+                <a:endParaRPr lang="en-US" sz="2800" dirty="0">
                   <a:latin typeface="Georgia"/>
                   <a:ea typeface="Georgia"/>
                   <a:cs typeface="Georgia"/>
@@ -29357,14 +29188,11 @@
             <a:p>
               <a:pPr algn="ctr"/>
               <a:r>
-                <a:rPr lang="en-US" sz="2000" b="1" dirty="0" smtClean="0">
+                <a:rPr lang="en-US" sz="2000" b="1" dirty="0">
                   <a:latin typeface="Georgia" panose="02040502050405020303" pitchFamily="18" charset="0"/>
                 </a:rPr>
                 <a:t>PROBABILITY ALERT!</a:t>
               </a:r>
-              <a:endParaRPr lang="en-US" sz="2000" b="1" dirty="0">
-                <a:latin typeface="Georgia" panose="02040502050405020303" pitchFamily="18" charset="0"/>
-              </a:endParaRPr>
             </a:p>
           </p:txBody>
         </p:sp>
@@ -29510,7 +29338,7 @@
               <a:buNone/>
             </a:pPr>
             <a:r>
-              <a:rPr lang="en-US" sz="3200" b="1" dirty="0" smtClean="0">
+              <a:rPr lang="en-US" sz="3200" b="1" dirty="0">
                 <a:latin typeface="Oswald"/>
                 <a:ea typeface="Oswald"/>
                 <a:cs typeface="Oswald"/>
@@ -29518,12 +29346,6 @@
               </a:rPr>
               <a:t>TRANSFORMING LINEAR REGRESSION</a:t>
             </a:r>
-            <a:endParaRPr lang="en-US" sz="3200" b="1" dirty="0">
-              <a:latin typeface="Oswald"/>
-              <a:ea typeface="Oswald"/>
-              <a:cs typeface="Oswald"/>
-              <a:sym typeface="Oswald"/>
-            </a:endParaRPr>
           </a:p>
         </p:txBody>
       </p:sp>
@@ -29562,7 +29384,7 @@
               </a:spcBef>
               <a:buNone/>
             </a:pPr>
-            <a:endParaRPr lang="en-US" sz="2800" dirty="0" smtClean="0">
+            <a:endParaRPr lang="en-US" sz="2800" dirty="0">
               <a:latin typeface="Georgia"/>
               <a:ea typeface="Georgia"/>
               <a:cs typeface="Georgia"/>
@@ -29579,7 +29401,7 @@
               <a:buChar char="‣"/>
             </a:pPr>
             <a:r>
-              <a:rPr lang="en-US" sz="2800" dirty="0" smtClean="0">
+              <a:rPr lang="en-US" sz="2800" dirty="0">
                 <a:latin typeface="Georgia"/>
                 <a:ea typeface="Georgia"/>
                 <a:cs typeface="Georgia"/>
@@ -29588,7 +29410,7 @@
               <a:t>This new formula allow us to express our regression using the inverse of the sigmoid function or the </a:t>
             </a:r>
             <a:r>
-              <a:rPr lang="en-US" sz="2800" b="1" dirty="0" smtClean="0">
+              <a:rPr lang="en-US" sz="2800" b="1" dirty="0">
                 <a:latin typeface="Georgia"/>
                 <a:ea typeface="Georgia"/>
                 <a:cs typeface="Georgia"/>
@@ -29597,7 +29419,7 @@
               <a:t>logistic function </a:t>
             </a:r>
             <a:r>
-              <a:rPr lang="en-US" sz="2800" dirty="0" smtClean="0">
+              <a:rPr lang="en-US" sz="2800" dirty="0">
                 <a:latin typeface="Georgia"/>
                 <a:ea typeface="Georgia"/>
                 <a:cs typeface="Georgia"/>
@@ -29626,7 +29448,7 @@
               <a:buChar char="‣"/>
             </a:pPr>
             <a:r>
-              <a:rPr lang="en-US" sz="2800" dirty="0" smtClean="0">
+              <a:rPr lang="en-US" sz="2800" dirty="0">
                 <a:latin typeface="Georgia"/>
                 <a:ea typeface="Georgia"/>
                 <a:cs typeface="Georgia"/>
@@ -29635,7 +29457,7 @@
               <a:t>This often referred to as a </a:t>
             </a:r>
             <a:r>
-              <a:rPr lang="en-US" sz="2800" b="1" dirty="0" smtClean="0">
+              <a:rPr lang="en-US" sz="2800" b="1" dirty="0">
                 <a:latin typeface="Georgia"/>
                 <a:ea typeface="Georgia"/>
                 <a:cs typeface="Georgia"/>
@@ -29644,7 +29466,7 @@
               <a:t>link function </a:t>
             </a:r>
             <a:r>
-              <a:rPr lang="en-US" sz="2800" dirty="0" smtClean="0">
+              <a:rPr lang="en-US" sz="2800" dirty="0">
                 <a:latin typeface="Georgia"/>
                 <a:ea typeface="Georgia"/>
                 <a:cs typeface="Georgia"/>
@@ -29679,7 +29501,7 @@
               <a:buChar char="‣"/>
             </a:pPr>
             <a:r>
-              <a:rPr lang="en-US" sz="2800" dirty="0" smtClean="0">
+              <a:rPr lang="en-US" sz="2800" dirty="0">
                 <a:latin typeface="Georgia"/>
                 <a:ea typeface="Georgia"/>
                 <a:cs typeface="Georgia"/>
@@ -29688,7 +29510,7 @@
               <a:t>However, our outcome variable has changed. It is no longer the probability  of outcome variable being 1, but the log ratio of probabilities. This ratio of probabilities is referred to as the </a:t>
             </a:r>
             <a:r>
-              <a:rPr lang="en-US" sz="2800" b="1" dirty="0" smtClean="0">
+              <a:rPr lang="en-US" sz="2800" b="1" dirty="0">
                 <a:latin typeface="Georgia"/>
                 <a:ea typeface="Georgia"/>
                 <a:cs typeface="Georgia"/>
@@ -29703,19 +29525,10 @@
                 <a:cs typeface="Georgia"/>
                 <a:sym typeface="Georgia"/>
               </a:rPr>
-              <a:t> </a:t>
+              <a:t> (and the log ratio is referred to as the </a:t>
             </a:r>
             <a:r>
-              <a:rPr lang="en-US" sz="2800" dirty="0" smtClean="0">
-                <a:latin typeface="Georgia"/>
-                <a:ea typeface="Georgia"/>
-                <a:cs typeface="Georgia"/>
-                <a:sym typeface="Georgia"/>
-              </a:rPr>
-              <a:t>(and the log ratio is referred to as the </a:t>
-            </a:r>
-            <a:r>
-              <a:rPr lang="en-US" sz="2800" b="1" dirty="0" smtClean="0">
+              <a:rPr lang="en-US" sz="2800" b="1" dirty="0">
                 <a:latin typeface="Georgia"/>
                 <a:ea typeface="Georgia"/>
                 <a:cs typeface="Georgia"/>
@@ -29724,7 +29537,7 @@
               <a:t>log odds ratio</a:t>
             </a:r>
             <a:r>
-              <a:rPr lang="en-US" sz="2800" dirty="0" smtClean="0">
+              <a:rPr lang="en-US" sz="2800" dirty="0">
                 <a:latin typeface="Georgia"/>
                 <a:ea typeface="Georgia"/>
                 <a:cs typeface="Georgia"/>
@@ -29758,22 +29571,6 @@
               <a:buFont typeface="Georgia"/>
               <a:buChar char="‣"/>
             </a:pPr>
-            <a:endParaRPr lang="en-US" sz="2800" dirty="0" smtClean="0">
-              <a:latin typeface="Georgia"/>
-              <a:ea typeface="Georgia"/>
-              <a:cs typeface="Georgia"/>
-              <a:sym typeface="Georgia"/>
-            </a:endParaRPr>
-          </a:p>
-          <a:p>
-            <a:pPr marL="203200" marR="0" lvl="0" indent="-256540" algn="l" rtl="0">
-              <a:spcBef>
-                <a:spcPts val="0"/>
-              </a:spcBef>
-              <a:buSzPct val="100000"/>
-              <a:buFont typeface="Georgia"/>
-              <a:buChar char="‣"/>
-            </a:pPr>
             <a:endParaRPr lang="en-US" sz="2800" dirty="0">
               <a:latin typeface="Georgia"/>
               <a:ea typeface="Georgia"/>
@@ -29790,22 +29587,6 @@
               <a:buFont typeface="Georgia"/>
               <a:buChar char="‣"/>
             </a:pPr>
-            <a:endParaRPr lang="en-US" sz="2800" dirty="0" smtClean="0">
-              <a:latin typeface="Georgia"/>
-              <a:ea typeface="Georgia"/>
-              <a:cs typeface="Georgia"/>
-              <a:sym typeface="Georgia"/>
-            </a:endParaRPr>
-          </a:p>
-          <a:p>
-            <a:pPr marL="203200" marR="0" lvl="0" indent="-256540" algn="l" rtl="0">
-              <a:spcBef>
-                <a:spcPts val="0"/>
-              </a:spcBef>
-              <a:buSzPct val="100000"/>
-              <a:buFont typeface="Georgia"/>
-              <a:buChar char="‣"/>
-            </a:pPr>
             <a:endParaRPr lang="en-US" sz="2800" dirty="0">
               <a:latin typeface="Georgia"/>
               <a:ea typeface="Georgia"/>
@@ -29822,7 +29603,39 @@
               <a:buFont typeface="Georgia"/>
               <a:buChar char="‣"/>
             </a:pPr>
-            <a:endParaRPr lang="en-US" sz="2800" dirty="0" smtClean="0">
+            <a:endParaRPr lang="en-US" sz="2800" dirty="0">
+              <a:latin typeface="Georgia"/>
+              <a:ea typeface="Georgia"/>
+              <a:cs typeface="Georgia"/>
+              <a:sym typeface="Georgia"/>
+            </a:endParaRPr>
+          </a:p>
+          <a:p>
+            <a:pPr marL="203200" marR="0" lvl="0" indent="-256540" algn="l" rtl="0">
+              <a:spcBef>
+                <a:spcPts val="0"/>
+              </a:spcBef>
+              <a:buSzPct val="100000"/>
+              <a:buFont typeface="Georgia"/>
+              <a:buChar char="‣"/>
+            </a:pPr>
+            <a:endParaRPr lang="en-US" sz="2800" dirty="0">
+              <a:latin typeface="Georgia"/>
+              <a:ea typeface="Georgia"/>
+              <a:cs typeface="Georgia"/>
+              <a:sym typeface="Georgia"/>
+            </a:endParaRPr>
+          </a:p>
+          <a:p>
+            <a:pPr marL="203200" marR="0" lvl="0" indent="-256540" algn="l" rtl="0">
+              <a:spcBef>
+                <a:spcPts val="0"/>
+              </a:spcBef>
+              <a:buSzPct val="100000"/>
+              <a:buFont typeface="Georgia"/>
+              <a:buChar char="‣"/>
+            </a:pPr>
+            <a:endParaRPr lang="en-US" sz="2800" dirty="0">
               <a:latin typeface="Georgia"/>
               <a:ea typeface="Georgia"/>
               <a:cs typeface="Georgia"/>
@@ -29858,13 +29671,6 @@
   <p:clrMapOvr>
     <a:masterClrMapping/>
   </p:clrMapOvr>
-  <p:timing>
-    <p:tnLst>
-      <p:par>
-        <p:cTn id="1" dur="indefinite" restart="never" nodeType="tmRoot"/>
-      </p:par>
-    </p:tnLst>
-  </p:timing>
 </p:sld>
 </file>
 
@@ -29984,14 +29790,24 @@
               <a:buChar char="‣"/>
             </a:pPr>
             <a:r>
-              <a:rPr lang="en-US" sz="2800" dirty="0" smtClean="0">
+              <a:rPr lang="en-US" sz="2800" dirty="0">
                 <a:latin typeface="Georgia"/>
                 <a:ea typeface="Georgia"/>
                 <a:cs typeface="Georgia"/>
                 <a:sym typeface="Georgia"/>
               </a:rPr>
-              <a:t>Describe </a:t>
+              <a:t>Describe a sigmoid function, odds, and the odds ratio and how they relate to logistic regression</a:t>
             </a:r>
+          </a:p>
+          <a:p>
+            <a:pPr marL="203200" indent="-256540">
+              <a:spcBef>
+                <a:spcPts val="1000"/>
+              </a:spcBef>
+              <a:buSzPct val="100000"/>
+              <a:buFont typeface="Georgia"/>
+              <a:buChar char="‣"/>
+            </a:pPr>
             <a:r>
               <a:rPr lang="en-US" sz="2800" dirty="0">
                 <a:latin typeface="Georgia"/>
@@ -29999,78 +29815,8 @@
                 <a:cs typeface="Georgia"/>
                 <a:sym typeface="Georgia"/>
               </a:rPr>
-              <a:t>a sigmoid function, odds, and the odds ratio </a:t>
+              <a:t>Build a Logistic regression classification model using the statsmodels and sklearn libraries library</a:t>
             </a:r>
-            <a:r>
-              <a:rPr lang="en-US" sz="2800" dirty="0" smtClean="0">
-                <a:latin typeface="Georgia"/>
-                <a:ea typeface="Georgia"/>
-                <a:cs typeface="Georgia"/>
-                <a:sym typeface="Georgia"/>
-              </a:rPr>
-              <a:t>and how </a:t>
-            </a:r>
-            <a:r>
-              <a:rPr lang="en-US" sz="2800" dirty="0">
-                <a:latin typeface="Georgia"/>
-                <a:ea typeface="Georgia"/>
-                <a:cs typeface="Georgia"/>
-                <a:sym typeface="Georgia"/>
-              </a:rPr>
-              <a:t>they relate to logistic </a:t>
-            </a:r>
-            <a:r>
-              <a:rPr lang="en-US" sz="2800" dirty="0" smtClean="0">
-                <a:latin typeface="Georgia"/>
-                <a:ea typeface="Georgia"/>
-                <a:cs typeface="Georgia"/>
-                <a:sym typeface="Georgia"/>
-              </a:rPr>
-              <a:t>regression</a:t>
-            </a:r>
-          </a:p>
-          <a:p>
-            <a:pPr marL="203200" indent="-256540">
-              <a:spcBef>
-                <a:spcPts val="1000"/>
-              </a:spcBef>
-              <a:buSzPct val="100000"/>
-              <a:buFont typeface="Georgia"/>
-              <a:buChar char="‣"/>
-            </a:pPr>
-            <a:r>
-              <a:rPr lang="en-US" sz="2800" dirty="0" smtClean="0">
-                <a:latin typeface="Georgia"/>
-                <a:ea typeface="Georgia"/>
-                <a:cs typeface="Georgia"/>
-                <a:sym typeface="Georgia"/>
-              </a:rPr>
-              <a:t>Build </a:t>
-            </a:r>
-            <a:r>
-              <a:rPr lang="en-US" sz="2800" dirty="0">
-                <a:latin typeface="Georgia"/>
-                <a:ea typeface="Georgia"/>
-                <a:cs typeface="Georgia"/>
-                <a:sym typeface="Georgia"/>
-              </a:rPr>
-              <a:t>a Logistic regression classification model using the statsmodels and sklearn libraries </a:t>
-            </a:r>
-            <a:r>
-              <a:rPr lang="en-US" sz="2800" dirty="0" smtClean="0">
-                <a:latin typeface="Georgia"/>
-                <a:ea typeface="Georgia"/>
-                <a:cs typeface="Georgia"/>
-                <a:sym typeface="Georgia"/>
-              </a:rPr>
-              <a:t>library</a:t>
-            </a:r>
-            <a:endParaRPr lang="en-US" sz="2800" dirty="0">
-              <a:latin typeface="Georgia"/>
-              <a:ea typeface="Georgia"/>
-              <a:cs typeface="Georgia"/>
-              <a:sym typeface="Georgia"/>
-            </a:endParaRPr>
           </a:p>
           <a:p>
             <a:pPr marL="203200" marR="0" lvl="0" indent="-256540" algn="l" rtl="0">
@@ -30161,22 +29907,13 @@
               <a:buNone/>
             </a:pPr>
             <a:r>
-              <a:rPr lang="en-US" sz="5400" b="1" dirty="0" smtClean="0">
-                <a:latin typeface="Oswald"/>
-                <a:ea typeface="Oswald"/>
-                <a:cs typeface="Oswald"/>
-                <a:sym typeface="Oswald"/>
-              </a:rPr>
-              <a:t>TODAY’S LEARNING </a:t>
-            </a:r>
-            <a:r>
               <a:rPr lang="en-US" sz="5400" b="1" dirty="0">
                 <a:latin typeface="Oswald"/>
                 <a:ea typeface="Oswald"/>
                 <a:cs typeface="Oswald"/>
                 <a:sym typeface="Oswald"/>
               </a:rPr>
-              <a:t>OBJECTIVES</a:t>
+              <a:t>TODAY’S LEARNING OBJECTIVES</a:t>
             </a:r>
           </a:p>
         </p:txBody>
@@ -30186,13 +29923,6 @@
   <p:clrMapOvr>
     <a:masterClrMapping/>
   </p:clrMapOvr>
-  <p:timing>
-    <p:tnLst>
-      <p:par>
-        <p:cTn id="1" dur="indefinite" restart="never" nodeType="tmRoot"/>
-      </p:par>
-    </p:tnLst>
-  </p:timing>
 </p:sld>
 </file>
 
@@ -30249,22 +29979,13 @@
               <a:buNone/>
             </a:pPr>
             <a:r>
-              <a:rPr lang="en-US" sz="3200" b="1" dirty="0" smtClean="0">
-                <a:latin typeface="Oswald"/>
-                <a:ea typeface="Oswald"/>
-                <a:cs typeface="Oswald"/>
-                <a:sym typeface="Oswald"/>
-              </a:rPr>
-              <a:t>GUIDED PRACTICE</a:t>
-            </a:r>
-            <a:r>
               <a:rPr lang="en-US" sz="3200" b="1" dirty="0">
                 <a:latin typeface="Oswald"/>
                 <a:ea typeface="Oswald"/>
                 <a:cs typeface="Oswald"/>
                 <a:sym typeface="Oswald"/>
               </a:rPr>
-              <a:t>	</a:t>
+              <a:t>GUIDED PRACTICE	</a:t>
             </a:r>
           </a:p>
         </p:txBody>
@@ -30322,7 +30043,7 @@
               <a:buNone/>
             </a:pPr>
             <a:r>
-              <a:rPr lang="en-US" sz="9600" b="1" strike="sngStrike" dirty="0" smtClean="0">
+              <a:rPr lang="en-US" sz="9600" b="1" strike="sngStrike" dirty="0">
                 <a:solidFill>
                   <a:srgbClr val="FFFFFF"/>
                 </a:solidFill>
@@ -30346,7 +30067,7 @@
               <a:buNone/>
             </a:pPr>
             <a:r>
-              <a:rPr lang="en-US" sz="9600" b="1" dirty="0" smtClean="0">
+              <a:rPr lang="en-US" sz="9600" b="1" dirty="0">
                 <a:solidFill>
                   <a:srgbClr val="FFFFFF"/>
                 </a:solidFill>
@@ -30357,15 +30078,6 @@
               </a:rPr>
               <a:t>TELL ME THE ODDS</a:t>
             </a:r>
-            <a:endParaRPr lang="en-US" sz="9600" b="1" dirty="0">
-              <a:solidFill>
-                <a:srgbClr val="FFFFFF"/>
-              </a:solidFill>
-              <a:latin typeface="Oswald"/>
-              <a:ea typeface="Oswald"/>
-              <a:cs typeface="Oswald"/>
-              <a:sym typeface="Oswald"/>
-            </a:endParaRPr>
           </a:p>
         </p:txBody>
       </p:sp>
@@ -30379,13 +30091,6 @@
   <p:clrMapOvr>
     <a:masterClrMapping/>
   </p:clrMapOvr>
-  <p:timing>
-    <p:tnLst>
-      <p:par>
-        <p:cTn id="1" dur="indefinite" restart="never" nodeType="tmRoot"/>
-      </p:par>
-    </p:tnLst>
-  </p:timing>
 </p:sld>
 </file>
 
@@ -30451,7 +30156,7 @@
               <a:t>ACTIVITY:  </a:t>
             </a:r>
             <a:r>
-              <a:rPr lang="en-US" sz="3200" b="1" strike="sngStrike" dirty="0" smtClean="0">
+              <a:rPr lang="en-US" sz="3200" b="1" strike="sngStrike" dirty="0">
                 <a:latin typeface="Oswald"/>
                 <a:ea typeface="Oswald"/>
                 <a:cs typeface="Oswald"/>
@@ -30460,7 +30165,7 @@
               <a:t>NEVER</a:t>
             </a:r>
             <a:r>
-              <a:rPr lang="en-US" sz="3200" b="1" dirty="0" smtClean="0">
+              <a:rPr lang="en-US" sz="3200" b="1" dirty="0">
                 <a:latin typeface="Oswald"/>
                 <a:ea typeface="Oswald"/>
                 <a:cs typeface="Oswald"/>
@@ -30468,12 +30173,6 @@
               </a:rPr>
               <a:t> TELL ME THE ODDS</a:t>
             </a:r>
-            <a:endParaRPr lang="en-US" sz="3200" b="1" dirty="0">
-              <a:latin typeface="Oswald"/>
-              <a:ea typeface="Oswald"/>
-              <a:cs typeface="Oswald"/>
-              <a:sym typeface="Oswald"/>
-            </a:endParaRPr>
           </a:p>
         </p:txBody>
       </p:sp>
@@ -30610,7 +30309,7 @@
               <a:buFont typeface="Georgia"/>
               <a:buAutoNum type="arabicPeriod"/>
             </a:pPr>
-            <a:endParaRPr lang="en-US" sz="1800" dirty="0" smtClean="0">
+            <a:endParaRPr lang="en-US" sz="1800" dirty="0">
               <a:solidFill>
                 <a:schemeClr val="dk1"/>
               </a:solidFill>
@@ -30639,10 +30338,10 @@
                 <a:cs typeface="Georgia"/>
                 <a:sym typeface="Georgia"/>
               </a:rPr>
-              <a:t>Given  a standard deck of </a:t>
+              <a:t>Given  a standard deck of cards,  calculate the probability, odds, and log odds of the obtaining  the following cards. (</a:t>
             </a:r>
             <a:r>
-              <a:rPr lang="en-US" sz="1800" dirty="0" smtClean="0">
+              <a:rPr lang="en-US" sz="1800" i="1" dirty="0">
                 <a:solidFill>
                   <a:schemeClr val="dk1"/>
                 </a:solidFill>
@@ -30651,8 +30350,37 @@
                 <a:cs typeface="Georgia"/>
                 <a:sym typeface="Georgia"/>
               </a:rPr>
-              <a:t>cards,  </a:t>
+              <a:t>Hint : You may want to use the log function from NumPy)</a:t>
             </a:r>
+          </a:p>
+          <a:p>
+            <a:pPr marL="457200" lvl="0" indent="-342900">
+              <a:buClr>
+                <a:schemeClr val="dk1"/>
+              </a:buClr>
+              <a:buSzPct val="100000"/>
+              <a:buFont typeface="Georgia"/>
+              <a:buAutoNum type="arabicPeriod"/>
+            </a:pPr>
+            <a:endParaRPr lang="en-US" sz="1800" dirty="0">
+              <a:solidFill>
+                <a:schemeClr val="dk1"/>
+              </a:solidFill>
+              <a:latin typeface="Georgia"/>
+              <a:ea typeface="Georgia"/>
+              <a:cs typeface="Georgia"/>
+              <a:sym typeface="Georgia"/>
+            </a:endParaRPr>
+          </a:p>
+          <a:p>
+            <a:pPr marL="822960" lvl="0" indent="-342900">
+              <a:buClr>
+                <a:schemeClr val="dk1"/>
+              </a:buClr>
+              <a:buSzPct val="100000"/>
+              <a:buFont typeface="Arial" panose="020B0604020202020204" pitchFamily="34" charset="0"/>
+              <a:buChar char="•"/>
+            </a:pPr>
             <a:r>
               <a:rPr lang="en-US" sz="1800" dirty="0">
                 <a:solidFill>
@@ -30663,51 +30391,8 @@
                 <a:cs typeface="Georgia"/>
                 <a:sym typeface="Georgia"/>
               </a:rPr>
-              <a:t>calculate the </a:t>
+              <a:t>The 2 of clubs</a:t>
             </a:r>
-            <a:r>
-              <a:rPr lang="en-US" sz="1800" dirty="0" smtClean="0">
-                <a:solidFill>
-                  <a:schemeClr val="dk1"/>
-                </a:solidFill>
-                <a:latin typeface="Georgia"/>
-                <a:ea typeface="Georgia"/>
-                <a:cs typeface="Georgia"/>
-                <a:sym typeface="Georgia"/>
-              </a:rPr>
-              <a:t>probability, odds, and log odds of the obtaining  the following cards. (</a:t>
-            </a:r>
-            <a:r>
-              <a:rPr lang="en-US" sz="1800" i="1" dirty="0" smtClean="0">
-                <a:solidFill>
-                  <a:schemeClr val="dk1"/>
-                </a:solidFill>
-                <a:latin typeface="Georgia"/>
-                <a:ea typeface="Georgia"/>
-                <a:cs typeface="Georgia"/>
-                <a:sym typeface="Georgia"/>
-              </a:rPr>
-              <a:t>Hint : You may want to use the log function from NumPy)</a:t>
-            </a:r>
-          </a:p>
-          <a:p>
-            <a:pPr marL="457200" lvl="0" indent="-342900">
-              <a:buClr>
-                <a:schemeClr val="dk1"/>
-              </a:buClr>
-              <a:buSzPct val="100000"/>
-              <a:buFont typeface="Georgia"/>
-              <a:buAutoNum type="arabicPeriod"/>
-            </a:pPr>
-            <a:endParaRPr lang="en-US" sz="1800" dirty="0" smtClean="0">
-              <a:solidFill>
-                <a:schemeClr val="dk1"/>
-              </a:solidFill>
-              <a:latin typeface="Georgia"/>
-              <a:ea typeface="Georgia"/>
-              <a:cs typeface="Georgia"/>
-              <a:sym typeface="Georgia"/>
-            </a:endParaRPr>
           </a:p>
           <a:p>
             <a:pPr marL="822960" lvl="0" indent="-342900">
@@ -30719,29 +30404,7 @@
               <a:buChar char="•"/>
             </a:pPr>
             <a:r>
-              <a:rPr lang="en-US" sz="1800" dirty="0" smtClean="0">
-                <a:solidFill>
-                  <a:schemeClr val="dk1"/>
-                </a:solidFill>
-                <a:latin typeface="Georgia"/>
-                <a:ea typeface="Georgia"/>
-                <a:cs typeface="Georgia"/>
-                <a:sym typeface="Georgia"/>
-              </a:rPr>
-              <a:t>The 2 of clubs</a:t>
-            </a:r>
-          </a:p>
-          <a:p>
-            <a:pPr marL="822960" lvl="0" indent="-342900">
-              <a:buClr>
-                <a:schemeClr val="dk1"/>
-              </a:buClr>
-              <a:buSzPct val="100000"/>
-              <a:buFont typeface="Arial" panose="020B0604020202020204" pitchFamily="34" charset="0"/>
-              <a:buChar char="•"/>
-            </a:pPr>
-            <a:r>
-              <a:rPr lang="en-US" sz="1800" dirty="0" smtClean="0">
+              <a:rPr lang="en-US" sz="1800" dirty="0">
                 <a:solidFill>
                   <a:schemeClr val="dk1"/>
                 </a:solidFill>
@@ -30763,7 +30426,7 @@
               <a:buChar char="•"/>
             </a:pPr>
             <a:r>
-              <a:rPr lang="en-US" sz="1800" dirty="0" smtClean="0">
+              <a:rPr lang="en-US" sz="1800" dirty="0">
                 <a:solidFill>
                   <a:schemeClr val="dk1"/>
                 </a:solidFill>
@@ -30784,7 +30447,7 @@
               <a:buFont typeface="Georgia"/>
               <a:buAutoNum type="arabicPeriod"/>
             </a:pPr>
-            <a:endParaRPr lang="en-US" sz="1800" dirty="0" smtClean="0">
+            <a:endParaRPr lang="en-US" sz="1800" dirty="0">
               <a:solidFill>
                 <a:schemeClr val="dk1"/>
               </a:solidFill>
@@ -30804,7 +30467,7 @@
               <a:buAutoNum type="arabicPeriod" startAt="2"/>
             </a:pPr>
             <a:r>
-              <a:rPr lang="en-US" sz="1800" dirty="0" smtClean="0">
+              <a:rPr lang="en-US" sz="1800" dirty="0">
                 <a:solidFill>
                   <a:schemeClr val="dk1"/>
                 </a:solidFill>
@@ -30967,23 +30630,8 @@
                 <a:cs typeface="Oswald"/>
                 <a:sym typeface="Oswald"/>
               </a:rPr>
-              <a:t>ANSWER THE FOLLOWING </a:t>
+              <a:t>ANSWER THE FOLLOWING QUESTIONS (15 minutes)</a:t>
             </a:r>
-            <a:r>
-              <a:rPr lang="en-US" sz="2000" b="1" dirty="0" smtClean="0">
-                <a:latin typeface="Oswald"/>
-                <a:ea typeface="Oswald"/>
-                <a:cs typeface="Oswald"/>
-                <a:sym typeface="Oswald"/>
-              </a:rPr>
-              <a:t>QUESTIONS (15 minutes)</a:t>
-            </a:r>
-            <a:endParaRPr lang="en-US" sz="2000" b="1" dirty="0">
-              <a:latin typeface="Oswald"/>
-              <a:ea typeface="Oswald"/>
-              <a:cs typeface="Oswald"/>
-              <a:sym typeface="Oswald"/>
-            </a:endParaRPr>
           </a:p>
         </p:txBody>
       </p:sp>
@@ -31023,13 +30671,6 @@
   <p:clrMapOvr>
     <a:masterClrMapping/>
   </p:clrMapOvr>
-  <p:timing>
-    <p:tnLst>
-      <p:par>
-        <p:cTn id="1" dur="indefinite" restart="never" nodeType="tmRoot"/>
-      </p:par>
-    </p:tnLst>
-  </p:timing>
 </p:sld>
 </file>
 
@@ -31086,7 +30727,7 @@
               <a:buNone/>
             </a:pPr>
             <a:r>
-              <a:rPr lang="en-US" sz="3200" b="1" dirty="0" smtClean="0">
+              <a:rPr lang="en-US" sz="3200" b="1" dirty="0">
                 <a:latin typeface="Oswald"/>
                 <a:ea typeface="Oswald"/>
                 <a:cs typeface="Oswald"/>
@@ -31094,12 +30735,6 @@
               </a:rPr>
               <a:t>DESCRIBING THE ODDS</a:t>
             </a:r>
-            <a:endParaRPr lang="en-US" sz="3200" b="1" dirty="0">
-              <a:latin typeface="Oswald"/>
-              <a:ea typeface="Oswald"/>
-              <a:cs typeface="Oswald"/>
-              <a:sym typeface="Oswald"/>
-            </a:endParaRPr>
           </a:p>
         </p:txBody>
       </p:sp>
@@ -31152,7 +30787,7 @@
               <a:buChar char="‣"/>
             </a:pPr>
             <a:r>
-              <a:rPr lang="en-US" sz="2800" dirty="0" smtClean="0">
+              <a:rPr lang="en-US" sz="2800" dirty="0">
                 <a:latin typeface="Georgia"/>
                 <a:ea typeface="Georgia"/>
                 <a:cs typeface="Georgia"/>
@@ -31167,7 +30802,7 @@
               <a:buFont typeface="Georgia"/>
               <a:buChar char="‣"/>
             </a:pPr>
-            <a:endParaRPr lang="en-US" sz="2800" dirty="0" smtClean="0">
+            <a:endParaRPr lang="en-US" sz="2800" dirty="0">
               <a:latin typeface="Georgia"/>
               <a:ea typeface="Georgia"/>
               <a:cs typeface="Georgia"/>
@@ -31180,7 +30815,7 @@
               <a:buFont typeface="Georgia"/>
               <a:buChar char="‣"/>
             </a:pPr>
-            <a:endParaRPr lang="en-US" sz="2800" dirty="0" smtClean="0">
+            <a:endParaRPr lang="en-US" sz="2800" dirty="0">
               <a:latin typeface="Georgia"/>
               <a:ea typeface="Georgia"/>
               <a:cs typeface="Georgia"/>
@@ -31194,7 +30829,7 @@
               <a:buChar char="‣"/>
             </a:pPr>
             <a:r>
-              <a:rPr lang="en-US" sz="2800" dirty="0" smtClean="0">
+              <a:rPr lang="en-US" sz="2800" dirty="0">
                 <a:latin typeface="Georgia"/>
                 <a:ea typeface="Georgia"/>
                 <a:cs typeface="Georgia"/>
@@ -31209,19 +30844,6 @@
               <a:buFont typeface="Georgia"/>
               <a:buChar char="‣"/>
             </a:pPr>
-            <a:endParaRPr lang="en-US" sz="2800" dirty="0" smtClean="0">
-              <a:latin typeface="Georgia"/>
-              <a:ea typeface="Georgia"/>
-              <a:cs typeface="Georgia"/>
-              <a:sym typeface="Georgia"/>
-            </a:endParaRPr>
-          </a:p>
-          <a:p>
-            <a:pPr marL="203200" lvl="0" indent="-256540">
-              <a:buSzPct val="100000"/>
-              <a:buFont typeface="Georgia"/>
-              <a:buChar char="‣"/>
-            </a:pPr>
             <a:endParaRPr lang="en-US" sz="2800" dirty="0">
               <a:latin typeface="Georgia"/>
               <a:ea typeface="Georgia"/>
@@ -31235,8 +30857,21 @@
               <a:buFont typeface="Georgia"/>
               <a:buChar char="‣"/>
             </a:pPr>
+            <a:endParaRPr lang="en-US" sz="2800" dirty="0">
+              <a:latin typeface="Georgia"/>
+              <a:ea typeface="Georgia"/>
+              <a:cs typeface="Georgia"/>
+              <a:sym typeface="Georgia"/>
+            </a:endParaRPr>
+          </a:p>
+          <a:p>
+            <a:pPr marL="203200" lvl="0" indent="-256540">
+              <a:buSzPct val="100000"/>
+              <a:buFont typeface="Georgia"/>
+              <a:buChar char="‣"/>
+            </a:pPr>
             <a:r>
-              <a:rPr lang="en-US" sz="2800" dirty="0" smtClean="0">
+              <a:rPr lang="en-US" sz="2800" dirty="0">
                 <a:latin typeface="Georgia"/>
                 <a:ea typeface="Georgia"/>
                 <a:cs typeface="Georgia"/>
@@ -31244,12 +30879,6 @@
               </a:rPr>
               <a:t>The log odds ration can be interpreted as…</a:t>
             </a:r>
-            <a:endParaRPr lang="en-US" sz="2800" dirty="0">
-              <a:latin typeface="Georgia"/>
-              <a:ea typeface="Georgia"/>
-              <a:cs typeface="Georgia"/>
-              <a:sym typeface="Georgia"/>
-            </a:endParaRPr>
           </a:p>
         </p:txBody>
       </p:sp>
@@ -31263,13 +30892,6 @@
   <p:clrMapOvr>
     <a:masterClrMapping/>
   </p:clrMapOvr>
-  <p:timing>
-    <p:tnLst>
-      <p:par>
-        <p:cTn id="1" dur="indefinite" restart="never" nodeType="tmRoot"/>
-      </p:par>
-    </p:tnLst>
-  </p:timing>
 </p:sld>
 </file>
 
@@ -31326,7 +30948,7 @@
               <a:buNone/>
             </a:pPr>
             <a:r>
-              <a:rPr lang="en-US" sz="3200" b="1" dirty="0" smtClean="0">
+              <a:rPr lang="en-US" sz="3200" b="1" dirty="0">
                 <a:latin typeface="Oswald"/>
                 <a:ea typeface="Oswald"/>
                 <a:cs typeface="Oswald"/>
@@ -31334,12 +30956,6 @@
               </a:rPr>
               <a:t>DEMO</a:t>
             </a:r>
-            <a:endParaRPr lang="en-US" sz="3200" b="1" dirty="0">
-              <a:latin typeface="Oswald"/>
-              <a:ea typeface="Oswald"/>
-              <a:cs typeface="Oswald"/>
-              <a:sym typeface="Oswald"/>
-            </a:endParaRPr>
           </a:p>
         </p:txBody>
       </p:sp>
@@ -31396,7 +31012,7 @@
               <a:buNone/>
             </a:pPr>
             <a:r>
-              <a:rPr lang="en-US" sz="9600" b="1" dirty="0" smtClean="0">
+              <a:rPr lang="en-US" sz="9600" b="1" dirty="0">
                 <a:solidFill>
                   <a:srgbClr val="FFFFFF"/>
                 </a:solidFill>
@@ -31420,18 +31036,6 @@
               <a:buNone/>
             </a:pPr>
             <a:r>
-              <a:rPr lang="en-US" sz="9600" b="1" dirty="0" smtClean="0">
-                <a:solidFill>
-                  <a:srgbClr val="FFFFFF"/>
-                </a:solidFill>
-                <a:latin typeface="Oswald"/>
-                <a:ea typeface="Oswald"/>
-                <a:cs typeface="Oswald"/>
-                <a:sym typeface="Oswald"/>
-              </a:rPr>
-              <a:t>LOGISTIC </a:t>
-            </a:r>
-            <a:r>
               <a:rPr lang="en-US" sz="9600" b="1" dirty="0">
                 <a:solidFill>
                   <a:srgbClr val="FFFFFF"/>
@@ -31441,7 +31045,7 @@
                 <a:cs typeface="Oswald"/>
                 <a:sym typeface="Oswald"/>
               </a:rPr>
-              <a:t>REGRESSION</a:t>
+              <a:t>LOGISTIC REGRESSION</a:t>
             </a:r>
           </a:p>
         </p:txBody>
@@ -31451,13 +31055,6 @@
   <p:clrMapOvr>
     <a:masterClrMapping/>
   </p:clrMapOvr>
-  <p:timing>
-    <p:tnLst>
-      <p:par>
-        <p:cTn id="1" dur="indefinite" restart="never" nodeType="tmRoot"/>
-      </p:par>
-    </p:tnLst>
-  </p:timing>
 </p:sld>
 </file>
 
@@ -31514,7 +31111,7 @@
               <a:buNone/>
             </a:pPr>
             <a:r>
-              <a:rPr lang="en-US" sz="3200" b="1" dirty="0" smtClean="0">
+              <a:rPr lang="en-US" sz="3200" b="1" dirty="0">
                 <a:latin typeface="Oswald"/>
                 <a:ea typeface="Oswald"/>
                 <a:cs typeface="Oswald"/>
@@ -31522,12 +31119,6 @@
               </a:rPr>
               <a:t>BUILDING A LOGISTIC REGRESSION</a:t>
             </a:r>
-            <a:endParaRPr lang="en-US" sz="3200" b="1" dirty="0">
-              <a:latin typeface="Oswald"/>
-              <a:ea typeface="Oswald"/>
-              <a:cs typeface="Oswald"/>
-              <a:sym typeface="Oswald"/>
-            </a:endParaRPr>
           </a:p>
         </p:txBody>
       </p:sp>
@@ -31586,41 +31177,8 @@
                 <a:cs typeface="Georgia"/>
                 <a:sym typeface="Georgia"/>
               </a:rPr>
-              <a:t>Open up the </a:t>
+              <a:t>Let’s create a logistic regression model for Titanic passengers</a:t>
             </a:r>
-            <a:r>
-              <a:rPr lang="en-US" sz="2800" dirty="0" smtClean="0">
-                <a:latin typeface="Georgia"/>
-                <a:ea typeface="Georgia"/>
-                <a:cs typeface="Georgia"/>
-                <a:sym typeface="Georgia"/>
-              </a:rPr>
-              <a:t>starter-code-9 </a:t>
-            </a:r>
-            <a:r>
-              <a:rPr lang="en-US" sz="2800" dirty="0">
-                <a:latin typeface="Georgia"/>
-                <a:ea typeface="Georgia"/>
-                <a:cs typeface="Georgia"/>
-                <a:sym typeface="Georgia"/>
-              </a:rPr>
-              <a:t>notebook and let’s </a:t>
-            </a:r>
-            <a:r>
-              <a:rPr lang="en-US" sz="2800" dirty="0" smtClean="0">
-                <a:latin typeface="Georgia"/>
-                <a:ea typeface="Georgia"/>
-                <a:cs typeface="Georgia"/>
-                <a:sym typeface="Georgia"/>
-              </a:rPr>
-              <a:t>see how we’ll build a logistic regression model with both statsmodels and sklearn.</a:t>
-            </a:r>
-            <a:endParaRPr lang="en-US" sz="2800" dirty="0">
-              <a:latin typeface="Georgia"/>
-              <a:ea typeface="Georgia"/>
-              <a:cs typeface="Georgia"/>
-              <a:sym typeface="Georgia"/>
-            </a:endParaRPr>
           </a:p>
         </p:txBody>
       </p:sp>
@@ -31634,18 +31192,11 @@
   <p:clrMapOvr>
     <a:masterClrMapping/>
   </p:clrMapOvr>
-  <p:timing>
-    <p:tnLst>
-      <p:par>
-        <p:cTn id="1" dur="indefinite" restart="never" nodeType="tmRoot"/>
-      </p:par>
-    </p:tnLst>
-  </p:timing>
 </p:sld>
 </file>
 
 <file path=ppt/slides/slide25.xml><?xml version="1.0" encoding="utf-8"?>
-<p:sld xmlns:a="http://schemas.openxmlformats.org/drawingml/2006/main" xmlns:r="http://schemas.openxmlformats.org/officeDocument/2006/relationships" xmlns:p="http://schemas.openxmlformats.org/presentationml/2006/main">
+<p:sld xmlns:a="http://schemas.openxmlformats.org/drawingml/2006/main" xmlns:r="http://schemas.openxmlformats.org/officeDocument/2006/relationships" xmlns:p="http://schemas.openxmlformats.org/presentationml/2006/main" show="0">
   <p:cSld>
     <p:spTree>
       <p:nvGrpSpPr>
@@ -31761,7 +31312,7 @@
               <a:buNone/>
             </a:pPr>
             <a:r>
-              <a:rPr lang="en-US" sz="9600" b="1" dirty="0" smtClean="0">
+              <a:rPr lang="en-US" sz="9600" b="1" dirty="0">
                 <a:solidFill>
                   <a:srgbClr val="FFFFFF"/>
                 </a:solidFill>
@@ -31772,15 +31323,6 @@
               </a:rPr>
               <a:t>MULTIVARIATE LOGISTIC REGRESSION</a:t>
             </a:r>
-            <a:endParaRPr lang="en-US" sz="9600" b="1" dirty="0">
-              <a:solidFill>
-                <a:srgbClr val="FFFFFF"/>
-              </a:solidFill>
-              <a:latin typeface="Oswald"/>
-              <a:ea typeface="Oswald"/>
-              <a:cs typeface="Oswald"/>
-              <a:sym typeface="Oswald"/>
-            </a:endParaRPr>
           </a:p>
         </p:txBody>
       </p:sp>
@@ -31789,18 +31331,11 @@
   <p:clrMapOvr>
     <a:masterClrMapping/>
   </p:clrMapOvr>
-  <p:timing>
-    <p:tnLst>
-      <p:par>
-        <p:cTn id="1" dur="indefinite" restart="never" nodeType="tmRoot"/>
-      </p:par>
-    </p:tnLst>
-  </p:timing>
 </p:sld>
 </file>
 
 <file path=ppt/slides/slide26.xml><?xml version="1.0" encoding="utf-8"?>
-<p:sld xmlns:a="http://schemas.openxmlformats.org/drawingml/2006/main" xmlns:r="http://schemas.openxmlformats.org/officeDocument/2006/relationships" xmlns:p="http://schemas.openxmlformats.org/presentationml/2006/main">
+<p:sld xmlns:a="http://schemas.openxmlformats.org/drawingml/2006/main" xmlns:r="http://schemas.openxmlformats.org/officeDocument/2006/relationships" xmlns:p="http://schemas.openxmlformats.org/presentationml/2006/main" show="0">
   <p:cSld>
     <p:spTree>
       <p:nvGrpSpPr>
@@ -31854,19 +31389,10 @@
                 <a:cs typeface="Georgia"/>
                 <a:sym typeface="Georgia"/>
               </a:rPr>
-              <a:t>Use the </a:t>
+              <a:t>Use the default data set and build a logistic regression model </a:t>
             </a:r>
             <a:r>
-              <a:rPr lang="en-US" sz="1800" dirty="0" smtClean="0">
-                <a:latin typeface="Georgia"/>
-                <a:ea typeface="Georgia"/>
-                <a:cs typeface="Georgia"/>
-                <a:sym typeface="Georgia"/>
-              </a:rPr>
-              <a:t>default data set and build a logistic regression model </a:t>
-            </a:r>
-            <a:r>
-              <a:rPr lang="en-US" sz="1800" u="sng" dirty="0" smtClean="0">
+              <a:rPr lang="en-US" sz="1800" u="sng" dirty="0">
                 <a:latin typeface="Georgia"/>
                 <a:ea typeface="Georgia"/>
                 <a:cs typeface="Georgia"/>
@@ -31875,7 +31401,7 @@
               <a:t>in statsmodels </a:t>
             </a:r>
             <a:r>
-              <a:rPr lang="en-US" sz="1800" dirty="0" smtClean="0">
+              <a:rPr lang="en-US" sz="1800" dirty="0">
                 <a:latin typeface="Georgia"/>
                 <a:ea typeface="Georgia"/>
                 <a:cs typeface="Georgia"/>
@@ -31883,12 +31409,6 @@
               </a:rPr>
               <a:t>using all of the available predictor variables (balance, student, and income).</a:t>
             </a:r>
-            <a:endParaRPr lang="en-US" sz="1800" dirty="0">
-              <a:latin typeface="Georgia"/>
-              <a:ea typeface="Georgia"/>
-              <a:cs typeface="Georgia"/>
-              <a:sym typeface="Georgia"/>
-            </a:endParaRPr>
           </a:p>
           <a:p>
             <a:pPr marR="0" lvl="0" algn="l" rtl="0">
@@ -31914,7 +31434,7 @@
               <a:buAutoNum type="arabicPeriod"/>
             </a:pPr>
             <a:r>
-              <a:rPr lang="en-US" sz="1800" dirty="0" smtClean="0">
+              <a:rPr lang="en-US" sz="1800" dirty="0">
                 <a:latin typeface="Georgia"/>
                 <a:ea typeface="Georgia"/>
                 <a:cs typeface="Georgia"/>
@@ -31932,7 +31452,7 @@
               <a:buFont typeface="Georgia"/>
               <a:buAutoNum type="arabicPeriod"/>
             </a:pPr>
-            <a:endParaRPr lang="en-US" sz="1800" dirty="0" smtClean="0">
+            <a:endParaRPr lang="en-US" sz="1800" dirty="0">
               <a:latin typeface="Georgia"/>
               <a:ea typeface="Georgia"/>
               <a:cs typeface="Georgia"/>
@@ -31948,15 +31468,6 @@
               <a:buFont typeface="Georgia"/>
               <a:buAutoNum type="arabicPeriod"/>
             </a:pPr>
-            <a:r>
-              <a:rPr lang="en-US" sz="1800" dirty="0" smtClean="0">
-                <a:latin typeface="Georgia"/>
-                <a:ea typeface="Georgia"/>
-                <a:cs typeface="Georgia"/>
-                <a:sym typeface="Georgia"/>
-              </a:rPr>
-              <a:t>Which </a:t>
-            </a:r>
             <a:r>
               <a:rPr lang="en-US" sz="1800" dirty="0">
                 <a:latin typeface="Georgia"/>
@@ -31964,41 +31475,8 @@
                 <a:cs typeface="Georgia"/>
                 <a:sym typeface="Georgia"/>
               </a:rPr>
-              <a:t>features have the most impact on </a:t>
+              <a:t>Which features have the most impact on default?  Which features have the least?</a:t>
             </a:r>
-            <a:r>
-              <a:rPr lang="en-US" sz="1800" dirty="0" smtClean="0">
-                <a:latin typeface="Georgia"/>
-                <a:ea typeface="Georgia"/>
-                <a:cs typeface="Georgia"/>
-                <a:sym typeface="Georgia"/>
-              </a:rPr>
-              <a:t>default?  </a:t>
-            </a:r>
-            <a:r>
-              <a:rPr lang="en-US" sz="1800" dirty="0">
-                <a:latin typeface="Georgia"/>
-                <a:ea typeface="Georgia"/>
-                <a:cs typeface="Georgia"/>
-                <a:sym typeface="Georgia"/>
-              </a:rPr>
-              <a:t>Which features have the least</a:t>
-            </a:r>
-            <a:r>
-              <a:rPr lang="en-US" sz="1800" dirty="0" smtClean="0">
-                <a:latin typeface="Georgia"/>
-                <a:ea typeface="Georgia"/>
-                <a:cs typeface="Georgia"/>
-                <a:sym typeface="Georgia"/>
-              </a:rPr>
-              <a:t>?</a:t>
-            </a:r>
-            <a:endParaRPr lang="en-US" sz="1800" dirty="0">
-              <a:latin typeface="Georgia"/>
-              <a:ea typeface="Georgia"/>
-              <a:cs typeface="Georgia"/>
-              <a:sym typeface="Georgia"/>
-            </a:endParaRPr>
           </a:p>
         </p:txBody>
       </p:sp>
@@ -32289,22 +31767,13 @@
               <a:buSzPct val="25000"/>
             </a:pPr>
             <a:r>
-              <a:rPr lang="en-US" sz="3200" b="1" dirty="0" smtClean="0">
-                <a:latin typeface="Oswald"/>
-                <a:ea typeface="Oswald"/>
-                <a:cs typeface="Oswald"/>
-                <a:sym typeface="Oswald"/>
-              </a:rPr>
-              <a:t>ACTIVITY</a:t>
-            </a:r>
-            <a:r>
               <a:rPr lang="en-US" sz="3200" b="1" dirty="0">
                 <a:latin typeface="Oswald"/>
                 <a:ea typeface="Oswald"/>
                 <a:cs typeface="Oswald"/>
                 <a:sym typeface="Oswald"/>
               </a:rPr>
-              <a:t>: MULTIVARIATE LOGISTIC REGRESSION</a:t>
+              <a:t>ACTIVITY: MULTIVARIATE LOGISTIC REGRESSION</a:t>
             </a:r>
           </a:p>
         </p:txBody>
@@ -32314,13 +31783,6 @@
   <p:clrMapOvr>
     <a:masterClrMapping/>
   </p:clrMapOvr>
-  <p:timing>
-    <p:tnLst>
-      <p:par>
-        <p:cTn id="1" dur="indefinite" restart="never" nodeType="tmRoot"/>
-      </p:par>
-    </p:tnLst>
-  </p:timing>
 </p:sld>
 </file>
 
@@ -32460,13 +31922,6 @@
   <p:clrMapOvr>
     <a:masterClrMapping/>
   </p:clrMapOvr>
-  <p:timing>
-    <p:tnLst>
-      <p:par>
-        <p:cTn id="1" dur="indefinite" restart="never" nodeType="tmRoot"/>
-      </p:par>
-    </p:tnLst>
-  </p:timing>
 </p:sld>
 </file>
 
@@ -32539,7 +31994,7 @@
               <a:buChar char="‣"/>
             </a:pPr>
             <a:r>
-              <a:rPr lang="en-US" sz="2800" dirty="0" smtClean="0">
+              <a:rPr lang="en-US" sz="2800" dirty="0">
                 <a:latin typeface="Georgia"/>
                 <a:ea typeface="Georgia"/>
                 <a:cs typeface="Georgia"/>
@@ -32574,7 +32029,7 @@
               <a:buChar char="‣"/>
             </a:pPr>
             <a:r>
-              <a:rPr lang="en-US" sz="2800" dirty="0" smtClean="0">
+              <a:rPr lang="en-US" sz="2800" dirty="0">
                 <a:latin typeface="Georgia"/>
                 <a:ea typeface="Georgia"/>
                 <a:cs typeface="Georgia"/>
@@ -32582,12 +32037,6 @@
               </a:rPr>
               <a:t>What if we wanted to know exactly how a classifier was performing (e.g. what is predicting correctly vs incorrectly)?</a:t>
             </a:r>
-            <a:endParaRPr lang="en-US" sz="2800" dirty="0">
-              <a:latin typeface="Georgia"/>
-              <a:ea typeface="Georgia"/>
-              <a:cs typeface="Georgia"/>
-              <a:sym typeface="Georgia"/>
-            </a:endParaRPr>
           </a:p>
           <a:p>
             <a:pPr marR="0" lvl="0" algn="l" rtl="0">
@@ -32671,13 +32120,6 @@
   <p:clrMapOvr>
     <a:masterClrMapping/>
   </p:clrMapOvr>
-  <p:timing>
-    <p:tnLst>
-      <p:par>
-        <p:cTn id="1" dur="indefinite" restart="never" nodeType="tmRoot"/>
-      </p:par>
-    </p:tnLst>
-  </p:timing>
 </p:sld>
 </file>
 
@@ -32756,43 +32198,7 @@
                 <a:cs typeface="Georgia"/>
                 <a:sym typeface="Georgia"/>
               </a:rPr>
-              <a:t>We </a:t>
-            </a:r>
-            <a:r>
-              <a:rPr lang="en-US" sz="2800" dirty="0" smtClean="0">
-                <a:latin typeface="Georgia"/>
-                <a:ea typeface="Georgia"/>
-                <a:cs typeface="Georgia"/>
-                <a:sym typeface="Georgia"/>
-              </a:rPr>
-              <a:t>can use a confusion matrix to obtain more granular accuracy ratings for of </a:t>
-            </a:r>
-            <a:r>
-              <a:rPr lang="en-US" sz="2800" dirty="0">
-                <a:latin typeface="Georgia"/>
-                <a:ea typeface="Georgia"/>
-                <a:cs typeface="Georgia"/>
-                <a:sym typeface="Georgia"/>
-              </a:rPr>
-              <a:t>each </a:t>
-            </a:r>
-            <a:r>
-              <a:rPr lang="en-US" sz="2800" dirty="0" smtClean="0">
-                <a:latin typeface="Georgia"/>
-                <a:ea typeface="Georgia"/>
-                <a:cs typeface="Georgia"/>
-                <a:sym typeface="Georgia"/>
-              </a:rPr>
-              <a:t>class by </a:t>
-            </a:r>
-            <a:r>
-              <a:rPr lang="en-US" sz="2800" dirty="0">
-                <a:latin typeface="Georgia"/>
-                <a:ea typeface="Georgia"/>
-                <a:cs typeface="Georgia"/>
-                <a:sym typeface="Georgia"/>
-              </a:rPr>
-              <a:t>using the </a:t>
+              <a:t>We can use a confusion matrix to obtain more granular accuracy ratings for of each class by using the </a:t>
             </a:r>
             <a:r>
               <a:rPr lang="en-US" sz="2800" i="1" dirty="0">
@@ -32929,18 +32335,11 @@
   <p:clrMapOvr>
     <a:masterClrMapping/>
   </p:clrMapOvr>
-  <p:timing>
-    <p:tnLst>
-      <p:par>
-        <p:cTn id="1" dur="indefinite" restart="never" nodeType="tmRoot"/>
-      </p:par>
-    </p:tnLst>
-  </p:timing>
 </p:sld>
 </file>
 
 <file path=ppt/slides/slide3.xml><?xml version="1.0" encoding="utf-8"?>
-<p:sld xmlns:a="http://schemas.openxmlformats.org/drawingml/2006/main" xmlns:r="http://schemas.openxmlformats.org/officeDocument/2006/relationships" xmlns:p="http://schemas.openxmlformats.org/presentationml/2006/main">
+<p:sld xmlns:a="http://schemas.openxmlformats.org/drawingml/2006/main" xmlns:r="http://schemas.openxmlformats.org/officeDocument/2006/relationships" xmlns:p="http://schemas.openxmlformats.org/presentationml/2006/main" show="0">
   <p:cSld>
     <p:bg>
       <p:bgPr>
@@ -33138,7 +32537,7 @@
               <a:buChar char="‣"/>
             </a:pPr>
             <a:r>
-              <a:rPr lang="en-US" sz="2800" dirty="0" smtClean="0">
+              <a:rPr lang="en-US" sz="2800" dirty="0">
                 <a:latin typeface="Georgia"/>
                 <a:ea typeface="Georgia"/>
                 <a:cs typeface="Georgia"/>
@@ -33147,22 +32546,13 @@
               <a:t>The </a:t>
             </a:r>
             <a:r>
-              <a:rPr lang="en-US" sz="2800" b="1" dirty="0" smtClean="0">
-                <a:latin typeface="Georgia"/>
-                <a:ea typeface="Georgia"/>
-                <a:cs typeface="Georgia"/>
-                <a:sym typeface="Georgia"/>
-              </a:rPr>
-              <a:t>true positive rate </a:t>
-            </a:r>
-            <a:r>
               <a:rPr lang="en-US" sz="2800" b="1" dirty="0">
                 <a:latin typeface="Georgia"/>
                 <a:ea typeface="Georgia"/>
                 <a:cs typeface="Georgia"/>
                 <a:sym typeface="Georgia"/>
               </a:rPr>
-              <a:t>(TPR)</a:t>
+              <a:t>true positive rate (TPR)</a:t>
             </a:r>
             <a:r>
               <a:rPr lang="en-US" sz="2800" dirty="0">
@@ -33171,17 +32561,32 @@
                 <a:cs typeface="Georgia"/>
                 <a:sym typeface="Georgia"/>
               </a:rPr>
-              <a:t> asks, “Out of all of the target </a:t>
+              <a:t> asks, “Out of all of the target classes, how many were accurately predicted to belong to that class?”</a:t>
             </a:r>
-            <a:r>
-              <a:rPr lang="en-US" sz="2800" dirty="0" smtClean="0">
-                <a:latin typeface="Georgia"/>
-                <a:ea typeface="Georgia"/>
-                <a:cs typeface="Georgia"/>
-                <a:sym typeface="Georgia"/>
-              </a:rPr>
-              <a:t>classes, </a:t>
-            </a:r>
+          </a:p>
+          <a:p>
+            <a:pPr marR="0" lvl="0" algn="l" rtl="0">
+              <a:spcBef>
+                <a:spcPts val="0"/>
+              </a:spcBef>
+              <a:buNone/>
+            </a:pPr>
+            <a:endParaRPr sz="2800" dirty="0">
+              <a:latin typeface="Georgia"/>
+              <a:ea typeface="Georgia"/>
+              <a:cs typeface="Georgia"/>
+              <a:sym typeface="Georgia"/>
+            </a:endParaRPr>
+          </a:p>
+          <a:p>
+            <a:pPr marL="203200" marR="0" lvl="0" indent="-256540" algn="l" rtl="0">
+              <a:spcBef>
+                <a:spcPts val="0"/>
+              </a:spcBef>
+              <a:buSzPct val="100000"/>
+              <a:buFont typeface="Georgia"/>
+              <a:buChar char="‣"/>
+            </a:pPr>
             <a:r>
               <a:rPr lang="en-US" sz="2800" dirty="0">
                 <a:latin typeface="Georgia"/>
@@ -33189,76 +32594,7 @@
                 <a:cs typeface="Georgia"/>
                 <a:sym typeface="Georgia"/>
               </a:rPr>
-              <a:t>how many were accurately predicted to belong to that class?”</a:t>
-            </a:r>
-          </a:p>
-          <a:p>
-            <a:pPr marR="0" lvl="0" algn="l" rtl="0">
-              <a:spcBef>
-                <a:spcPts val="0"/>
-              </a:spcBef>
-              <a:buNone/>
-            </a:pPr>
-            <a:endParaRPr sz="2800" dirty="0">
-              <a:latin typeface="Georgia"/>
-              <a:ea typeface="Georgia"/>
-              <a:cs typeface="Georgia"/>
-              <a:sym typeface="Georgia"/>
-            </a:endParaRPr>
-          </a:p>
-          <a:p>
-            <a:pPr marL="203200" marR="0" lvl="0" indent="-256540" algn="l" rtl="0">
-              <a:spcBef>
-                <a:spcPts val="0"/>
-              </a:spcBef>
-              <a:buSzPct val="100000"/>
-              <a:buFont typeface="Georgia"/>
-              <a:buChar char="‣"/>
-            </a:pPr>
-            <a:r>
-              <a:rPr lang="en-US" sz="2800" dirty="0" smtClean="0">
-                <a:latin typeface="Georgia"/>
-                <a:ea typeface="Georgia"/>
-                <a:cs typeface="Georgia"/>
-                <a:sym typeface="Georgia"/>
-              </a:rPr>
-              <a:t>Using our example</a:t>
-            </a:r>
-            <a:r>
-              <a:rPr lang="en-US" sz="2800" dirty="0">
-                <a:latin typeface="Georgia"/>
-                <a:ea typeface="Georgia"/>
-                <a:cs typeface="Georgia"/>
-                <a:sym typeface="Georgia"/>
-              </a:rPr>
-              <a:t>, </a:t>
-            </a:r>
-            <a:r>
-              <a:rPr lang="en-US" sz="2800" dirty="0" smtClean="0">
-                <a:latin typeface="Georgia"/>
-                <a:ea typeface="Georgia"/>
-                <a:cs typeface="Georgia"/>
-                <a:sym typeface="Georgia"/>
-              </a:rPr>
-              <a:t>the TPR would be how </a:t>
-            </a:r>
-            <a:r>
-              <a:rPr lang="en-US" sz="2800" dirty="0">
-                <a:latin typeface="Georgia"/>
-                <a:ea typeface="Georgia"/>
-                <a:cs typeface="Georgia"/>
-                <a:sym typeface="Georgia"/>
-              </a:rPr>
-              <a:t>often does </a:t>
-            </a:r>
-            <a:r>
-              <a:rPr lang="en-US" sz="2800" dirty="0" smtClean="0">
-                <a:latin typeface="Georgia"/>
-                <a:ea typeface="Georgia"/>
-                <a:cs typeface="Georgia"/>
-                <a:sym typeface="Georgia"/>
-              </a:rPr>
-              <a:t>our model  </a:t>
+              <a:t>Using our example, the TPR would be how often does our model  </a:t>
             </a:r>
             <a:r>
               <a:rPr lang="en-US" sz="2800" u="sng" dirty="0">
@@ -33276,23 +32612,8 @@
                 <a:cs typeface="Georgia"/>
                 <a:sym typeface="Georgia"/>
               </a:rPr>
-              <a:t> identify </a:t>
+              <a:t> identify customer who will default on their credit card debt.</a:t>
             </a:r>
-            <a:r>
-              <a:rPr lang="en-US" sz="2800" dirty="0" smtClean="0">
-                <a:latin typeface="Georgia"/>
-                <a:ea typeface="Georgia"/>
-                <a:cs typeface="Georgia"/>
-                <a:sym typeface="Georgia"/>
-              </a:rPr>
-              <a:t>customer who will default on their credit card debt.</a:t>
-            </a:r>
-            <a:endParaRPr lang="en-US" sz="2800" dirty="0">
-              <a:latin typeface="Georgia"/>
-              <a:ea typeface="Georgia"/>
-              <a:cs typeface="Georgia"/>
-              <a:sym typeface="Georgia"/>
-            </a:endParaRPr>
           </a:p>
         </p:txBody>
       </p:sp>
@@ -33404,13 +32725,6 @@
   <p:clrMapOvr>
     <a:masterClrMapping/>
   </p:clrMapOvr>
-  <p:timing>
-    <p:tnLst>
-      <p:par>
-        <p:cTn id="1" dur="indefinite" restart="never" nodeType="tmRoot"/>
-      </p:par>
-    </p:tnLst>
-  </p:timing>
 </p:sld>
 </file>
 
@@ -33483,7 +32797,7 @@
               <a:buChar char="‣"/>
             </a:pPr>
             <a:r>
-              <a:rPr lang="en-US" sz="2800" dirty="0" smtClean="0">
+              <a:rPr lang="en-US" sz="2800" dirty="0">
                 <a:latin typeface="Georgia"/>
                 <a:ea typeface="Georgia"/>
                 <a:cs typeface="Georgia"/>
@@ -33492,22 +32806,13 @@
               <a:t>The </a:t>
             </a:r>
             <a:r>
-              <a:rPr lang="en-US" sz="2800" b="1" dirty="0" smtClean="0">
-                <a:latin typeface="Georgia"/>
-                <a:ea typeface="Georgia"/>
-                <a:cs typeface="Georgia"/>
-                <a:sym typeface="Georgia"/>
-              </a:rPr>
-              <a:t>false positive rate </a:t>
-            </a:r>
-            <a:r>
               <a:rPr lang="en-US" sz="2800" b="1" dirty="0">
                 <a:latin typeface="Georgia"/>
                 <a:ea typeface="Georgia"/>
                 <a:cs typeface="Georgia"/>
                 <a:sym typeface="Georgia"/>
               </a:rPr>
-              <a:t>(FPR) </a:t>
+              <a:t>false positive rate (FPR) </a:t>
             </a:r>
             <a:r>
               <a:rPr lang="en-US" sz="2800" dirty="0">
@@ -33516,17 +32821,32 @@
                 <a:cs typeface="Georgia"/>
                 <a:sym typeface="Georgia"/>
               </a:rPr>
-              <a:t>asks, “Out of all items not belonging to a </a:t>
+              <a:t>asks, “Out of all items not belonging to a class, how many were predicted as belonging to that target class label?”</a:t>
             </a:r>
-            <a:r>
-              <a:rPr lang="en-US" sz="2800" dirty="0" smtClean="0">
-                <a:latin typeface="Georgia"/>
-                <a:ea typeface="Georgia"/>
-                <a:cs typeface="Georgia"/>
-                <a:sym typeface="Georgia"/>
-              </a:rPr>
-              <a:t>class, </a:t>
-            </a:r>
+          </a:p>
+          <a:p>
+            <a:pPr marR="0" lvl="0" algn="l" rtl="0">
+              <a:spcBef>
+                <a:spcPts val="0"/>
+              </a:spcBef>
+              <a:buNone/>
+            </a:pPr>
+            <a:endParaRPr sz="2800" dirty="0">
+              <a:latin typeface="Georgia"/>
+              <a:ea typeface="Georgia"/>
+              <a:cs typeface="Georgia"/>
+              <a:sym typeface="Georgia"/>
+            </a:endParaRPr>
+          </a:p>
+          <a:p>
+            <a:pPr marL="203200" marR="0" lvl="0" indent="-256540" algn="l" rtl="0">
+              <a:spcBef>
+                <a:spcPts val="0"/>
+              </a:spcBef>
+              <a:buSzPct val="100000"/>
+              <a:buFont typeface="Georgia"/>
+              <a:buChar char="‣"/>
+            </a:pPr>
             <a:r>
               <a:rPr lang="en-US" sz="2800" dirty="0">
                 <a:latin typeface="Georgia"/>
@@ -33534,65 +32854,8 @@
                 <a:cs typeface="Georgia"/>
                 <a:sym typeface="Georgia"/>
               </a:rPr>
-              <a:t>how many were predicted as belonging to that target class label?”</a:t>
+              <a:t>Using our example, the FPR would be how often the model predict that a customer will default when they end up not doing so.</a:t>
             </a:r>
-          </a:p>
-          <a:p>
-            <a:pPr marR="0" lvl="0" algn="l" rtl="0">
-              <a:spcBef>
-                <a:spcPts val="0"/>
-              </a:spcBef>
-              <a:buNone/>
-            </a:pPr>
-            <a:endParaRPr sz="2800" dirty="0">
-              <a:latin typeface="Georgia"/>
-              <a:ea typeface="Georgia"/>
-              <a:cs typeface="Georgia"/>
-              <a:sym typeface="Georgia"/>
-            </a:endParaRPr>
-          </a:p>
-          <a:p>
-            <a:pPr marL="203200" marR="0" lvl="0" indent="-256540" algn="l" rtl="0">
-              <a:spcBef>
-                <a:spcPts val="0"/>
-              </a:spcBef>
-              <a:buSzPct val="100000"/>
-              <a:buFont typeface="Georgia"/>
-              <a:buChar char="‣"/>
-            </a:pPr>
-            <a:r>
-              <a:rPr lang="en-US" sz="2800" dirty="0" smtClean="0">
-                <a:latin typeface="Georgia"/>
-                <a:ea typeface="Georgia"/>
-                <a:cs typeface="Georgia"/>
-                <a:sym typeface="Georgia"/>
-              </a:rPr>
-              <a:t>Using our example, the FPR would be how </a:t>
-            </a:r>
-            <a:r>
-              <a:rPr lang="en-US" sz="2800" dirty="0">
-                <a:latin typeface="Georgia"/>
-                <a:ea typeface="Georgia"/>
-                <a:cs typeface="Georgia"/>
-                <a:sym typeface="Georgia"/>
-              </a:rPr>
-              <a:t>often </a:t>
-            </a:r>
-            <a:r>
-              <a:rPr lang="en-US" sz="2800" dirty="0" smtClean="0">
-                <a:latin typeface="Georgia"/>
-                <a:ea typeface="Georgia"/>
-                <a:cs typeface="Georgia"/>
-                <a:sym typeface="Georgia"/>
-              </a:rPr>
-              <a:t>the model predict that a customer will default when they end up not doing so.</a:t>
-            </a:r>
-            <a:endParaRPr lang="en-US" sz="2800" dirty="0">
-              <a:latin typeface="Georgia"/>
-              <a:ea typeface="Georgia"/>
-              <a:cs typeface="Georgia"/>
-              <a:sym typeface="Georgia"/>
-            </a:endParaRPr>
           </a:p>
         </p:txBody>
       </p:sp>
@@ -33704,13 +32967,6 @@
   <p:clrMapOvr>
     <a:masterClrMapping/>
   </p:clrMapOvr>
-  <p:timing>
-    <p:tnLst>
-      <p:par>
-        <p:cTn id="1" dur="indefinite" restart="never" nodeType="tmRoot"/>
-      </p:par>
-    </p:tnLst>
-  </p:timing>
 </p:sld>
 </file>
 
@@ -33783,7 +33039,7 @@
               <a:buChar char="‣"/>
             </a:pPr>
             <a:r>
-              <a:rPr lang="en-US" sz="2800" dirty="0" smtClean="0">
+              <a:rPr lang="en-US" sz="2800" dirty="0">
                 <a:latin typeface="Georgia"/>
                 <a:ea typeface="Georgia"/>
                 <a:cs typeface="Georgia"/>
@@ -33791,12 +33047,6 @@
               </a:rPr>
               <a:t>We can also measure the inverse of TPR/FPR or the false negative rate and the false negative rate (TNR).</a:t>
             </a:r>
-            <a:endParaRPr lang="en-US" sz="2800" dirty="0">
-              <a:latin typeface="Georgia"/>
-              <a:ea typeface="Georgia"/>
-              <a:cs typeface="Georgia"/>
-              <a:sym typeface="Georgia"/>
-            </a:endParaRPr>
           </a:p>
           <a:p>
             <a:pPr marR="0" lvl="0" algn="l" rtl="0">
@@ -33937,13 +33187,6 @@
   <p:clrMapOvr>
     <a:masterClrMapping/>
   </p:clrMapOvr>
-  <p:timing>
-    <p:tnLst>
-      <p:par>
-        <p:cTn id="1" dur="indefinite" restart="never" nodeType="tmRoot"/>
-      </p:par>
-    </p:tnLst>
-  </p:timing>
 </p:sld>
 </file>
 
@@ -34016,14 +33259,38 @@
               <a:buChar char="‣"/>
             </a:pPr>
             <a:r>
-              <a:rPr lang="en-US" sz="2800" dirty="0" smtClean="0">
+              <a:rPr lang="en-US" sz="2800" dirty="0">
                 <a:latin typeface="Georgia"/>
                 <a:ea typeface="Georgia"/>
                 <a:cs typeface="Georgia"/>
                 <a:sym typeface="Georgia"/>
               </a:rPr>
-              <a:t>These rates </a:t>
+              <a:t>These rates gives us a much clearer pictures of where model predictions begin to fall apart and exactly what business cases are being mishandled.</a:t>
             </a:r>
+          </a:p>
+          <a:p>
+            <a:pPr marR="0" lvl="0" algn="l" rtl="0">
+              <a:spcBef>
+                <a:spcPts val="0"/>
+              </a:spcBef>
+              <a:buNone/>
+            </a:pPr>
+            <a:endParaRPr sz="2800" dirty="0">
+              <a:latin typeface="Georgia"/>
+              <a:ea typeface="Georgia"/>
+              <a:cs typeface="Georgia"/>
+              <a:sym typeface="Georgia"/>
+            </a:endParaRPr>
+          </a:p>
+          <a:p>
+            <a:pPr marL="203200" marR="0" lvl="0" indent="-256540" algn="l" rtl="0">
+              <a:spcBef>
+                <a:spcPts val="0"/>
+              </a:spcBef>
+              <a:buSzPct val="100000"/>
+              <a:buFont typeface="Georgia"/>
+              <a:buChar char="‣"/>
+            </a:pPr>
             <a:r>
               <a:rPr lang="en-US" sz="2800" dirty="0">
                 <a:latin typeface="Georgia"/>
@@ -34031,89 +33298,8 @@
                 <a:cs typeface="Georgia"/>
                 <a:sym typeface="Georgia"/>
               </a:rPr>
-              <a:t>gives us a much clearer pictures of where </a:t>
+              <a:t>This allows us to adjust our models accordingly and use metrics that best align to our business needs.</a:t>
             </a:r>
-            <a:r>
-              <a:rPr lang="en-US" sz="2800" dirty="0" smtClean="0">
-                <a:latin typeface="Georgia"/>
-                <a:ea typeface="Georgia"/>
-                <a:cs typeface="Georgia"/>
-                <a:sym typeface="Georgia"/>
-              </a:rPr>
-              <a:t>model predictions </a:t>
-            </a:r>
-            <a:r>
-              <a:rPr lang="en-US" sz="2800" dirty="0">
-                <a:latin typeface="Georgia"/>
-                <a:ea typeface="Georgia"/>
-                <a:cs typeface="Georgia"/>
-                <a:sym typeface="Georgia"/>
-              </a:rPr>
-              <a:t>begin to fall </a:t>
-            </a:r>
-            <a:r>
-              <a:rPr lang="en-US" sz="2800" dirty="0" smtClean="0">
-                <a:latin typeface="Georgia"/>
-                <a:ea typeface="Georgia"/>
-                <a:cs typeface="Georgia"/>
-                <a:sym typeface="Georgia"/>
-              </a:rPr>
-              <a:t>apart and exactly what business cases are being mishandled.</a:t>
-            </a:r>
-            <a:endParaRPr lang="en-US" sz="2800" dirty="0">
-              <a:latin typeface="Georgia"/>
-              <a:ea typeface="Georgia"/>
-              <a:cs typeface="Georgia"/>
-              <a:sym typeface="Georgia"/>
-            </a:endParaRPr>
-          </a:p>
-          <a:p>
-            <a:pPr marR="0" lvl="0" algn="l" rtl="0">
-              <a:spcBef>
-                <a:spcPts val="0"/>
-              </a:spcBef>
-              <a:buNone/>
-            </a:pPr>
-            <a:endParaRPr sz="2800" dirty="0">
-              <a:latin typeface="Georgia"/>
-              <a:ea typeface="Georgia"/>
-              <a:cs typeface="Georgia"/>
-              <a:sym typeface="Georgia"/>
-            </a:endParaRPr>
-          </a:p>
-          <a:p>
-            <a:pPr marL="203200" marR="0" lvl="0" indent="-256540" algn="l" rtl="0">
-              <a:spcBef>
-                <a:spcPts val="0"/>
-              </a:spcBef>
-              <a:buSzPct val="100000"/>
-              <a:buFont typeface="Georgia"/>
-              <a:buChar char="‣"/>
-            </a:pPr>
-            <a:r>
-              <a:rPr lang="en-US" sz="2800" dirty="0">
-                <a:latin typeface="Georgia"/>
-                <a:ea typeface="Georgia"/>
-                <a:cs typeface="Georgia"/>
-                <a:sym typeface="Georgia"/>
-              </a:rPr>
-              <a:t>This allows us to adjust our models </a:t>
-            </a:r>
-            <a:r>
-              <a:rPr lang="en-US" sz="2800" dirty="0" smtClean="0">
-                <a:latin typeface="Georgia"/>
-                <a:ea typeface="Georgia"/>
-                <a:cs typeface="Georgia"/>
-                <a:sym typeface="Georgia"/>
-              </a:rPr>
-              <a:t>accordingly and use metrics that best align to our business needs.</a:t>
-            </a:r>
-            <a:endParaRPr lang="en-US" sz="2800" dirty="0">
-              <a:latin typeface="Georgia"/>
-              <a:ea typeface="Georgia"/>
-              <a:cs typeface="Georgia"/>
-              <a:sym typeface="Georgia"/>
-            </a:endParaRPr>
           </a:p>
         </p:txBody>
       </p:sp>
@@ -34716,13 +33902,6 @@
   <p:clrMapOvr>
     <a:masterClrMapping/>
   </p:clrMapOvr>
-  <p:timing>
-    <p:tnLst>
-      <p:par>
-        <p:cTn id="1" dur="indefinite" restart="never" nodeType="tmRoot"/>
-      </p:par>
-    </p:tnLst>
-  </p:timing>
 </p:sld>
 </file>
 
@@ -34795,67 +33974,13 @@
               <a:buChar char="‣"/>
             </a:pPr>
             <a:r>
-              <a:rPr lang="en-US" sz="2800" dirty="0" smtClean="0">
-                <a:latin typeface="Georgia"/>
-                <a:ea typeface="Georgia"/>
-                <a:cs typeface="Georgia"/>
-                <a:sym typeface="Georgia"/>
-              </a:rPr>
-              <a:t>Ideally, our classifier </a:t>
-            </a:r>
-            <a:r>
               <a:rPr lang="en-US" sz="2800" dirty="0">
                 <a:latin typeface="Georgia"/>
                 <a:ea typeface="Georgia"/>
                 <a:cs typeface="Georgia"/>
                 <a:sym typeface="Georgia"/>
               </a:rPr>
-              <a:t>would have a </a:t>
-            </a:r>
-            <a:r>
-              <a:rPr lang="en-US" sz="2800" dirty="0" smtClean="0">
-                <a:latin typeface="Georgia"/>
-                <a:ea typeface="Georgia"/>
-                <a:cs typeface="Georgia"/>
-                <a:sym typeface="Georgia"/>
-              </a:rPr>
-              <a:t>TPR approaching </a:t>
-            </a:r>
-            <a:r>
-              <a:rPr lang="en-US" sz="2800" dirty="0">
-                <a:latin typeface="Georgia"/>
-                <a:ea typeface="Georgia"/>
-                <a:cs typeface="Georgia"/>
-                <a:sym typeface="Georgia"/>
-              </a:rPr>
-              <a:t>1 and a </a:t>
-            </a:r>
-            <a:r>
-              <a:rPr lang="en-US" sz="2800" dirty="0" smtClean="0">
-                <a:latin typeface="Georgia"/>
-                <a:ea typeface="Georgia"/>
-                <a:cs typeface="Georgia"/>
-                <a:sym typeface="Georgia"/>
-              </a:rPr>
-              <a:t>FPR approaching </a:t>
-            </a:r>
-            <a:r>
-              <a:rPr lang="en-US" sz="2800" dirty="0">
-                <a:latin typeface="Georgia"/>
-                <a:ea typeface="Georgia"/>
-                <a:cs typeface="Georgia"/>
-                <a:sym typeface="Georgia"/>
-              </a:rPr>
-              <a:t>0</a:t>
-            </a:r>
-            <a:r>
-              <a:rPr lang="en-US" sz="2800" dirty="0" smtClean="0">
-                <a:latin typeface="Georgia"/>
-                <a:ea typeface="Georgia"/>
-                <a:cs typeface="Georgia"/>
-                <a:sym typeface="Georgia"/>
-              </a:rPr>
-              <a:t>. This would mean that our model is correctly predicting all customers who defaulted and not mistakenly predict that they wouldn’t default.</a:t>
+              <a:t>Ideally, our classifier would have a TPR approaching 1 and a FPR approaching 0. This would mean that our model is correctly predicting all customers who defaulted and not mistakenly predict that they wouldn’t default.</a:t>
             </a:r>
           </a:p>
           <a:p>
@@ -34890,55 +34015,7 @@
                 <a:cs typeface="Georgia"/>
                 <a:sym typeface="Georgia"/>
               </a:rPr>
-              <a:t>We can vary the classification threshold </a:t>
-            </a:r>
-            <a:r>
-              <a:rPr lang="en-US" sz="2800" dirty="0" smtClean="0">
-                <a:solidFill>
-                  <a:schemeClr val="dk1"/>
-                </a:solidFill>
-                <a:latin typeface="Georgia"/>
-                <a:ea typeface="Georgia"/>
-                <a:cs typeface="Georgia"/>
-                <a:sym typeface="Georgia"/>
-              </a:rPr>
-              <a:t>for </a:t>
-            </a:r>
-            <a:r>
-              <a:rPr lang="en-US" sz="2800" dirty="0">
-                <a:solidFill>
-                  <a:schemeClr val="dk1"/>
-                </a:solidFill>
-                <a:latin typeface="Georgia"/>
-                <a:ea typeface="Georgia"/>
-                <a:cs typeface="Georgia"/>
-                <a:sym typeface="Georgia"/>
-              </a:rPr>
-              <a:t>our model to get different </a:t>
-            </a:r>
-            <a:r>
-              <a:rPr lang="en-US" sz="2800" dirty="0" smtClean="0">
-                <a:solidFill>
-                  <a:schemeClr val="dk1"/>
-                </a:solidFill>
-                <a:latin typeface="Georgia"/>
-                <a:ea typeface="Georgia"/>
-                <a:cs typeface="Georgia"/>
-                <a:sym typeface="Georgia"/>
-              </a:rPr>
-              <a:t>predictions, but </a:t>
-            </a:r>
-            <a:r>
-              <a:rPr lang="en-US" sz="2800" dirty="0">
-                <a:solidFill>
-                  <a:schemeClr val="dk1"/>
-                </a:solidFill>
-                <a:latin typeface="Georgia"/>
-                <a:ea typeface="Georgia"/>
-                <a:cs typeface="Georgia"/>
-                <a:sym typeface="Georgia"/>
-              </a:rPr>
-              <a:t>how do we know if a model is better overall than other model?</a:t>
+              <a:t>We can vary the classification threshold for our model to get different predictions, but how do we know if a model is better overall than other model?</a:t>
             </a:r>
           </a:p>
           <a:p>
@@ -34966,16 +34043,7 @@
                 <a:cs typeface="Georgia"/>
                 <a:sym typeface="Georgia"/>
               </a:rPr>
-              <a:t>We can compare the FPR and TPR of the models, but it can often be difficult to optimize two numbers at once</a:t>
-            </a:r>
-            <a:r>
-              <a:rPr lang="en-US" sz="2800" dirty="0" smtClean="0">
-                <a:latin typeface="Georgia"/>
-                <a:ea typeface="Georgia"/>
-                <a:cs typeface="Georgia"/>
-                <a:sym typeface="Georgia"/>
-              </a:rPr>
-              <a:t>. </a:t>
+              <a:t>We can compare the FPR and TPR of the models, but it can often be difficult to optimize two numbers at once. </a:t>
             </a:r>
             <a:r>
               <a:rPr lang="en-US" sz="2800" i="1" dirty="0">
@@ -35057,13 +34125,6 @@
   <p:clrMapOvr>
     <a:masterClrMapping/>
   </p:clrMapOvr>
-  <p:timing>
-    <p:tnLst>
-      <p:par>
-        <p:cTn id="1" dur="indefinite" restart="never" nodeType="tmRoot"/>
-      </p:par>
-    </p:tnLst>
-  </p:timing>
 </p:sld>
 </file>
 
@@ -35196,79 +34257,7 @@
                 <a:cs typeface="Georgia"/>
                 <a:sym typeface="Georgia"/>
               </a:rPr>
-              <a:t>The curve is created by plotting the </a:t>
-            </a:r>
-            <a:r>
-              <a:rPr lang="en-US" sz="2800" dirty="0" smtClean="0">
-                <a:solidFill>
-                  <a:schemeClr val="dk1"/>
-                </a:solidFill>
-                <a:latin typeface="Georgia"/>
-                <a:ea typeface="Georgia"/>
-                <a:cs typeface="Georgia"/>
-                <a:sym typeface="Georgia"/>
-              </a:rPr>
-              <a:t>TPR against </a:t>
-            </a:r>
-            <a:r>
-              <a:rPr lang="en-US" sz="2800" dirty="0">
-                <a:solidFill>
-                  <a:schemeClr val="dk1"/>
-                </a:solidFill>
-                <a:latin typeface="Georgia"/>
-                <a:ea typeface="Georgia"/>
-                <a:cs typeface="Georgia"/>
-                <a:sym typeface="Georgia"/>
-              </a:rPr>
-              <a:t>the </a:t>
-            </a:r>
-            <a:r>
-              <a:rPr lang="en-US" sz="2800" dirty="0" smtClean="0">
-                <a:solidFill>
-                  <a:schemeClr val="dk1"/>
-                </a:solidFill>
-                <a:latin typeface="Georgia"/>
-                <a:ea typeface="Georgia"/>
-                <a:cs typeface="Georgia"/>
-                <a:sym typeface="Georgia"/>
-              </a:rPr>
-              <a:t>FPR at </a:t>
-            </a:r>
-            <a:r>
-              <a:rPr lang="en-US" sz="2800" dirty="0">
-                <a:solidFill>
-                  <a:schemeClr val="dk1"/>
-                </a:solidFill>
-                <a:latin typeface="Georgia"/>
-                <a:ea typeface="Georgia"/>
-                <a:cs typeface="Georgia"/>
-                <a:sym typeface="Georgia"/>
-              </a:rPr>
-              <a:t>various model </a:t>
-            </a:r>
-            <a:r>
-              <a:rPr lang="en-US" sz="2800" dirty="0" smtClean="0">
-                <a:solidFill>
-                  <a:schemeClr val="dk1"/>
-                </a:solidFill>
-                <a:latin typeface="Georgia"/>
-                <a:ea typeface="Georgia"/>
-                <a:cs typeface="Georgia"/>
-                <a:sym typeface="Georgia"/>
-              </a:rPr>
-              <a:t>classification settings</a:t>
-            </a:r>
-            <a:r>
-              <a:rPr lang="en-US" sz="2800" dirty="0">
-                <a:solidFill>
-                  <a:schemeClr val="dk1"/>
-                </a:solidFill>
-                <a:latin typeface="Georgia"/>
-                <a:ea typeface="Georgia"/>
-                <a:cs typeface="Georgia"/>
-                <a:sym typeface="Georgia"/>
-              </a:rPr>
-              <a:t>.</a:t>
+              <a:t>The curve is created by plotting the TPR against the FPR at various model classification settings.</a:t>
             </a:r>
           </a:p>
           <a:p>
@@ -35301,25 +34290,7 @@
                 <a:cs typeface="Georgia"/>
                 <a:sym typeface="Georgia"/>
               </a:rPr>
-              <a:t>Area Under the Curve (AUC) summarizes the impact of TPR and FPR in </a:t>
-            </a:r>
-            <a:r>
-              <a:rPr lang="en-US" sz="2800" dirty="0" smtClean="0">
-                <a:latin typeface="Georgia"/>
-                <a:ea typeface="Georgia"/>
-                <a:cs typeface="Georgia"/>
-                <a:sym typeface="Georgia"/>
-              </a:rPr>
-              <a:t>a </a:t>
-            </a:r>
-            <a:r>
-              <a:rPr lang="en-US" sz="2800" dirty="0">
-                <a:latin typeface="Georgia"/>
-                <a:ea typeface="Georgia"/>
-                <a:cs typeface="Georgia"/>
-                <a:sym typeface="Georgia"/>
-              </a:rPr>
-              <a:t>single value.</a:t>
+              <a:t>Area Under the Curve (AUC) summarizes the impact of TPR and FPR in a single value.</a:t>
             </a:r>
           </a:p>
           <a:p>
@@ -35374,7 +34345,7 @@
               <a:buNone/>
             </a:pPr>
             <a:r>
-              <a:rPr lang="en-US" sz="3200" b="1" dirty="0" smtClean="0">
+              <a:rPr lang="en-US" sz="3200" b="1" dirty="0">
                 <a:latin typeface="Oswald"/>
                 <a:ea typeface="Oswald"/>
                 <a:cs typeface="Oswald"/>
@@ -35382,12 +34353,6 @@
               </a:rPr>
               <a:t>THE ROC CURVE</a:t>
             </a:r>
-            <a:endParaRPr lang="en-US" sz="3200" b="1" dirty="0">
-              <a:latin typeface="Oswald"/>
-              <a:ea typeface="Oswald"/>
-              <a:cs typeface="Oswald"/>
-              <a:sym typeface="Oswald"/>
-            </a:endParaRPr>
           </a:p>
         </p:txBody>
       </p:sp>
@@ -35396,13 +34361,6 @@
   <p:clrMapOvr>
     <a:masterClrMapping/>
   </p:clrMapOvr>
-  <p:timing>
-    <p:tnLst>
-      <p:par>
-        <p:cTn id="1" dur="indefinite" restart="never" nodeType="tmRoot"/>
-      </p:par>
-    </p:tnLst>
-  </p:timing>
 </p:sld>
 </file>
 
@@ -35559,13 +34517,6 @@
   <p:clrMapOvr>
     <a:masterClrMapping/>
   </p:clrMapOvr>
-  <p:timing>
-    <p:tnLst>
-      <p:par>
-        <p:cTn id="1" dur="indefinite" restart="never" nodeType="tmRoot"/>
-      </p:par>
-    </p:tnLst>
-  </p:timing>
 </p:sld>
 </file>
 
@@ -35721,13 +34672,6 @@
   <p:clrMapOvr>
     <a:masterClrMapping/>
   </p:clrMapOvr>
-  <p:timing>
-    <p:tnLst>
-      <p:par>
-        <p:cTn id="1" dur="indefinite" restart="never" nodeType="tmRoot"/>
-      </p:par>
-    </p:tnLst>
-  </p:timing>
 </p:sld>
 </file>
 
@@ -35806,23 +34750,8 @@
                 <a:cs typeface="Georgia"/>
                 <a:sym typeface="Georgia"/>
               </a:rPr>
-              <a:t>We can continue adding pairs </a:t>
+              <a:t>We can continue adding pairs for different thresholds.</a:t>
             </a:r>
-            <a:r>
-              <a:rPr lang="en-US" sz="2800" dirty="0" smtClean="0">
-                <a:latin typeface="Georgia"/>
-                <a:ea typeface="Georgia"/>
-                <a:cs typeface="Georgia"/>
-                <a:sym typeface="Georgia"/>
-              </a:rPr>
-              <a:t>for different thresholds.</a:t>
-            </a:r>
-            <a:endParaRPr lang="en-US" sz="2800" dirty="0">
-              <a:latin typeface="Georgia"/>
-              <a:ea typeface="Georgia"/>
-              <a:cs typeface="Georgia"/>
-              <a:sym typeface="Georgia"/>
-            </a:endParaRPr>
           </a:p>
         </p:txBody>
       </p:sp>
@@ -35898,13 +34827,6 @@
   <p:clrMapOvr>
     <a:masterClrMapping/>
   </p:clrMapOvr>
-  <p:timing>
-    <p:tnLst>
-      <p:par>
-        <p:cTn id="1" dur="indefinite" restart="never" nodeType="tmRoot"/>
-      </p:par>
-    </p:tnLst>
-  </p:timing>
 </p:sld>
 </file>
 
@@ -35983,23 +34905,8 @@
                 <a:cs typeface="Georgia"/>
                 <a:sym typeface="Georgia"/>
               </a:rPr>
-              <a:t>We can continue adding pairs </a:t>
+              <a:t>We can continue adding pairs for even more thresholds.</a:t>
             </a:r>
-            <a:r>
-              <a:rPr lang="en-US" sz="2800" dirty="0" smtClean="0">
-                <a:latin typeface="Georgia"/>
-                <a:ea typeface="Georgia"/>
-                <a:cs typeface="Georgia"/>
-                <a:sym typeface="Georgia"/>
-              </a:rPr>
-              <a:t>for even more thresholds.</a:t>
-            </a:r>
-            <a:endParaRPr lang="en-US" sz="2800" dirty="0">
-              <a:latin typeface="Georgia"/>
-              <a:ea typeface="Georgia"/>
-              <a:cs typeface="Georgia"/>
-              <a:sym typeface="Georgia"/>
-            </a:endParaRPr>
           </a:p>
         </p:txBody>
       </p:sp>
@@ -36075,18 +34982,11 @@
   <p:clrMapOvr>
     <a:masterClrMapping/>
   </p:clrMapOvr>
-  <p:timing>
-    <p:tnLst>
-      <p:par>
-        <p:cTn id="1" dur="indefinite" restart="never" nodeType="tmRoot"/>
-      </p:par>
-    </p:tnLst>
-  </p:timing>
 </p:sld>
 </file>
 
 <file path=ppt/slides/slide4.xml><?xml version="1.0" encoding="utf-8"?>
-<p:sld xmlns:a="http://schemas.openxmlformats.org/drawingml/2006/main" xmlns:r="http://schemas.openxmlformats.org/officeDocument/2006/relationships" xmlns:p="http://schemas.openxmlformats.org/presentationml/2006/main">
+<p:sld xmlns:a="http://schemas.openxmlformats.org/drawingml/2006/main" xmlns:r="http://schemas.openxmlformats.org/officeDocument/2006/relationships" xmlns:p="http://schemas.openxmlformats.org/presentationml/2006/main" show="0">
   <p:cSld>
     <p:spTree>
       <p:nvGrpSpPr>
@@ -36221,23 +35121,8 @@
                 <a:cs typeface="Georgia"/>
                 <a:sym typeface="Georgia"/>
               </a:rPr>
-              <a:t>Implement a linear model </a:t>
+              <a:t>Implement a linear model with the sklearn and statsmodels libraries</a:t>
             </a:r>
-            <a:r>
-              <a:rPr lang="en-US" sz="2800" dirty="0" smtClean="0">
-                <a:latin typeface="Georgia"/>
-                <a:ea typeface="Georgia"/>
-                <a:cs typeface="Georgia"/>
-                <a:sym typeface="Georgia"/>
-              </a:rPr>
-              <a:t>with the sklearn and statsmodels libraries</a:t>
-            </a:r>
-            <a:endParaRPr lang="en-US" sz="2800" dirty="0">
-              <a:latin typeface="Georgia"/>
-              <a:ea typeface="Georgia"/>
-              <a:cs typeface="Georgia"/>
-              <a:sym typeface="Georgia"/>
-            </a:endParaRPr>
           </a:p>
           <a:p>
             <a:pPr marR="0" lvl="0" algn="l" rtl="0">
@@ -36269,25 +35154,7 @@
                 <a:cs typeface="Georgia"/>
                 <a:sym typeface="Georgia"/>
               </a:rPr>
-              <a:t>Understand what a </a:t>
-            </a:r>
-            <a:r>
-              <a:rPr lang="en-US" sz="2800" dirty="0" smtClean="0">
-                <a:latin typeface="Georgia"/>
-                <a:ea typeface="Georgia"/>
-                <a:cs typeface="Georgia"/>
-                <a:sym typeface="Georgia"/>
-              </a:rPr>
-              <a:t>regression coefficient </a:t>
-            </a:r>
-            <a:r>
-              <a:rPr lang="en-US" sz="2800" dirty="0">
-                <a:latin typeface="Georgia"/>
-                <a:ea typeface="Georgia"/>
-                <a:cs typeface="Georgia"/>
-                <a:sym typeface="Georgia"/>
-              </a:rPr>
-              <a:t>is</a:t>
+              <a:t>Understand what a regression coefficient is</a:t>
             </a:r>
           </a:p>
           <a:p>
@@ -36353,41 +35220,8 @@
                 <a:cs typeface="Georgia"/>
                 <a:sym typeface="Georgia"/>
               </a:rPr>
-              <a:t>Recall the differences between </a:t>
+              <a:t>Recall the differences between lasso/L1 and ridge/L2 regularization</a:t>
             </a:r>
-            <a:r>
-              <a:rPr lang="en-US" sz="2800" dirty="0" smtClean="0">
-                <a:latin typeface="Georgia"/>
-                <a:ea typeface="Georgia"/>
-                <a:cs typeface="Georgia"/>
-                <a:sym typeface="Georgia"/>
-              </a:rPr>
-              <a:t>lasso/L1 </a:t>
-            </a:r>
-            <a:r>
-              <a:rPr lang="en-US" sz="2800" dirty="0">
-                <a:latin typeface="Georgia"/>
-                <a:ea typeface="Georgia"/>
-                <a:cs typeface="Georgia"/>
-                <a:sym typeface="Georgia"/>
-              </a:rPr>
-              <a:t>and </a:t>
-            </a:r>
-            <a:r>
-              <a:rPr lang="en-US" sz="2800" dirty="0" smtClean="0">
-                <a:latin typeface="Georgia"/>
-                <a:ea typeface="Georgia"/>
-                <a:cs typeface="Georgia"/>
-                <a:sym typeface="Georgia"/>
-              </a:rPr>
-              <a:t>ridge/L2 regularization</a:t>
-            </a:r>
-            <a:endParaRPr lang="en-US" sz="2800" dirty="0">
-              <a:latin typeface="Georgia"/>
-              <a:ea typeface="Georgia"/>
-              <a:cs typeface="Georgia"/>
-              <a:sym typeface="Georgia"/>
-            </a:endParaRPr>
           </a:p>
           <a:p>
             <a:pPr marR="0" lvl="0" algn="l" rtl="0">
@@ -36410,13 +35244,6 @@
   <p:clrMapOvr>
     <a:masterClrMapping/>
   </p:clrMapOvr>
-  <p:timing>
-    <p:tnLst>
-      <p:par>
-        <p:cTn id="1" dur="indefinite" restart="never" nodeType="tmRoot"/>
-      </p:par>
-    </p:tnLst>
-  </p:timing>
 </p:sld>
 </file>
 
@@ -36495,43 +35322,7 @@
                 <a:cs typeface="Georgia"/>
                 <a:sym typeface="Georgia"/>
               </a:rPr>
-              <a:t>Finally, we create a full </a:t>
-            </a:r>
-            <a:r>
-              <a:rPr lang="en-US" sz="2800" dirty="0" smtClean="0">
-                <a:latin typeface="Georgia"/>
-                <a:ea typeface="Georgia"/>
-                <a:cs typeface="Georgia"/>
-                <a:sym typeface="Georgia"/>
-              </a:rPr>
-              <a:t>“curve” </a:t>
-            </a:r>
-            <a:r>
-              <a:rPr lang="en-US" sz="2800" dirty="0">
-                <a:latin typeface="Georgia"/>
-                <a:ea typeface="Georgia"/>
-                <a:cs typeface="Georgia"/>
-                <a:sym typeface="Georgia"/>
-              </a:rPr>
-              <a:t>that is described </a:t>
-            </a:r>
-            <a:r>
-              <a:rPr lang="en-US" sz="2800" dirty="0" smtClean="0">
-                <a:latin typeface="Georgia"/>
-                <a:ea typeface="Georgia"/>
-                <a:cs typeface="Georgia"/>
-                <a:sym typeface="Georgia"/>
-              </a:rPr>
-              <a:t>by both </a:t>
-            </a:r>
-            <a:r>
-              <a:rPr lang="en-US" sz="2800" dirty="0">
-                <a:latin typeface="Georgia"/>
-                <a:ea typeface="Georgia"/>
-                <a:cs typeface="Georgia"/>
-                <a:sym typeface="Georgia"/>
-              </a:rPr>
-              <a:t>TPR and FPR.</a:t>
+              <a:t>Finally, we create a full “curve” that is described by both TPR and FPR.</a:t>
             </a:r>
           </a:p>
         </p:txBody>
@@ -36609,13 +35400,6 @@
   <p:clrMapOvr>
     <a:masterClrMapping/>
   </p:clrMapOvr>
-  <p:timing>
-    <p:tnLst>
-      <p:par>
-        <p:cTn id="1" dur="indefinite" restart="never" nodeType="tmRoot"/>
-      </p:par>
-    </p:tnLst>
-  </p:timing>
 </p:sld>
 </file>
 
@@ -36794,13 +35578,6 @@
   <p:clrMapOvr>
     <a:masterClrMapping/>
   </p:clrMapOvr>
-  <p:timing>
-    <p:tnLst>
-      <p:par>
-        <p:cTn id="1" dur="indefinite" restart="never" nodeType="tmRoot"/>
-      </p:par>
-    </p:tnLst>
-  </p:timing>
 </p:sld>
 </file>
 
@@ -36920,7 +35697,7 @@
               <a:buNone/>
             </a:pPr>
             <a:r>
-              <a:rPr lang="en-US" sz="3200" b="1" dirty="0" smtClean="0">
+              <a:rPr lang="en-US" sz="3200" b="1" dirty="0">
                 <a:latin typeface="Oswald"/>
                 <a:ea typeface="Oswald"/>
                 <a:cs typeface="Oswald"/>
@@ -36928,12 +35705,6 @@
               </a:rPr>
               <a:t>AREA UNDER THE CURVE</a:t>
             </a:r>
-            <a:endParaRPr lang="en-US" sz="3200" b="1" dirty="0">
-              <a:latin typeface="Oswald"/>
-              <a:ea typeface="Oswald"/>
-              <a:cs typeface="Oswald"/>
-              <a:sym typeface="Oswald"/>
-            </a:endParaRPr>
           </a:p>
         </p:txBody>
       </p:sp>
@@ -36969,13 +35740,6 @@
   <p:clrMapOvr>
     <a:masterClrMapping/>
   </p:clrMapOvr>
-  <p:timing>
-    <p:tnLst>
-      <p:par>
-        <p:cTn id="1" dur="indefinite" restart="never" nodeType="tmRoot"/>
-      </p:par>
-    </p:tnLst>
-  </p:timing>
 </p:sld>
 </file>
 
@@ -37120,43 +35884,7 @@
                 <a:cs typeface="Georgia"/>
                 <a:sym typeface="Georgia"/>
               </a:rPr>
-              <a:t>An AUC of 0.5 would </a:t>
-            </a:r>
-            <a:r>
-              <a:rPr lang="en-US" sz="2800" dirty="0" smtClean="0">
-                <a:latin typeface="Georgia"/>
-                <a:ea typeface="Georgia"/>
-                <a:cs typeface="Georgia"/>
-                <a:sym typeface="Georgia"/>
-              </a:rPr>
-              <a:t>suggest a model no better than random </a:t>
-            </a:r>
-            <a:r>
-              <a:rPr lang="en-US" sz="2800" dirty="0">
-                <a:latin typeface="Georgia"/>
-                <a:ea typeface="Georgia"/>
-                <a:cs typeface="Georgia"/>
-                <a:sym typeface="Georgia"/>
-              </a:rPr>
-              <a:t>is an excellent benchmark to use for comparing predictions </a:t>
-            </a:r>
-            <a:r>
-              <a:rPr lang="en-US" sz="2800" dirty="0" smtClean="0">
-                <a:latin typeface="Georgia"/>
-                <a:ea typeface="Georgia"/>
-                <a:cs typeface="Georgia"/>
-                <a:sym typeface="Georgia"/>
-              </a:rPr>
-              <a:t>(e.g. </a:t>
-            </a:r>
-            <a:r>
-              <a:rPr lang="en-US" sz="2800" dirty="0">
-                <a:latin typeface="Georgia"/>
-                <a:ea typeface="Georgia"/>
-                <a:cs typeface="Georgia"/>
-                <a:sym typeface="Georgia"/>
-              </a:rPr>
-              <a:t>is my AUC above 0.5?).</a:t>
+              <a:t>An AUC of 0.5 would suggest a model no better than random is an excellent benchmark to use for comparing predictions (e.g. is my AUC above 0.5?).</a:t>
             </a:r>
           </a:p>
         </p:txBody>
@@ -37206,13 +35934,6 @@
   <p:clrMapOvr>
     <a:masterClrMapping/>
   </p:clrMapOvr>
-  <p:timing>
-    <p:tnLst>
-      <p:par>
-        <p:cTn id="1" dur="indefinite" restart="never" nodeType="tmRoot"/>
-      </p:par>
-    </p:tnLst>
-  </p:timing>
 </p:sld>
 </file>
 
@@ -37291,23 +36012,8 @@
                 <a:cs typeface="Georgia"/>
                 <a:sym typeface="Georgia"/>
               </a:rPr>
-              <a:t>There are several other common metrics that are similar to TPR and </a:t>
+              <a:t>There are several other common metrics that are similar to TPR and FPR that can also be useful.</a:t>
             </a:r>
-            <a:r>
-              <a:rPr lang="en-US" sz="2800" dirty="0" smtClean="0">
-                <a:latin typeface="Georgia"/>
-                <a:ea typeface="Georgia"/>
-                <a:cs typeface="Georgia"/>
-                <a:sym typeface="Georgia"/>
-              </a:rPr>
-              <a:t>FPR that can also be useful.</a:t>
-            </a:r>
-            <a:endParaRPr lang="en-US" sz="2800" dirty="0">
-              <a:latin typeface="Georgia"/>
-              <a:ea typeface="Georgia"/>
-              <a:cs typeface="Georgia"/>
-              <a:sym typeface="Georgia"/>
-            </a:endParaRPr>
           </a:p>
           <a:p>
             <a:pPr marR="0" lvl="0" algn="l" rtl="0">
@@ -37444,15 +36150,6 @@
               <a:buFont typeface="Georgia"/>
               <a:buChar char="‣"/>
             </a:pPr>
-            <a:r>
-              <a:rPr lang="en-US" sz="2800" dirty="0" smtClean="0">
-                <a:latin typeface="Georgia"/>
-                <a:ea typeface="Georgia"/>
-                <a:cs typeface="Georgia"/>
-                <a:sym typeface="Georgia"/>
-              </a:rPr>
-              <a:t>Sklearn </a:t>
-            </a:r>
             <a:r>
               <a:rPr lang="en-US" sz="2800" dirty="0">
                 <a:latin typeface="Georgia"/>
@@ -37460,25 +36157,7 @@
                 <a:cs typeface="Georgia"/>
                 <a:sym typeface="Georgia"/>
               </a:rPr>
-              <a:t>has all of </a:t>
-            </a:r>
-            <a:r>
-              <a:rPr lang="en-US" sz="2800" dirty="0" smtClean="0">
-                <a:latin typeface="Georgia"/>
-                <a:ea typeface="Georgia"/>
-                <a:cs typeface="Georgia"/>
-                <a:sym typeface="Georgia"/>
-              </a:rPr>
-              <a:t>these </a:t>
-            </a:r>
-            <a:r>
-              <a:rPr lang="en-US" sz="2800" dirty="0">
-                <a:latin typeface="Georgia"/>
-                <a:ea typeface="Georgia"/>
-                <a:cs typeface="Georgia"/>
-                <a:sym typeface="Georgia"/>
-              </a:rPr>
-              <a:t>metrics located on </a:t>
+              <a:t>Sklearn has all of these metrics located on </a:t>
             </a:r>
             <a:r>
               <a:rPr lang="en-US" sz="2800" u="sng" dirty="0">
@@ -37541,7 +36220,7 @@
               <a:buNone/>
             </a:pPr>
             <a:r>
-              <a:rPr lang="en-US" sz="3200" b="1" dirty="0" smtClean="0">
+              <a:rPr lang="en-US" sz="3200" b="1" dirty="0">
                 <a:latin typeface="Oswald"/>
                 <a:ea typeface="Oswald"/>
                 <a:cs typeface="Oswald"/>
@@ -37549,12 +36228,6 @@
               </a:rPr>
               <a:t>MORE CLASSIFICATION METRICS!</a:t>
             </a:r>
-            <a:endParaRPr lang="en-US" sz="3200" b="1" dirty="0">
-              <a:latin typeface="Oswald"/>
-              <a:ea typeface="Oswald"/>
-              <a:cs typeface="Oswald"/>
-              <a:sym typeface="Oswald"/>
-            </a:endParaRPr>
           </a:p>
         </p:txBody>
       </p:sp>
@@ -37591,13 +36264,6 @@
   <p:clrMapOvr>
     <a:masterClrMapping/>
   </p:clrMapOvr>
-  <p:timing>
-    <p:tnLst>
-      <p:par>
-        <p:cTn id="1" dur="indefinite" restart="never" nodeType="tmRoot"/>
-      </p:par>
-    </p:tnLst>
-  </p:timing>
 </p:sld>
 </file>
 
@@ -37727,29 +36393,8 @@
                 <a:cs typeface="Oswald"/>
                 <a:sym typeface="Oswald"/>
               </a:rPr>
-              <a:t>WHICH </a:t>
+              <a:t>WHICH METRIC MATTERS?</a:t>
             </a:r>
-            <a:r>
-              <a:rPr lang="en-US" sz="9600" b="1" dirty="0" smtClean="0">
-                <a:solidFill>
-                  <a:srgbClr val="FFFFFF"/>
-                </a:solidFill>
-                <a:latin typeface="Oswald"/>
-                <a:ea typeface="Oswald"/>
-                <a:cs typeface="Oswald"/>
-                <a:sym typeface="Oswald"/>
-              </a:rPr>
-              <a:t>METRIC MATTERS?</a:t>
-            </a:r>
-            <a:endParaRPr lang="en-US" sz="9600" b="1" dirty="0">
-              <a:solidFill>
-                <a:srgbClr val="FFFFFF"/>
-              </a:solidFill>
-              <a:latin typeface="Oswald"/>
-              <a:ea typeface="Oswald"/>
-              <a:cs typeface="Oswald"/>
-              <a:sym typeface="Oswald"/>
-            </a:endParaRPr>
           </a:p>
         </p:txBody>
       </p:sp>
@@ -37758,13 +36403,6 @@
   <p:clrMapOvr>
     <a:masterClrMapping/>
   </p:clrMapOvr>
-  <p:timing>
-    <p:tnLst>
-      <p:par>
-        <p:cTn id="1" dur="indefinite" restart="never" nodeType="tmRoot"/>
-      </p:par>
-    </p:tnLst>
-  </p:timing>
 </p:sld>
 </file>
 
@@ -37944,23 +36582,8 @@
                 <a:cs typeface="Georgia"/>
                 <a:sym typeface="Georgia"/>
               </a:rPr>
-              <a:t> improved depending upon your problem.  There will be instances where error in positive or negative matches will be very important.  For each of the </a:t>
+              <a:t> improved depending upon your problem.  There will be instances where error in positive or negative matches will be very important.  For each of the example on the next slide:</a:t>
             </a:r>
-            <a:r>
-              <a:rPr lang="en-US" sz="1800" dirty="0" smtClean="0">
-                <a:latin typeface="Georgia"/>
-                <a:ea typeface="Georgia"/>
-                <a:cs typeface="Georgia"/>
-                <a:sym typeface="Georgia"/>
-              </a:rPr>
-              <a:t>example on the next slide:</a:t>
-            </a:r>
-            <a:endParaRPr lang="en-US" sz="1800" dirty="0">
-              <a:latin typeface="Georgia"/>
-              <a:ea typeface="Georgia"/>
-              <a:cs typeface="Georgia"/>
-              <a:sym typeface="Georgia"/>
-            </a:endParaRPr>
           </a:p>
           <a:p>
             <a:pPr marR="0" lvl="0" algn="l" rtl="0">
@@ -38025,7 +36648,7 @@
               <a:t>rite a confusion matrix: true positive, false positive, true negative, false negative. Then decide what each square represents for that specific example</a:t>
             </a:r>
             <a:r>
-              <a:rPr lang="en-US" sz="1800" dirty="0" smtClean="0">
+              <a:rPr lang="en-US" sz="1800" dirty="0">
                 <a:latin typeface="Georgia"/>
                 <a:ea typeface="Georgia"/>
                 <a:cs typeface="Georgia"/>
@@ -38126,22 +36749,7 @@
                 <a:cs typeface="Georgia"/>
                 <a:sym typeface="Georgia"/>
               </a:rPr>
-              <a:t> of a true positive and true </a:t>
-            </a:r>
-            <a:r>
-              <a:rPr lang="en-US" sz="1800" dirty="0" smtClean="0">
-                <a:solidFill>
-                  <a:srgbClr val="333333"/>
-                </a:solidFill>
-                <a:highlight>
-                  <a:srgbClr val="FFFFFF"/>
-                </a:highlight>
-                <a:latin typeface="Georgia"/>
-                <a:ea typeface="Georgia"/>
-                <a:cs typeface="Georgia"/>
-                <a:sym typeface="Georgia"/>
-              </a:rPr>
-              <a:t>negative</a:t>
+              <a:t> of a true positive and true negative</a:t>
             </a:r>
             <a:r>
               <a:rPr lang="en-US" sz="1800" dirty="0">
@@ -38153,22 +36761,10 @@
                 <a:cs typeface="Georgia"/>
                 <a:sym typeface="Georgia"/>
               </a:rPr>
-              <a:t> </a:t>
+              <a:t> and </a:t>
             </a:r>
             <a:r>
-              <a:rPr lang="en-US" sz="1800" dirty="0" smtClean="0">
-                <a:highlight>
-                  <a:srgbClr val="FFFFFF"/>
-                </a:highlight>
-                <a:latin typeface="Georgia"/>
-                <a:ea typeface="Georgia"/>
-                <a:cs typeface="Georgia"/>
-                <a:sym typeface="Georgia"/>
-              </a:rPr>
-              <a:t>and </a:t>
-            </a:r>
-            <a:r>
-              <a:rPr lang="en-US" sz="1800" dirty="0" smtClean="0">
+              <a:rPr lang="en-US" sz="1800" dirty="0">
                 <a:solidFill>
                   <a:srgbClr val="333333"/>
                 </a:solidFill>
@@ -38213,7 +36809,7 @@
               <a:t> of a false positive and false negative</a:t>
             </a:r>
             <a:r>
-              <a:rPr lang="en-US" sz="1800" dirty="0" smtClean="0">
+              <a:rPr lang="en-US" sz="1800" dirty="0">
                 <a:latin typeface="Georgia"/>
                 <a:ea typeface="Georgia"/>
                 <a:cs typeface="Georgia"/>
@@ -38221,12 +36817,6 @@
               </a:rPr>
               <a:t>.</a:t>
             </a:r>
-            <a:endParaRPr lang="en-US" sz="1800" dirty="0">
-              <a:latin typeface="Georgia"/>
-              <a:ea typeface="Georgia"/>
-              <a:cs typeface="Georgia"/>
-              <a:sym typeface="Georgia"/>
-            </a:endParaRPr>
           </a:p>
         </p:txBody>
       </p:sp>
@@ -38342,23 +36932,8 @@
                 <a:cs typeface="Oswald"/>
                 <a:sym typeface="Oswald"/>
               </a:rPr>
-              <a:t>ACTIVITY: WHICH METRIC </a:t>
+              <a:t>ACTIVITY: WHICH METRIC MATTERS?</a:t>
             </a:r>
-            <a:r>
-              <a:rPr lang="en-US" sz="3200" b="1" dirty="0" smtClean="0">
-                <a:latin typeface="Oswald"/>
-                <a:ea typeface="Oswald"/>
-                <a:cs typeface="Oswald"/>
-                <a:sym typeface="Oswald"/>
-              </a:rPr>
-              <a:t>MATTERS?</a:t>
-            </a:r>
-            <a:endParaRPr lang="en-US" sz="3200" b="1" dirty="0">
-              <a:latin typeface="Oswald"/>
-              <a:ea typeface="Oswald"/>
-              <a:cs typeface="Oswald"/>
-              <a:sym typeface="Oswald"/>
-            </a:endParaRPr>
           </a:p>
         </p:txBody>
       </p:sp>
@@ -38458,13 +37033,6 @@
   <p:clrMapOvr>
     <a:masterClrMapping/>
   </p:clrMapOvr>
-  <p:timing>
-    <p:tnLst>
-      <p:par>
-        <p:cTn id="1" dur="indefinite" restart="never" nodeType="tmRoot"/>
-      </p:par>
-    </p:tnLst>
-  </p:timing>
 </p:sld>
 </file>
 
@@ -38698,7 +37266,7 @@
               <a:t> test is developed for determining if a patient has cancer or not</a:t>
             </a:r>
             <a:r>
-              <a:rPr lang="en-US" sz="1800" dirty="0" smtClean="0">
+              <a:rPr lang="en-US" sz="1800" dirty="0">
                 <a:latin typeface="Georgia"/>
                 <a:ea typeface="Georgia"/>
                 <a:cs typeface="Georgia"/>
@@ -38769,7 +37337,7 @@
               <a:t> newspaper company is targeting a marketing campaign for "at risk" users that may stop paying for the product soon</a:t>
             </a:r>
             <a:r>
-              <a:rPr lang="en-US" sz="1800" dirty="0" smtClean="0">
+              <a:rPr lang="en-US" sz="1800" dirty="0">
                 <a:latin typeface="Georgia"/>
                 <a:ea typeface="Georgia"/>
                 <a:cs typeface="Georgia"/>
@@ -38963,23 +37531,8 @@
                 <a:cs typeface="Oswald"/>
                 <a:sym typeface="Oswald"/>
               </a:rPr>
-              <a:t>ACTIVITY: WHICH METRIC </a:t>
+              <a:t>ACTIVITY: WHICH METRIC MATTERS?</a:t>
             </a:r>
-            <a:r>
-              <a:rPr lang="en-US" sz="3200" b="1" dirty="0" smtClean="0">
-                <a:latin typeface="Oswald"/>
-                <a:ea typeface="Oswald"/>
-                <a:cs typeface="Oswald"/>
-                <a:sym typeface="Oswald"/>
-              </a:rPr>
-              <a:t>MATTERS?</a:t>
-            </a:r>
-            <a:endParaRPr lang="en-US" sz="3200" b="1" dirty="0">
-              <a:latin typeface="Oswald"/>
-              <a:ea typeface="Oswald"/>
-              <a:cs typeface="Oswald"/>
-              <a:sym typeface="Oswald"/>
-            </a:endParaRPr>
           </a:p>
         </p:txBody>
       </p:sp>
@@ -39079,13 +37632,6 @@
   <p:clrMapOvr>
     <a:masterClrMapping/>
   </p:clrMapOvr>
-  <p:timing>
-    <p:tnLst>
-      <p:par>
-        <p:cTn id="1" dur="indefinite" restart="never" nodeType="tmRoot"/>
-      </p:par>
-    </p:tnLst>
-  </p:timing>
 </p:sld>
 </file>
 
@@ -39142,7 +37688,7 @@
               <a:buNone/>
             </a:pPr>
             <a:r>
-              <a:rPr lang="en-US" sz="3200" b="1" dirty="0" smtClean="0">
+              <a:rPr lang="en-US" sz="3200" b="1" dirty="0">
                 <a:latin typeface="Oswald"/>
                 <a:ea typeface="Oswald"/>
                 <a:cs typeface="Oswald"/>
@@ -39150,12 +37696,6 @@
               </a:rPr>
               <a:t>DEMO</a:t>
             </a:r>
-            <a:endParaRPr lang="en-US" sz="3200" b="1" dirty="0">
-              <a:latin typeface="Oswald"/>
-              <a:ea typeface="Oswald"/>
-              <a:cs typeface="Oswald"/>
-              <a:sym typeface="Oswald"/>
-            </a:endParaRPr>
           </a:p>
         </p:txBody>
       </p:sp>
@@ -39212,7 +37752,7 @@
               <a:buNone/>
             </a:pPr>
             <a:r>
-              <a:rPr lang="en-US" sz="9600" b="1" dirty="0" smtClean="0">
+              <a:rPr lang="en-US" sz="9600" b="1" dirty="0">
                 <a:solidFill>
                   <a:srgbClr val="FFFFFF"/>
                 </a:solidFill>
@@ -39223,15 +37763,6 @@
               </a:rPr>
               <a:t>ROC CURVES AND AUC</a:t>
             </a:r>
-            <a:endParaRPr lang="en-US" sz="9600" b="1" dirty="0">
-              <a:solidFill>
-                <a:srgbClr val="FFFFFF"/>
-              </a:solidFill>
-              <a:latin typeface="Oswald"/>
-              <a:ea typeface="Oswald"/>
-              <a:cs typeface="Oswald"/>
-              <a:sym typeface="Oswald"/>
-            </a:endParaRPr>
           </a:p>
         </p:txBody>
       </p:sp>
@@ -39245,13 +37776,6 @@
   <p:clrMapOvr>
     <a:masterClrMapping/>
   </p:clrMapOvr>
-  <p:timing>
-    <p:tnLst>
-      <p:par>
-        <p:cTn id="1" dur="indefinite" restart="never" nodeType="tmRoot"/>
-      </p:par>
-    </p:tnLst>
-  </p:timing>
 </p:sld>
 </file>
 
@@ -39308,7 +37832,7 @@
               <a:buNone/>
             </a:pPr>
             <a:r>
-              <a:rPr lang="en-US" sz="3200" b="1" dirty="0" smtClean="0">
+              <a:rPr lang="en-US" sz="3200" b="1" dirty="0">
                 <a:latin typeface="Oswald"/>
                 <a:ea typeface="Oswald"/>
                 <a:cs typeface="Oswald"/>
@@ -39316,12 +37840,6 @@
               </a:rPr>
               <a:t>BUILDING A LOGISTIC REGRESSION</a:t>
             </a:r>
-            <a:endParaRPr lang="en-US" sz="3200" b="1" dirty="0">
-              <a:latin typeface="Oswald"/>
-              <a:ea typeface="Oswald"/>
-              <a:cs typeface="Oswald"/>
-              <a:sym typeface="Oswald"/>
-            </a:endParaRPr>
           </a:p>
         </p:txBody>
       </p:sp>
@@ -39380,41 +37898,8 @@
                 <a:cs typeface="Georgia"/>
                 <a:sym typeface="Georgia"/>
               </a:rPr>
-              <a:t>Open up the </a:t>
+              <a:t>Let’s see how to use sklearn to calculate (and visualize) ROC curves and AUC.</a:t>
             </a:r>
-            <a:r>
-              <a:rPr lang="en-US" sz="2800" dirty="0" smtClean="0">
-                <a:latin typeface="Georgia"/>
-                <a:ea typeface="Georgia"/>
-                <a:cs typeface="Georgia"/>
-                <a:sym typeface="Georgia"/>
-              </a:rPr>
-              <a:t>starter-code-9 </a:t>
-            </a:r>
-            <a:r>
-              <a:rPr lang="en-US" sz="2800" dirty="0">
-                <a:latin typeface="Georgia"/>
-                <a:ea typeface="Georgia"/>
-                <a:cs typeface="Georgia"/>
-                <a:sym typeface="Georgia"/>
-              </a:rPr>
-              <a:t>notebook and let’s </a:t>
-            </a:r>
-            <a:r>
-              <a:rPr lang="en-US" sz="2800" dirty="0" smtClean="0">
-                <a:latin typeface="Georgia"/>
-                <a:ea typeface="Georgia"/>
-                <a:cs typeface="Georgia"/>
-                <a:sym typeface="Georgia"/>
-              </a:rPr>
-              <a:t>see how to use sklearn to calculate (and visualize) ROC curves and AUC.</a:t>
-            </a:r>
-            <a:endParaRPr lang="en-US" sz="2800" dirty="0">
-              <a:latin typeface="Georgia"/>
-              <a:ea typeface="Georgia"/>
-              <a:cs typeface="Georgia"/>
-              <a:sym typeface="Georgia"/>
-            </a:endParaRPr>
           </a:p>
         </p:txBody>
       </p:sp>
@@ -39428,13 +37913,6 @@
   <p:clrMapOvr>
     <a:masterClrMapping/>
   </p:clrMapOvr>
-  <p:timing>
-    <p:tnLst>
-      <p:par>
-        <p:cTn id="1" dur="indefinite" restart="never" nodeType="tmRoot"/>
-      </p:par>
-    </p:tnLst>
-  </p:timing>
 </p:sld>
 </file>
 
@@ -39542,7 +38020,7 @@
               <a:buNone/>
             </a:pPr>
             <a:r>
-              <a:rPr lang="en-US" sz="9600" b="1" dirty="0" smtClean="0">
+              <a:rPr lang="en-US" sz="9600" b="1" dirty="0">
                 <a:solidFill>
                   <a:schemeClr val="lt1"/>
                 </a:solidFill>
@@ -39553,15 +38031,6 @@
               </a:rPr>
               <a:t>MODEL DIFFERENCES</a:t>
             </a:r>
-            <a:endParaRPr lang="en-US" sz="9600" b="1" dirty="0">
-              <a:solidFill>
-                <a:schemeClr val="lt1"/>
-              </a:solidFill>
-              <a:latin typeface="Oswald"/>
-              <a:ea typeface="Oswald"/>
-              <a:cs typeface="Oswald"/>
-              <a:sym typeface="Oswald"/>
-            </a:endParaRPr>
           </a:p>
         </p:txBody>
       </p:sp>
@@ -39570,13 +38039,6 @@
   <p:clrMapOvr>
     <a:masterClrMapping/>
   </p:clrMapOvr>
-  <p:timing>
-    <p:tnLst>
-      <p:par>
-        <p:cTn id="1" dur="indefinite" restart="never" nodeType="tmRoot"/>
-      </p:par>
-    </p:tnLst>
-  </p:timing>
 </p:sld>
 </file>
 
@@ -39678,7 +38140,7 @@
               </a:spcBef>
               <a:buNone/>
             </a:pPr>
-            <a:endParaRPr dirty="0" smtClean="0">
+            <a:endParaRPr dirty="0">
               <a:latin typeface="Oswald"/>
               <a:ea typeface="Oswald"/>
               <a:cs typeface="Oswald"/>
@@ -39697,7 +38159,7 @@
               <a:buNone/>
             </a:pPr>
             <a:r>
-              <a:rPr lang="en-US" sz="9600" b="1" dirty="0" smtClean="0">
+              <a:rPr lang="en-US" sz="9600" b="1" dirty="0">
                 <a:solidFill>
                   <a:srgbClr val="FFFFFF"/>
                 </a:solidFill>
@@ -39721,7 +38183,7 @@
               <a:buNone/>
             </a:pPr>
             <a:r>
-              <a:rPr lang="en-US" sz="9600" b="1" dirty="0" smtClean="0">
+              <a:rPr lang="en-US" sz="9600" b="1" dirty="0">
                 <a:solidFill>
                   <a:srgbClr val="FFFFFF"/>
                 </a:solidFill>
@@ -39732,15 +38194,6 @@
               </a:rPr>
               <a:t>LOGISTIC REGRESSION</a:t>
             </a:r>
-            <a:endParaRPr lang="en-US" sz="9600" b="1" dirty="0">
-              <a:solidFill>
-                <a:srgbClr val="FFFFFF"/>
-              </a:solidFill>
-              <a:latin typeface="Oswald"/>
-              <a:ea typeface="Oswald"/>
-              <a:cs typeface="Oswald"/>
-              <a:sym typeface="Oswald"/>
-            </a:endParaRPr>
           </a:p>
         </p:txBody>
       </p:sp>
@@ -39749,13 +38202,6 @@
   <p:clrMapOvr>
     <a:masterClrMapping/>
   </p:clrMapOvr>
-  <p:timing>
-    <p:tnLst>
-      <p:par>
-        <p:cTn id="1" dur="indefinite" restart="never" nodeType="tmRoot"/>
-      </p:par>
-    </p:tnLst>
-  </p:timing>
 </p:sld>
 </file>
 
@@ -39808,7 +38254,7 @@
               <a:buNone/>
             </a:pPr>
             <a:r>
-              <a:rPr lang="en-US" sz="1800" dirty="0" smtClean="0">
+              <a:rPr lang="en-US" sz="1800" dirty="0">
                 <a:latin typeface="Georgia"/>
                 <a:ea typeface="Georgia"/>
                 <a:cs typeface="Georgia"/>
@@ -39840,7 +38286,7 @@
               <a:buChar char="•"/>
             </a:pPr>
             <a:r>
-              <a:rPr lang="en-US" sz="1800" dirty="0" smtClean="0">
+              <a:rPr lang="en-US" sz="1800" dirty="0">
                 <a:latin typeface="Georgia"/>
                 <a:ea typeface="Georgia"/>
                 <a:cs typeface="Georgia"/>
@@ -39857,7 +38303,7 @@
               <a:buFont typeface="Arial" panose="020B0604020202020204" pitchFamily="34" charset="0"/>
               <a:buChar char="•"/>
             </a:pPr>
-            <a:endParaRPr lang="en-US" sz="1800" dirty="0" smtClean="0">
+            <a:endParaRPr lang="en-US" sz="1800" dirty="0">
               <a:latin typeface="Georgia"/>
               <a:ea typeface="Georgia"/>
               <a:cs typeface="Georgia"/>
@@ -39873,7 +38319,7 @@
               <a:buChar char="•"/>
             </a:pPr>
             <a:r>
-              <a:rPr lang="en-US" sz="1800" dirty="0" smtClean="0">
+              <a:rPr lang="en-US" sz="1800" dirty="0">
                 <a:latin typeface="Georgia"/>
                 <a:ea typeface="Georgia"/>
                 <a:cs typeface="Georgia"/>
@@ -39890,7 +38336,7 @@
               <a:buFont typeface="Arial" panose="020B0604020202020204" pitchFamily="34" charset="0"/>
               <a:buChar char="•"/>
             </a:pPr>
-            <a:endParaRPr lang="en-US" sz="1800" dirty="0" smtClean="0">
+            <a:endParaRPr lang="en-US" sz="1800" dirty="0">
               <a:latin typeface="Georgia"/>
               <a:ea typeface="Georgia"/>
               <a:cs typeface="Georgia"/>
@@ -40029,7 +38475,7 @@
               <a:buNone/>
             </a:pPr>
             <a:r>
-              <a:rPr lang="en-US" sz="1800" dirty="0" smtClean="0">
+              <a:rPr lang="en-US" sz="1800" dirty="0">
                 <a:latin typeface="Georgia"/>
                 <a:ea typeface="Georgia"/>
                 <a:cs typeface="Georgia"/>
@@ -40037,12 +38483,6 @@
               </a:rPr>
               <a:t>A tuned logistic model</a:t>
             </a:r>
-            <a:endParaRPr lang="en-US" sz="1800" dirty="0">
-              <a:latin typeface="Georgia"/>
-              <a:ea typeface="Georgia"/>
-              <a:cs typeface="Georgia"/>
-              <a:sym typeface="Georgia"/>
-            </a:endParaRPr>
           </a:p>
         </p:txBody>
       </p:sp>
@@ -40132,25 +38572,7 @@
                 <a:cs typeface="Oswald"/>
                 <a:sym typeface="Oswald"/>
               </a:rPr>
-              <a:t>DIRECTIONS (</a:t>
-            </a:r>
-            <a:r>
-              <a:rPr lang="en-US" sz="2000" b="1" dirty="0" smtClean="0">
-                <a:latin typeface="Oswald"/>
-                <a:ea typeface="Oswald"/>
-                <a:cs typeface="Oswald"/>
-                <a:sym typeface="Oswald"/>
-              </a:rPr>
-              <a:t>30 </a:t>
-            </a:r>
-            <a:r>
-              <a:rPr lang="en-US" sz="2000" b="1" dirty="0">
-                <a:latin typeface="Oswald"/>
-                <a:ea typeface="Oswald"/>
-                <a:cs typeface="Oswald"/>
-                <a:sym typeface="Oswald"/>
-              </a:rPr>
-              <a:t>minutes)</a:t>
+              <a:t>DIRECTIONS (30 minutes)</a:t>
             </a:r>
           </a:p>
         </p:txBody>
@@ -40223,25 +38645,7 @@
                 <a:cs typeface="Oswald"/>
                 <a:sym typeface="Oswald"/>
               </a:rPr>
-              <a:t>ACTIVITY: </a:t>
-            </a:r>
-            <a:r>
-              <a:rPr lang="en-US" sz="3200" b="1" dirty="0" smtClean="0">
-                <a:latin typeface="Oswald"/>
-                <a:ea typeface="Oswald"/>
-                <a:cs typeface="Oswald"/>
-                <a:sym typeface="Oswald"/>
-              </a:rPr>
-              <a:t>TUNING A </a:t>
-            </a:r>
-            <a:r>
-              <a:rPr lang="en-US" sz="3200" b="1" dirty="0">
-                <a:latin typeface="Oswald"/>
-                <a:ea typeface="Oswald"/>
-                <a:cs typeface="Oswald"/>
-                <a:sym typeface="Oswald"/>
-              </a:rPr>
-              <a:t>LOGISTIC REGRESSION</a:t>
+              <a:t>ACTIVITY: TUNING A LOGISTIC REGRESSION</a:t>
             </a:r>
           </a:p>
         </p:txBody>
@@ -40251,13 +38655,6 @@
   <p:clrMapOvr>
     <a:masterClrMapping/>
   </p:clrMapOvr>
-  <p:timing>
-    <p:tnLst>
-      <p:par>
-        <p:cTn id="1" dur="indefinite" restart="never" nodeType="tmRoot"/>
-      </p:par>
-    </p:tnLst>
-  </p:timing>
 </p:sld>
 </file>
 
@@ -40397,13 +38794,6 @@
   <p:clrMapOvr>
     <a:masterClrMapping/>
   </p:clrMapOvr>
-  <p:timing>
-    <p:tnLst>
-      <p:par>
-        <p:cTn id="1" dur="indefinite" restart="never" nodeType="tmRoot"/>
-      </p:par>
-    </p:tnLst>
-  </p:timing>
 </p:sld>
 </file>
 
@@ -40638,7 +39028,7 @@
               <a:t> in a logistic regression represent? How does the interpretation differ from ordinary least squares? How is it similar</a:t>
             </a:r>
             <a:r>
-              <a:rPr lang="en-US" sz="2800" dirty="0" smtClean="0">
+              <a:rPr lang="en-US" sz="2800" dirty="0">
                 <a:latin typeface="Georgia"/>
                 <a:ea typeface="Georgia"/>
                 <a:cs typeface="Georgia"/>
@@ -40845,18 +39235,11 @@
   <p:clrMapOvr>
     <a:masterClrMapping/>
   </p:clrMapOvr>
-  <p:timing>
-    <p:tnLst>
-      <p:par>
-        <p:cTn id="1" dur="indefinite" restart="never" nodeType="tmRoot"/>
-      </p:par>
-    </p:tnLst>
-  </p:timing>
 </p:sld>
 </file>
 
 <file path=ppt/slides/slide54.xml><?xml version="1.0" encoding="utf-8"?>
-<p:sld xmlns:a="http://schemas.openxmlformats.org/drawingml/2006/main" xmlns:r="http://schemas.openxmlformats.org/officeDocument/2006/relationships" xmlns:p="http://schemas.openxmlformats.org/presentationml/2006/main">
+<p:sld xmlns:a="http://schemas.openxmlformats.org/drawingml/2006/main" xmlns:r="http://schemas.openxmlformats.org/officeDocument/2006/relationships" xmlns:p="http://schemas.openxmlformats.org/presentationml/2006/main" show="0">
   <p:cSld>
     <p:bg>
       <p:bgPr>
@@ -40982,18 +39365,11 @@
   <p:clrMapOvr>
     <a:masterClrMapping/>
   </p:clrMapOvr>
-  <p:timing>
-    <p:tnLst>
-      <p:par>
-        <p:cTn id="1" dur="indefinite" restart="never" nodeType="tmRoot"/>
-      </p:par>
-    </p:tnLst>
-  </p:timing>
 </p:sld>
 </file>
 
 <file path=ppt/slides/slide55.xml><?xml version="1.0" encoding="utf-8"?>
-<p:sld xmlns:a="http://schemas.openxmlformats.org/drawingml/2006/main" xmlns:r="http://schemas.openxmlformats.org/officeDocument/2006/relationships" xmlns:p="http://schemas.openxmlformats.org/presentationml/2006/main">
+<p:sld xmlns:a="http://schemas.openxmlformats.org/drawingml/2006/main" xmlns:r="http://schemas.openxmlformats.org/officeDocument/2006/relationships" xmlns:p="http://schemas.openxmlformats.org/presentationml/2006/main" show="0">
   <p:cSld>
     <p:spTree>
       <p:nvGrpSpPr>
@@ -41159,7 +39535,7 @@
               <a:buChar char="‣"/>
             </a:pPr>
             <a:r>
-              <a:rPr lang="en-US" sz="2800" dirty="0" smtClean="0">
+              <a:rPr lang="en-US" sz="2800" dirty="0">
                 <a:latin typeface="Georgia"/>
                 <a:ea typeface="Georgia"/>
                 <a:cs typeface="Georgia"/>
@@ -41167,12 +39543,6 @@
               </a:rPr>
               <a:t>Unit Project 3</a:t>
             </a:r>
-            <a:endParaRPr lang="en-US" sz="2800" dirty="0">
-              <a:latin typeface="Georgia"/>
-              <a:ea typeface="Georgia"/>
-              <a:cs typeface="Georgia"/>
-              <a:sym typeface="Georgia"/>
-            </a:endParaRPr>
           </a:p>
           <a:p>
             <a:pPr marR="0" lvl="0" algn="l" rtl="0">
@@ -41195,13 +39565,6 @@
   <p:clrMapOvr>
     <a:masterClrMapping/>
   </p:clrMapOvr>
-  <p:timing>
-    <p:tnLst>
-      <p:par>
-        <p:cTn id="1" dur="indefinite" restart="never" nodeType="tmRoot"/>
-      </p:par>
-    </p:tnLst>
-  </p:timing>
 </p:sld>
 </file>
 
@@ -41384,13 +39747,6 @@
   <p:clrMapOvr>
     <a:masterClrMapping/>
   </p:clrMapOvr>
-  <p:timing>
-    <p:tnLst>
-      <p:par>
-        <p:cTn id="1" dur="indefinite" restart="never" nodeType="tmRoot"/>
-      </p:par>
-    </p:tnLst>
-  </p:timing>
 </p:sld>
 </file>
 
@@ -41630,16 +39986,7 @@
                 <a:cs typeface="Oswald"/>
                 <a:sym typeface="Oswald"/>
               </a:rPr>
-              <a:t>DON’T FORGET TO FILL OUT YOUR EXIT </a:t>
-            </a:r>
-            <a:r>
-              <a:rPr lang="en-US" sz="2800" b="1" dirty="0" smtClean="0">
-                <a:latin typeface="Oswald"/>
-                <a:ea typeface="Oswald"/>
-                <a:cs typeface="Oswald"/>
-                <a:sym typeface="Oswald"/>
-              </a:rPr>
-              <a:t>TICKET</a:t>
+              <a:t>DON’T FORGET TO FILL OUT YOUR EXIT TICKET</a:t>
             </a:r>
           </a:p>
           <a:p>
@@ -41654,28 +40001,7 @@
               <a:buNone/>
             </a:pPr>
             <a:r>
-              <a:rPr lang="en-US" sz="2800" b="1" dirty="0" smtClean="0">
-                <a:latin typeface="Oswald"/>
-                <a:ea typeface="Oswald"/>
-                <a:cs typeface="Oswald"/>
-                <a:sym typeface="Oswald"/>
-              </a:rPr>
-              <a:t>LESSON 9</a:t>
-            </a:r>
-          </a:p>
-          <a:p>
-            <a:pPr marL="0" marR="0" lvl="0" indent="0" algn="l" rtl="0">
-              <a:lnSpc>
-                <a:spcPct val="114285"/>
-              </a:lnSpc>
-              <a:spcBef>
-                <a:spcPts val="0"/>
-              </a:spcBef>
-              <a:buSzPct val="25000"/>
-              <a:buNone/>
-            </a:pPr>
-            <a:r>
-              <a:rPr lang="en-US" sz="2800" b="1" dirty="0" smtClean="0">
+              <a:rPr lang="en-US" sz="2800" b="1" dirty="0">
                 <a:latin typeface="Oswald"/>
                 <a:ea typeface="Oswald"/>
                 <a:cs typeface="Oswald"/>
@@ -41683,12 +40009,6 @@
               </a:rPr>
               <a:t>INTRO TO LOGISTIC REGRESSION</a:t>
             </a:r>
-            <a:endParaRPr lang="en-US" sz="2800" b="1" dirty="0">
-              <a:latin typeface="Oswald"/>
-              <a:ea typeface="Oswald"/>
-              <a:cs typeface="Oswald"/>
-              <a:sym typeface="Oswald"/>
-            </a:endParaRPr>
           </a:p>
         </p:txBody>
       </p:sp>
@@ -41697,13 +40017,6 @@
   <p:clrMapOvr>
     <a:masterClrMapping/>
   </p:clrMapOvr>
-  <p:timing>
-    <p:tnLst>
-      <p:par>
-        <p:cTn id="1" dur="indefinite" restart="never" nodeType="tmRoot"/>
-      </p:par>
-    </p:tnLst>
-  </p:timing>
 </p:sld>
 </file>
 
@@ -41871,26 +40184,26 @@
               <a:buChar char="‣"/>
             </a:pPr>
             <a:r>
-              <a:rPr lang="en-US" sz="2800" i="1" dirty="0" smtClean="0">
+              <a:rPr lang="en-US" sz="2800" i="1" dirty="0">
                 <a:latin typeface="Georgia" panose="02040502050405020303" pitchFamily="18" charset="0"/>
               </a:rPr>
               <a:t>An Introduction to Statistical Learning</a:t>
             </a:r>
             <a:r>
-              <a:rPr lang="en-US" sz="2800" dirty="0" smtClean="0">
+              <a:rPr lang="en-US" sz="2800" dirty="0">
                 <a:latin typeface="Georgia" panose="02040502050405020303" pitchFamily="18" charset="0"/>
               </a:rPr>
               <a:t>, James, G et al (2013): </a:t>
             </a:r>
             <a:r>
-              <a:rPr lang="en-US" sz="2800" dirty="0" smtClean="0">
+              <a:rPr lang="en-US" sz="2800" dirty="0">
                 <a:latin typeface="Georgia" panose="02040502050405020303" pitchFamily="18" charset="0"/>
                 <a:hlinkClick r:id="rId3"/>
               </a:rPr>
               <a:t>http://www-bcf.usc.edu/~gareth/ISL/getbook.html</a:t>
             </a:r>
             <a:r>
-              <a:rPr lang="en-US" sz="2800" dirty="0" smtClean="0">
+              <a:rPr lang="en-US" sz="2800" dirty="0">
                 <a:latin typeface="Georgia" panose="02040502050405020303" pitchFamily="18" charset="0"/>
               </a:rPr>
               <a:t> </a:t>
@@ -41902,7 +40215,7 @@
               <a:buFont typeface="Georgia"/>
               <a:buChar char="‣"/>
             </a:pPr>
-            <a:endParaRPr lang="en-US" sz="2800" dirty="0" smtClean="0">
+            <a:endParaRPr lang="en-US" sz="2800" dirty="0">
               <a:latin typeface="Georgia" panose="02040502050405020303" pitchFamily="18" charset="0"/>
             </a:endParaRPr>
           </a:p>
@@ -41932,18 +40245,11 @@
   <p:clrMapOvr>
     <a:masterClrMapping/>
   </p:clrMapOvr>
-  <p:timing>
-    <p:tnLst>
-      <p:par>
-        <p:cTn id="1" dur="indefinite" restart="never" nodeType="tmRoot"/>
-      </p:par>
-    </p:tnLst>
-  </p:timing>
 </p:sld>
 </file>
 
 <file path=ppt/slides/slide6.xml><?xml version="1.0" encoding="utf-8"?>
-<p:sld xmlns:a="http://schemas.openxmlformats.org/drawingml/2006/main" xmlns:r="http://schemas.openxmlformats.org/officeDocument/2006/relationships" xmlns:p="http://schemas.openxmlformats.org/presentationml/2006/main">
+<p:sld xmlns:a="http://schemas.openxmlformats.org/drawingml/2006/main" xmlns:r="http://schemas.openxmlformats.org/officeDocument/2006/relationships" xmlns:p="http://schemas.openxmlformats.org/presentationml/2006/main" show="0">
   <p:cSld>
     <p:spTree>
       <p:nvGrpSpPr>
@@ -41996,7 +40302,7 @@
               <a:buNone/>
             </a:pPr>
             <a:r>
-              <a:rPr lang="en-US" sz="3200" b="1" dirty="0" smtClean="0">
+              <a:rPr lang="en-US" sz="3200" b="1" dirty="0">
                 <a:solidFill>
                   <a:schemeClr val="dk1"/>
                 </a:solidFill>
@@ -42007,15 +40313,6 @@
               </a:rPr>
               <a:t>MODEL DIFFERENCES</a:t>
             </a:r>
-            <a:endParaRPr lang="en-US" sz="3200" b="1" dirty="0">
-              <a:solidFill>
-                <a:schemeClr val="dk1"/>
-              </a:solidFill>
-              <a:latin typeface="Oswald"/>
-              <a:ea typeface="Oswald"/>
-              <a:cs typeface="Oswald"/>
-              <a:sym typeface="Oswald"/>
-            </a:endParaRPr>
           </a:p>
         </p:txBody>
       </p:sp>
@@ -42202,37 +40499,7 @@
                 <a:cs typeface="Georgia"/>
                 <a:sym typeface="Georgia"/>
               </a:rPr>
-              <a:t>What are the main differences between linear </a:t>
-            </a:r>
-            <a:r>
-              <a:rPr lang="en-US" sz="1800" dirty="0" smtClean="0">
-                <a:solidFill>
-                  <a:srgbClr val="333333"/>
-                </a:solidFill>
-                <a:highlight>
-                  <a:srgbClr val="FFFFFF"/>
-                </a:highlight>
-                <a:latin typeface="Georgia"/>
-                <a:ea typeface="Georgia"/>
-                <a:cs typeface="Georgia"/>
-                <a:sym typeface="Georgia"/>
-              </a:rPr>
-              <a:t>regression and KNN? </a:t>
-            </a:r>
-            <a:r>
-              <a:rPr lang="en-US" sz="1800" dirty="0">
-                <a:solidFill>
-                  <a:srgbClr val="333333"/>
-                </a:solidFill>
-                <a:highlight>
-                  <a:srgbClr val="FFFFFF"/>
-                </a:highlight>
-                <a:latin typeface="Georgia"/>
-                <a:ea typeface="Georgia"/>
-                <a:cs typeface="Georgia"/>
-                <a:sym typeface="Georgia"/>
-              </a:rPr>
-              <a:t>What is different about how they approach</a:t>
+              <a:t>What are the main differences between linear regression and KNN? What is different about how they approach</a:t>
             </a:r>
             <a:r>
               <a:rPr lang="en-US" sz="1800" i="1" dirty="0">
@@ -42250,7 +40517,7 @@
               <a:t> </a:t>
             </a:r>
             <a:r>
-              <a:rPr lang="en-US" sz="1800" dirty="0" smtClean="0">
+              <a:rPr lang="en-US" sz="1800" dirty="0">
                 <a:solidFill>
                   <a:srgbClr val="333333"/>
                 </a:solidFill>
@@ -42264,18 +40531,6 @@
               </a:rPr>
               <a:t>predicting the outcome variable? </a:t>
             </a:r>
-            <a:endParaRPr lang="en-US" sz="1800" dirty="0">
-              <a:solidFill>
-                <a:srgbClr val="333333"/>
-              </a:solidFill>
-              <a:highlight>
-                <a:srgbClr val="FFFFFF"/>
-              </a:highlight>
-              <a:latin typeface="Georgia"/>
-              <a:ea typeface="Georgia"/>
-              <a:cs typeface="Georgia"/>
-              <a:sym typeface="Georgia"/>
-            </a:endParaRPr>
           </a:p>
           <a:p>
             <a:pPr marL="914400" lvl="1" indent="-342900" rtl="0">
@@ -42332,37 +40587,7 @@
                 <a:cs typeface="Georgia"/>
                 <a:sym typeface="Georgia"/>
               </a:rPr>
-              <a:t> about </a:t>
-            </a:r>
-            <a:r>
-              <a:rPr lang="en-US" sz="1800" dirty="0" smtClean="0">
-                <a:solidFill>
-                  <a:srgbClr val="333333"/>
-                </a:solidFill>
-                <a:highlight>
-                  <a:srgbClr val="FFFFFF"/>
-                </a:highlight>
-                <a:latin typeface="Georgia"/>
-                <a:ea typeface="Georgia"/>
-                <a:cs typeface="Georgia"/>
-                <a:sym typeface="Georgia"/>
-              </a:rPr>
-              <a:t>linear regression </a:t>
-            </a:r>
-            <a:r>
-              <a:rPr lang="en-US" sz="1800" dirty="0">
-                <a:solidFill>
-                  <a:srgbClr val="333333"/>
-                </a:solidFill>
-                <a:highlight>
-                  <a:srgbClr val="FFFFFF"/>
-                </a:highlight>
-                <a:latin typeface="Georgia"/>
-                <a:ea typeface="Georgia"/>
-                <a:cs typeface="Georgia"/>
-                <a:sym typeface="Georgia"/>
-              </a:rPr>
-              <a:t>compared to what's </a:t>
+              <a:t> about linear regression compared to what's </a:t>
             </a:r>
             <a:r>
               <a:rPr lang="en-US" sz="1800" i="1" dirty="0">
@@ -42392,22 +40617,7 @@
                 <a:cs typeface="Georgia"/>
                 <a:sym typeface="Georgia"/>
               </a:rPr>
-              <a:t> in KNN</a:t>
-            </a:r>
-            <a:r>
-              <a:rPr lang="en-US" sz="1800" dirty="0" smtClean="0">
-                <a:solidFill>
-                  <a:srgbClr val="333333"/>
-                </a:solidFill>
-                <a:highlight>
-                  <a:srgbClr val="FFFFFF"/>
-                </a:highlight>
-                <a:latin typeface="Georgia"/>
-                <a:ea typeface="Georgia"/>
-                <a:cs typeface="Georgia"/>
-                <a:sym typeface="Georgia"/>
-              </a:rPr>
-              <a:t>?</a:t>
+              <a:t> in KNN?</a:t>
             </a:r>
           </a:p>
           <a:p>
@@ -42460,23 +40670,21 @@
                 <a:cs typeface="Georgia"/>
                 <a:sym typeface="Georgia"/>
               </a:rPr>
-              <a:t>What would be the advantage of using a linear </a:t>
+              <a:t>What would be the advantage of using a linear regression to solve a classification problem instead of KNN?</a:t>
             </a:r>
-            <a:r>
-              <a:rPr lang="en-US" sz="1800" dirty="0" smtClean="0">
-                <a:solidFill>
-                  <a:srgbClr val="333333"/>
-                </a:solidFill>
-                <a:highlight>
-                  <a:srgbClr val="FFFFFF"/>
-                </a:highlight>
-                <a:latin typeface="Georgia"/>
-                <a:ea typeface="Georgia"/>
-                <a:cs typeface="Georgia"/>
-                <a:sym typeface="Georgia"/>
-              </a:rPr>
-              <a:t>regression to </a:t>
-            </a:r>
+          </a:p>
+          <a:p>
+            <a:pPr marL="914400" lvl="1" indent="-342900" rtl="0">
+              <a:spcBef>
+                <a:spcPts val="0"/>
+              </a:spcBef>
+              <a:buClr>
+                <a:srgbClr val="333333"/>
+              </a:buClr>
+              <a:buSzPct val="100000"/>
+              <a:buFont typeface="Georgia"/>
+              <a:buAutoNum type="alphaLcPeriod"/>
+            </a:pPr>
             <a:r>
               <a:rPr lang="en-US" sz="1800" dirty="0">
                 <a:solidFill>
@@ -42490,123 +40698,8 @@
                 <a:cs typeface="Georgia"/>
                 <a:sym typeface="Georgia"/>
               </a:rPr>
-              <a:t>solve a classification </a:t>
+              <a:t>What might some of the challenges be when using a linear regression to solve a classification problem?</a:t>
             </a:r>
-            <a:r>
-              <a:rPr lang="en-US" sz="1800" dirty="0" smtClean="0">
-                <a:solidFill>
-                  <a:srgbClr val="333333"/>
-                </a:solidFill>
-                <a:highlight>
-                  <a:srgbClr val="FFFFFF"/>
-                </a:highlight>
-                <a:latin typeface="Georgia"/>
-                <a:ea typeface="Georgia"/>
-                <a:cs typeface="Georgia"/>
-                <a:sym typeface="Georgia"/>
-              </a:rPr>
-              <a:t>problem instead of </a:t>
-            </a:r>
-            <a:r>
-              <a:rPr lang="en-US" sz="1800" dirty="0">
-                <a:solidFill>
-                  <a:srgbClr val="333333"/>
-                </a:solidFill>
-                <a:highlight>
-                  <a:srgbClr val="FFFFFF"/>
-                </a:highlight>
-                <a:latin typeface="Georgia"/>
-                <a:ea typeface="Georgia"/>
-                <a:cs typeface="Georgia"/>
-                <a:sym typeface="Georgia"/>
-              </a:rPr>
-              <a:t>KNN?</a:t>
-            </a:r>
-          </a:p>
-          <a:p>
-            <a:pPr marL="914400" lvl="1" indent="-342900" rtl="0">
-              <a:spcBef>
-                <a:spcPts val="0"/>
-              </a:spcBef>
-              <a:buClr>
-                <a:srgbClr val="333333"/>
-              </a:buClr>
-              <a:buSzPct val="100000"/>
-              <a:buFont typeface="Georgia"/>
-              <a:buAutoNum type="alphaLcPeriod"/>
-            </a:pPr>
-            <a:r>
-              <a:rPr lang="en-US" sz="1800" dirty="0">
-                <a:solidFill>
-                  <a:srgbClr val="333333"/>
-                </a:solidFill>
-                <a:highlight>
-                  <a:srgbClr val="FFFFFF"/>
-                </a:highlight>
-                <a:latin typeface="Georgia"/>
-                <a:ea typeface="Georgia"/>
-                <a:cs typeface="Georgia"/>
-                <a:sym typeface="Georgia"/>
-              </a:rPr>
-              <a:t>What </a:t>
-            </a:r>
-            <a:r>
-              <a:rPr lang="en-US" sz="1800" dirty="0" smtClean="0">
-                <a:solidFill>
-                  <a:srgbClr val="333333"/>
-                </a:solidFill>
-                <a:highlight>
-                  <a:srgbClr val="FFFFFF"/>
-                </a:highlight>
-                <a:latin typeface="Georgia"/>
-                <a:ea typeface="Georgia"/>
-                <a:cs typeface="Georgia"/>
-                <a:sym typeface="Georgia"/>
-              </a:rPr>
-              <a:t>might some of the challenges be when using a linear regression to </a:t>
-            </a:r>
-            <a:r>
-              <a:rPr lang="en-US" sz="1800" dirty="0">
-                <a:solidFill>
-                  <a:srgbClr val="333333"/>
-                </a:solidFill>
-                <a:highlight>
-                  <a:srgbClr val="FFFFFF"/>
-                </a:highlight>
-                <a:latin typeface="Georgia"/>
-                <a:ea typeface="Georgia"/>
-                <a:cs typeface="Georgia"/>
-                <a:sym typeface="Georgia"/>
-              </a:rPr>
-              <a:t>solve a classification </a:t>
-            </a:r>
-            <a:r>
-              <a:rPr lang="en-US" sz="1800" dirty="0" smtClean="0">
-                <a:solidFill>
-                  <a:srgbClr val="333333"/>
-                </a:solidFill>
-                <a:highlight>
-                  <a:srgbClr val="FFFFFF"/>
-                </a:highlight>
-                <a:latin typeface="Georgia"/>
-                <a:ea typeface="Georgia"/>
-                <a:cs typeface="Georgia"/>
-                <a:sym typeface="Georgia"/>
-              </a:rPr>
-              <a:t>problem?</a:t>
-            </a:r>
-            <a:endParaRPr lang="en-US" sz="1800" dirty="0">
-              <a:solidFill>
-                <a:srgbClr val="333333"/>
-              </a:solidFill>
-              <a:highlight>
-                <a:srgbClr val="FFFFFF"/>
-              </a:highlight>
-              <a:latin typeface="Georgia"/>
-              <a:ea typeface="Georgia"/>
-              <a:cs typeface="Georgia"/>
-              <a:sym typeface="Georgia"/>
-            </a:endParaRPr>
           </a:p>
         </p:txBody>
       </p:sp>
@@ -42740,23 +40833,8 @@
                 <a:cs typeface="Oswald"/>
                 <a:sym typeface="Oswald"/>
               </a:rPr>
-              <a:t>ANSWER THE FOLLOWING </a:t>
+              <a:t>ANSWER THE FOLLOWING QUESTIONS (10 minutes)</a:t>
             </a:r>
-            <a:r>
-              <a:rPr lang="en-US" sz="2000" b="1" dirty="0" smtClean="0">
-                <a:latin typeface="Oswald"/>
-                <a:ea typeface="Oswald"/>
-                <a:cs typeface="Oswald"/>
-                <a:sym typeface="Oswald"/>
-              </a:rPr>
-              <a:t>QUESTIONS (10 minutes)</a:t>
-            </a:r>
-            <a:endParaRPr lang="en-US" sz="2000" b="1" dirty="0">
-              <a:latin typeface="Oswald"/>
-              <a:ea typeface="Oswald"/>
-              <a:cs typeface="Oswald"/>
-              <a:sym typeface="Oswald"/>
-            </a:endParaRPr>
           </a:p>
         </p:txBody>
       </p:sp>
@@ -42791,13 +40869,6 @@
   <p:clrMapOvr>
     <a:masterClrMapping/>
   </p:clrMapOvr>
-  <p:timing>
-    <p:tnLst>
-      <p:par>
-        <p:cTn id="1" dur="indefinite" restart="never" nodeType="tmRoot"/>
-      </p:par>
-    </p:tnLst>
-  </p:timing>
 </p:sld>
 </file>
 
@@ -43089,55 +41160,7 @@
                 <a:cs typeface="Georgia"/>
                 <a:sym typeface="Georgia"/>
               </a:rPr>
-              <a:t> </a:t>
-            </a:r>
-            <a:r>
-              <a:rPr lang="en-US" sz="2800" dirty="0" smtClean="0">
-                <a:solidFill>
-                  <a:schemeClr val="dk1"/>
-                </a:solidFill>
-                <a:latin typeface="Georgia"/>
-                <a:ea typeface="Georgia"/>
-                <a:cs typeface="Georgia"/>
-                <a:sym typeface="Georgia"/>
-              </a:rPr>
-              <a:t>models</a:t>
-            </a:r>
-            <a:r>
-              <a:rPr lang="en-US" sz="2800" dirty="0">
-                <a:solidFill>
-                  <a:schemeClr val="dk1"/>
-                </a:solidFill>
-                <a:latin typeface="Georgia"/>
-                <a:ea typeface="Georgia"/>
-                <a:cs typeface="Georgia"/>
-                <a:sym typeface="Georgia"/>
-              </a:rPr>
-              <a:t> </a:t>
-            </a:r>
-            <a:r>
-              <a:rPr lang="en-US" sz="2800" dirty="0" smtClean="0">
-                <a:solidFill>
-                  <a:schemeClr val="dk1"/>
-                </a:solidFill>
-                <a:latin typeface="Georgia"/>
-                <a:ea typeface="Georgia"/>
-                <a:cs typeface="Georgia"/>
-                <a:sym typeface="Georgia"/>
-              </a:rPr>
-              <a:t>(We’ll </a:t>
-            </a:r>
-            <a:r>
-              <a:rPr lang="en-US" sz="2800" dirty="0">
-                <a:solidFill>
-                  <a:schemeClr val="dk1"/>
-                </a:solidFill>
-                <a:latin typeface="Georgia"/>
-                <a:ea typeface="Georgia"/>
-                <a:cs typeface="Georgia"/>
-                <a:sym typeface="Georgia"/>
-              </a:rPr>
-              <a:t>also use plots to </a:t>
+              <a:t> models (We’ll also use plots to </a:t>
             </a:r>
             <a:r>
               <a:rPr lang="en-US" sz="2800" b="1" dirty="0">
@@ -43161,29 +41184,8 @@
                 <a:cs typeface="Georgia"/>
                 <a:sym typeface="Georgia"/>
               </a:rPr>
-              <a:t> the </a:t>
+              <a:t> the results).</a:t>
             </a:r>
-            <a:r>
-              <a:rPr lang="en-US" sz="2800" dirty="0" smtClean="0">
-                <a:solidFill>
-                  <a:schemeClr val="dk1"/>
-                </a:solidFill>
-                <a:latin typeface="Georgia"/>
-                <a:ea typeface="Georgia"/>
-                <a:cs typeface="Georgia"/>
-                <a:sym typeface="Georgia"/>
-              </a:rPr>
-              <a:t>results).</a:t>
-            </a:r>
-            <a:endParaRPr lang="en-US" sz="2800" dirty="0">
-              <a:solidFill>
-                <a:schemeClr val="dk1"/>
-              </a:solidFill>
-              <a:latin typeface="Georgia"/>
-              <a:ea typeface="Georgia"/>
-              <a:cs typeface="Georgia"/>
-              <a:sym typeface="Georgia"/>
-            </a:endParaRPr>
           </a:p>
           <a:p>
             <a:pPr lvl="0" rtl="0">
@@ -43260,13 +41262,6 @@
   <p:clrMapOvr>
     <a:masterClrMapping/>
   </p:clrMapOvr>
-  <p:timing>
-    <p:tnLst>
-      <p:par>
-        <p:cTn id="1" dur="indefinite" restart="never" nodeType="tmRoot"/>
-      </p:par>
-    </p:tnLst>
-  </p:timing>
 </p:sld>
 </file>
 
@@ -43333,29 +41328,8 @@
                 <a:cs typeface="Oswald"/>
                 <a:sym typeface="Oswald"/>
               </a:rPr>
-              <a:t>WHERE ARE WE IN THE </a:t>
+              <a:t>WHERE ARE WE IN THE MACHINE LEARNING UNIVERSE?</a:t>
             </a:r>
-            <a:r>
-              <a:rPr lang="en-US" sz="3200" b="1" dirty="0" smtClean="0">
-                <a:solidFill>
-                  <a:schemeClr val="dk1"/>
-                </a:solidFill>
-                <a:latin typeface="Oswald"/>
-                <a:ea typeface="Oswald"/>
-                <a:cs typeface="Oswald"/>
-                <a:sym typeface="Oswald"/>
-              </a:rPr>
-              <a:t>MACHINE LEARNING UNIVERSE?</a:t>
-            </a:r>
-            <a:endParaRPr lang="en-US" sz="3200" b="1" dirty="0">
-              <a:solidFill>
-                <a:schemeClr val="dk1"/>
-              </a:solidFill>
-              <a:latin typeface="Oswald"/>
-              <a:ea typeface="Oswald"/>
-              <a:cs typeface="Oswald"/>
-              <a:sym typeface="Oswald"/>
-            </a:endParaRPr>
           </a:p>
           <a:p>
             <a:pPr marL="0" marR="0" lvl="0" indent="0" algn="l" rtl="0">
@@ -43425,18 +41399,11 @@
   <p:clrMapOvr>
     <a:masterClrMapping/>
   </p:clrMapOvr>
-  <p:timing>
-    <p:tnLst>
-      <p:par>
-        <p:cTn id="1" dur="indefinite" restart="never" nodeType="tmRoot"/>
-      </p:par>
-    </p:tnLst>
-  </p:timing>
 </p:sld>
 </file>
 
 <file path=ppt/slides/slide9.xml><?xml version="1.0" encoding="utf-8"?>
-<p:sld xmlns:a="http://schemas.openxmlformats.org/drawingml/2006/main" xmlns:r="http://schemas.openxmlformats.org/officeDocument/2006/relationships" xmlns:p="http://schemas.openxmlformats.org/presentationml/2006/main">
+<p:sld xmlns:a="http://schemas.openxmlformats.org/drawingml/2006/main" xmlns:r="http://schemas.openxmlformats.org/officeDocument/2006/relationships" xmlns:p="http://schemas.openxmlformats.org/presentationml/2006/main" show="0">
   <p:cSld>
     <p:spTree>
       <p:nvGrpSpPr>
@@ -43488,7 +41455,7 @@
               <a:buNone/>
             </a:pPr>
             <a:r>
-              <a:rPr lang="en-US" sz="3200" b="1" dirty="0" smtClean="0">
+              <a:rPr lang="en-US" sz="3200" b="1" dirty="0">
                 <a:latin typeface="Oswald"/>
                 <a:ea typeface="Oswald"/>
                 <a:cs typeface="Oswald"/>
@@ -43496,12 +41463,6 @@
               </a:rPr>
               <a:t>DEMO</a:t>
             </a:r>
-            <a:endParaRPr lang="en-US" sz="3200" b="1" dirty="0">
-              <a:latin typeface="Oswald"/>
-              <a:ea typeface="Oswald"/>
-              <a:cs typeface="Oswald"/>
-              <a:sym typeface="Oswald"/>
-            </a:endParaRPr>
           </a:p>
         </p:txBody>
       </p:sp>
@@ -43539,7 +41500,7 @@
               </a:spcBef>
               <a:buNone/>
             </a:pPr>
-            <a:endParaRPr dirty="0" smtClean="0">
+            <a:endParaRPr dirty="0">
               <a:latin typeface="Oswald"/>
               <a:ea typeface="Oswald"/>
               <a:cs typeface="Oswald"/>
@@ -43558,7 +41519,7 @@
               <a:buNone/>
             </a:pPr>
             <a:r>
-              <a:rPr lang="en-US" sz="9600" b="1" dirty="0" smtClean="0">
+              <a:rPr lang="en-US" sz="9600" b="1" dirty="0">
                 <a:solidFill>
                   <a:srgbClr val="FFFFFF"/>
                 </a:solidFill>
@@ -43582,7 +41543,7 @@
               <a:buNone/>
             </a:pPr>
             <a:r>
-              <a:rPr lang="en-US" sz="9600" b="1" dirty="0" smtClean="0">
+              <a:rPr lang="en-US" sz="9600" b="1" dirty="0">
                 <a:solidFill>
                   <a:srgbClr val="FFFFFF"/>
                 </a:solidFill>
@@ -43593,15 +41554,6 @@
               </a:rPr>
               <a:t>LINEAR REGRESSION?</a:t>
             </a:r>
-            <a:endParaRPr lang="en-US" sz="9600" b="1" dirty="0">
-              <a:solidFill>
-                <a:srgbClr val="FFFFFF"/>
-              </a:solidFill>
-              <a:latin typeface="Oswald"/>
-              <a:ea typeface="Oswald"/>
-              <a:cs typeface="Oswald"/>
-              <a:sym typeface="Oswald"/>
-            </a:endParaRPr>
           </a:p>
         </p:txBody>
       </p:sp>
